--- a/chapters/introduction/images/works.pptx
+++ b/chapters/introduction/images/works.pptx
@@ -6,6 +6,7 @@
   </p:sldMasterIdLst>
   <p:sldIdLst>
     <p:sldId id="256" r:id="rId2"/>
+    <p:sldId id="257" r:id="rId3"/>
   </p:sldIdLst>
   <p:sldSz cx="12192000" cy="6858000"/>
   <p:notesSz cx="6858000" cy="9144000"/>
@@ -259,7 +260,7 @@
           <a:p>
             <a:fld id="{2653ACC0-EB5D-44CA-A76B-2C4B949E24D2}" type="datetimeFigureOut">
               <a:rPr lang="en-US" smtClean="0"/>
-              <a:t>2/6/2021</a:t>
+              <a:t>3/17/2021</a:t>
             </a:fld>
             <a:endParaRPr lang="en-US"/>
           </a:p>
@@ -457,7 +458,7 @@
           <a:p>
             <a:fld id="{2653ACC0-EB5D-44CA-A76B-2C4B949E24D2}" type="datetimeFigureOut">
               <a:rPr lang="en-US" smtClean="0"/>
-              <a:t>2/6/2021</a:t>
+              <a:t>3/17/2021</a:t>
             </a:fld>
             <a:endParaRPr lang="en-US"/>
           </a:p>
@@ -665,7 +666,7 @@
           <a:p>
             <a:fld id="{2653ACC0-EB5D-44CA-A76B-2C4B949E24D2}" type="datetimeFigureOut">
               <a:rPr lang="en-US" smtClean="0"/>
-              <a:t>2/6/2021</a:t>
+              <a:t>3/17/2021</a:t>
             </a:fld>
             <a:endParaRPr lang="en-US"/>
           </a:p>
@@ -863,7 +864,7 @@
           <a:p>
             <a:fld id="{2653ACC0-EB5D-44CA-A76B-2C4B949E24D2}" type="datetimeFigureOut">
               <a:rPr lang="en-US" smtClean="0"/>
-              <a:t>2/6/2021</a:t>
+              <a:t>3/17/2021</a:t>
             </a:fld>
             <a:endParaRPr lang="en-US"/>
           </a:p>
@@ -1138,7 +1139,7 @@
           <a:p>
             <a:fld id="{2653ACC0-EB5D-44CA-A76B-2C4B949E24D2}" type="datetimeFigureOut">
               <a:rPr lang="en-US" smtClean="0"/>
-              <a:t>2/6/2021</a:t>
+              <a:t>3/17/2021</a:t>
             </a:fld>
             <a:endParaRPr lang="en-US"/>
           </a:p>
@@ -1403,7 +1404,7 @@
           <a:p>
             <a:fld id="{2653ACC0-EB5D-44CA-A76B-2C4B949E24D2}" type="datetimeFigureOut">
               <a:rPr lang="en-US" smtClean="0"/>
-              <a:t>2/6/2021</a:t>
+              <a:t>3/17/2021</a:t>
             </a:fld>
             <a:endParaRPr lang="en-US"/>
           </a:p>
@@ -1815,7 +1816,7 @@
           <a:p>
             <a:fld id="{2653ACC0-EB5D-44CA-A76B-2C4B949E24D2}" type="datetimeFigureOut">
               <a:rPr lang="en-US" smtClean="0"/>
-              <a:t>2/6/2021</a:t>
+              <a:t>3/17/2021</a:t>
             </a:fld>
             <a:endParaRPr lang="en-US"/>
           </a:p>
@@ -1956,7 +1957,7 @@
           <a:p>
             <a:fld id="{2653ACC0-EB5D-44CA-A76B-2C4B949E24D2}" type="datetimeFigureOut">
               <a:rPr lang="en-US" smtClean="0"/>
-              <a:t>2/6/2021</a:t>
+              <a:t>3/17/2021</a:t>
             </a:fld>
             <a:endParaRPr lang="en-US"/>
           </a:p>
@@ -2069,7 +2070,7 @@
           <a:p>
             <a:fld id="{2653ACC0-EB5D-44CA-A76B-2C4B949E24D2}" type="datetimeFigureOut">
               <a:rPr lang="en-US" smtClean="0"/>
-              <a:t>2/6/2021</a:t>
+              <a:t>3/17/2021</a:t>
             </a:fld>
             <a:endParaRPr lang="en-US"/>
           </a:p>
@@ -2380,7 +2381,7 @@
           <a:p>
             <a:fld id="{2653ACC0-EB5D-44CA-A76B-2C4B949E24D2}" type="datetimeFigureOut">
               <a:rPr lang="en-US" smtClean="0"/>
-              <a:t>2/6/2021</a:t>
+              <a:t>3/17/2021</a:t>
             </a:fld>
             <a:endParaRPr lang="en-US"/>
           </a:p>
@@ -2668,7 +2669,7 @@
           <a:p>
             <a:fld id="{2653ACC0-EB5D-44CA-A76B-2C4B949E24D2}" type="datetimeFigureOut">
               <a:rPr lang="en-US" smtClean="0"/>
-              <a:t>2/6/2021</a:t>
+              <a:t>3/17/2021</a:t>
             </a:fld>
             <a:endParaRPr lang="en-US"/>
           </a:p>
@@ -2909,7 +2910,7 @@
           <a:p>
             <a:fld id="{2653ACC0-EB5D-44CA-A76B-2C4B949E24D2}" type="datetimeFigureOut">
               <a:rPr lang="en-US" smtClean="0"/>
-              <a:t>2/6/2021</a:t>
+              <a:t>3/17/2021</a:t>
             </a:fld>
             <a:endParaRPr lang="en-US"/>
           </a:p>
@@ -4056,6 +4057,2046 @@
 </p:sld>
 </file>
 
+<file path=ppt/slides/slide2.xml><?xml version="1.0" encoding="utf-8"?>
+<p:sld xmlns:a="http://schemas.openxmlformats.org/drawingml/2006/main" xmlns:r="http://schemas.openxmlformats.org/officeDocument/2006/relationships" xmlns:p="http://schemas.openxmlformats.org/presentationml/2006/main">
+  <p:cSld>
+    <p:spTree>
+      <p:nvGrpSpPr>
+        <p:cNvPr id="1" name=""/>
+        <p:cNvGrpSpPr/>
+        <p:nvPr/>
+      </p:nvGrpSpPr>
+      <p:grpSpPr>
+        <a:xfrm>
+          <a:off x="0" y="0"/>
+          <a:ext cx="0" cy="0"/>
+          <a:chOff x="0" y="0"/>
+          <a:chExt cx="0" cy="0"/>
+        </a:xfrm>
+      </p:grpSpPr>
+      <p:sp>
+        <p:nvSpPr>
+          <p:cNvPr id="55" name="Rectangle 54">
+            <a:extLst>
+              <a:ext uri="{FF2B5EF4-FFF2-40B4-BE49-F238E27FC236}">
+                <a16:creationId xmlns:a16="http://schemas.microsoft.com/office/drawing/2014/main" id="{09936526-4BFA-4ECF-AB6E-89F1015579CA}"/>
+              </a:ext>
+            </a:extLst>
+          </p:cNvPr>
+          <p:cNvSpPr/>
+          <p:nvPr/>
+        </p:nvSpPr>
+        <p:spPr>
+          <a:xfrm>
+            <a:off x="4345499" y="4591730"/>
+            <a:ext cx="5604849" cy="813482"/>
+          </a:xfrm>
+          <a:prstGeom prst="rect">
+            <a:avLst/>
+          </a:prstGeom>
+          <a:noFill/>
+          <a:ln w="38100">
+            <a:solidFill>
+              <a:srgbClr val="DAB4DE"/>
+            </a:solidFill>
+          </a:ln>
+        </p:spPr>
+        <p:style>
+          <a:lnRef idx="2">
+            <a:schemeClr val="accent1">
+              <a:shade val="50000"/>
+            </a:schemeClr>
+          </a:lnRef>
+          <a:fillRef idx="1">
+            <a:schemeClr val="accent1"/>
+          </a:fillRef>
+          <a:effectRef idx="0">
+            <a:schemeClr val="accent1"/>
+          </a:effectRef>
+          <a:fontRef idx="minor">
+            <a:schemeClr val="lt1"/>
+          </a:fontRef>
+        </p:style>
+        <p:txBody>
+          <a:bodyPr rtlCol="0" anchor="ctr"/>
+          <a:lstStyle/>
+          <a:p>
+            <a:pPr algn="ctr"/>
+            <a:endParaRPr lang="en-US"/>
+          </a:p>
+        </p:txBody>
+      </p:sp>
+      <p:sp>
+        <p:nvSpPr>
+          <p:cNvPr id="44" name="Arrow: Left-Right 43">
+            <a:extLst>
+              <a:ext uri="{FF2B5EF4-FFF2-40B4-BE49-F238E27FC236}">
+                <a16:creationId xmlns:a16="http://schemas.microsoft.com/office/drawing/2014/main" id="{7D84CCBF-C0D7-4524-B057-647ACE9888C1}"/>
+              </a:ext>
+            </a:extLst>
+          </p:cNvPr>
+          <p:cNvSpPr/>
+          <p:nvPr/>
+        </p:nvSpPr>
+        <p:spPr>
+          <a:xfrm>
+            <a:off x="1575888" y="2439390"/>
+            <a:ext cx="4419600" cy="168619"/>
+          </a:xfrm>
+          <a:prstGeom prst="leftRightArrow">
+            <a:avLst>
+              <a:gd name="adj1" fmla="val 50000"/>
+              <a:gd name="adj2" fmla="val 108945"/>
+            </a:avLst>
+          </a:prstGeom>
+          <a:solidFill>
+            <a:schemeClr val="bg1"/>
+          </a:solidFill>
+          <a:ln w="19050">
+            <a:solidFill>
+              <a:schemeClr val="tx1"/>
+            </a:solidFill>
+          </a:ln>
+        </p:spPr>
+        <p:style>
+          <a:lnRef idx="2">
+            <a:schemeClr val="accent1">
+              <a:shade val="50000"/>
+            </a:schemeClr>
+          </a:lnRef>
+          <a:fillRef idx="1">
+            <a:schemeClr val="accent1"/>
+          </a:fillRef>
+          <a:effectRef idx="0">
+            <a:schemeClr val="accent1"/>
+          </a:effectRef>
+          <a:fontRef idx="minor">
+            <a:schemeClr val="lt1"/>
+          </a:fontRef>
+        </p:style>
+        <p:txBody>
+          <a:bodyPr rtlCol="0" anchor="ctr"/>
+          <a:lstStyle/>
+          <a:p>
+            <a:pPr algn="ctr"/>
+            <a:endParaRPr lang="en-US"/>
+          </a:p>
+        </p:txBody>
+      </p:sp>
+      <p:pic>
+        <p:nvPicPr>
+          <p:cNvPr id="7" name="Picture 6">
+            <a:extLst>
+              <a:ext uri="{FF2B5EF4-FFF2-40B4-BE49-F238E27FC236}">
+                <a16:creationId xmlns:a16="http://schemas.microsoft.com/office/drawing/2014/main" id="{848DFF74-B28B-44B2-B71A-052AB5AF7E14}"/>
+              </a:ext>
+            </a:extLst>
+          </p:cNvPr>
+          <p:cNvPicPr>
+            <a:picLocks noChangeAspect="1"/>
+          </p:cNvPicPr>
+          <p:nvPr/>
+        </p:nvPicPr>
+        <p:blipFill rotWithShape="1">
+          <a:blip r:embed="rId2" cstate="print">
+            <a:grayscl/>
+            <a:extLst>
+              <a:ext uri="{28A0092B-C50C-407E-A947-70E740481C1C}">
+                <a14:useLocalDpi xmlns:a14="http://schemas.microsoft.com/office/drawing/2010/main" val="0"/>
+              </a:ext>
+            </a:extLst>
+          </a:blip>
+          <a:srcRect t="9232" b="8798"/>
+          <a:stretch/>
+        </p:blipFill>
+        <p:spPr>
+          <a:xfrm>
+            <a:off x="8975110" y="3229378"/>
+            <a:ext cx="876060" cy="718107"/>
+          </a:xfrm>
+          <a:prstGeom prst="rect">
+            <a:avLst/>
+          </a:prstGeom>
+        </p:spPr>
+      </p:pic>
+      <p:pic>
+        <p:nvPicPr>
+          <p:cNvPr id="8" name="Picture 7">
+            <a:extLst>
+              <a:ext uri="{FF2B5EF4-FFF2-40B4-BE49-F238E27FC236}">
+                <a16:creationId xmlns:a16="http://schemas.microsoft.com/office/drawing/2014/main" id="{09875AF3-F368-4CBE-92D7-73455FE01A2B}"/>
+              </a:ext>
+            </a:extLst>
+          </p:cNvPr>
+          <p:cNvPicPr>
+            <a:picLocks noChangeAspect="1"/>
+          </p:cNvPicPr>
+          <p:nvPr/>
+        </p:nvPicPr>
+        <p:blipFill>
+          <a:blip r:embed="rId3" cstate="print">
+            <a:extLst>
+              <a:ext uri="{28A0092B-C50C-407E-A947-70E740481C1C}">
+                <a14:useLocalDpi xmlns:a14="http://schemas.microsoft.com/office/drawing/2010/main" val="0"/>
+              </a:ext>
+            </a:extLst>
+          </a:blip>
+          <a:stretch>
+            <a:fillRect/>
+          </a:stretch>
+        </p:blipFill>
+        <p:spPr>
+          <a:xfrm>
+            <a:off x="8975109" y="4530660"/>
+            <a:ext cx="810372" cy="810372"/>
+          </a:xfrm>
+          <a:prstGeom prst="rect">
+            <a:avLst/>
+          </a:prstGeom>
+        </p:spPr>
+      </p:pic>
+      <p:pic>
+        <p:nvPicPr>
+          <p:cNvPr id="9" name="Picture 8">
+            <a:extLst>
+              <a:ext uri="{FF2B5EF4-FFF2-40B4-BE49-F238E27FC236}">
+                <a16:creationId xmlns:a16="http://schemas.microsoft.com/office/drawing/2014/main" id="{84C82EC0-9279-40D6-8A70-6467238EE290}"/>
+              </a:ext>
+            </a:extLst>
+          </p:cNvPr>
+          <p:cNvPicPr>
+            <a:picLocks noChangeAspect="1"/>
+          </p:cNvPicPr>
+          <p:nvPr/>
+        </p:nvPicPr>
+        <p:blipFill rotWithShape="1">
+          <a:blip r:embed="rId4" cstate="print">
+            <a:extLst>
+              <a:ext uri="{28A0092B-C50C-407E-A947-70E740481C1C}">
+                <a14:useLocalDpi xmlns:a14="http://schemas.microsoft.com/office/drawing/2010/main" val="0"/>
+              </a:ext>
+            </a:extLst>
+          </a:blip>
+          <a:srcRect t="10926" b="10939"/>
+          <a:stretch/>
+        </p:blipFill>
+        <p:spPr>
+          <a:xfrm>
+            <a:off x="8975110" y="1629749"/>
+            <a:ext cx="975239" cy="762000"/>
+          </a:xfrm>
+          <a:prstGeom prst="rect">
+            <a:avLst/>
+          </a:prstGeom>
+        </p:spPr>
+      </p:pic>
+      <p:sp>
+        <p:nvSpPr>
+          <p:cNvPr id="10" name="Rectangle: Rounded Corners 9">
+            <a:extLst>
+              <a:ext uri="{FF2B5EF4-FFF2-40B4-BE49-F238E27FC236}">
+                <a16:creationId xmlns:a16="http://schemas.microsoft.com/office/drawing/2014/main" id="{8971B676-E4BF-4451-9F5C-D185AD82A6AC}"/>
+              </a:ext>
+            </a:extLst>
+          </p:cNvPr>
+          <p:cNvSpPr/>
+          <p:nvPr/>
+        </p:nvSpPr>
+        <p:spPr>
+          <a:xfrm>
+            <a:off x="2154970" y="1683432"/>
+            <a:ext cx="6019800" cy="3810000"/>
+          </a:xfrm>
+          <a:prstGeom prst="roundRect">
+            <a:avLst>
+              <a:gd name="adj" fmla="val 3300"/>
+            </a:avLst>
+          </a:prstGeom>
+          <a:noFill/>
+          <a:ln w="28575">
+            <a:solidFill>
+              <a:schemeClr val="tx1"/>
+            </a:solidFill>
+          </a:ln>
+        </p:spPr>
+        <p:style>
+          <a:lnRef idx="2">
+            <a:schemeClr val="accent1">
+              <a:shade val="50000"/>
+            </a:schemeClr>
+          </a:lnRef>
+          <a:fillRef idx="1">
+            <a:schemeClr val="accent1"/>
+          </a:fillRef>
+          <a:effectRef idx="0">
+            <a:schemeClr val="accent1"/>
+          </a:effectRef>
+          <a:fontRef idx="minor">
+            <a:schemeClr val="lt1"/>
+          </a:fontRef>
+        </p:style>
+        <p:txBody>
+          <a:bodyPr rtlCol="0" anchor="ctr"/>
+          <a:lstStyle/>
+          <a:p>
+            <a:pPr algn="ctr"/>
+            <a:endParaRPr lang="en-US"/>
+          </a:p>
+        </p:txBody>
+      </p:sp>
+      <p:pic>
+        <p:nvPicPr>
+          <p:cNvPr id="11" name="Picture 10">
+            <a:extLst>
+              <a:ext uri="{FF2B5EF4-FFF2-40B4-BE49-F238E27FC236}">
+                <a16:creationId xmlns:a16="http://schemas.microsoft.com/office/drawing/2014/main" id="{84AD1172-153E-4483-BDF0-B3C3F4D9D538}"/>
+              </a:ext>
+            </a:extLst>
+          </p:cNvPr>
+          <p:cNvPicPr>
+            <a:picLocks noChangeAspect="1"/>
+          </p:cNvPicPr>
+          <p:nvPr/>
+        </p:nvPicPr>
+        <p:blipFill>
+          <a:blip r:embed="rId5" cstate="print">
+            <a:extLst>
+              <a:ext uri="{28A0092B-C50C-407E-A947-70E740481C1C}">
+                <a14:useLocalDpi xmlns:a14="http://schemas.microsoft.com/office/drawing/2010/main" val="0"/>
+              </a:ext>
+            </a:extLst>
+          </a:blip>
+          <a:stretch>
+            <a:fillRect/>
+          </a:stretch>
+        </p:blipFill>
+        <p:spPr>
+          <a:xfrm>
+            <a:off x="4593370" y="4655232"/>
+            <a:ext cx="736194" cy="736194"/>
+          </a:xfrm>
+          <a:prstGeom prst="rect">
+            <a:avLst/>
+          </a:prstGeom>
+        </p:spPr>
+      </p:pic>
+      <p:sp>
+        <p:nvSpPr>
+          <p:cNvPr id="12" name="Rectangle: Rounded Corners 11">
+            <a:extLst>
+              <a:ext uri="{FF2B5EF4-FFF2-40B4-BE49-F238E27FC236}">
+                <a16:creationId xmlns:a16="http://schemas.microsoft.com/office/drawing/2014/main" id="{B89AAB3D-B34A-4174-8049-1215C04C974B}"/>
+              </a:ext>
+            </a:extLst>
+          </p:cNvPr>
+          <p:cNvSpPr/>
+          <p:nvPr/>
+        </p:nvSpPr>
+        <p:spPr>
+          <a:xfrm>
+            <a:off x="2307370" y="3740832"/>
+            <a:ext cx="5638800" cy="736194"/>
+          </a:xfrm>
+          <a:prstGeom prst="roundRect">
+            <a:avLst>
+              <a:gd name="adj" fmla="val 3300"/>
+            </a:avLst>
+          </a:prstGeom>
+          <a:noFill/>
+          <a:ln w="28575">
+            <a:solidFill>
+              <a:schemeClr val="tx1"/>
+            </a:solidFill>
+          </a:ln>
+        </p:spPr>
+        <p:style>
+          <a:lnRef idx="2">
+            <a:schemeClr val="accent1">
+              <a:shade val="50000"/>
+            </a:schemeClr>
+          </a:lnRef>
+          <a:fillRef idx="1">
+            <a:schemeClr val="accent1"/>
+          </a:fillRef>
+          <a:effectRef idx="0">
+            <a:schemeClr val="accent1"/>
+          </a:effectRef>
+          <a:fontRef idx="minor">
+            <a:schemeClr val="lt1"/>
+          </a:fontRef>
+        </p:style>
+        <p:txBody>
+          <a:bodyPr rtlCol="0" anchor="ctr"/>
+          <a:lstStyle/>
+          <a:p>
+            <a:pPr algn="ctr"/>
+            <a:endParaRPr lang="en-US"/>
+          </a:p>
+        </p:txBody>
+      </p:sp>
+      <p:pic>
+        <p:nvPicPr>
+          <p:cNvPr id="13" name="Picture 6" descr="AMD, Nvidia ramp up Linux driver support after Valve's ...">
+            <a:extLst>
+              <a:ext uri="{FF2B5EF4-FFF2-40B4-BE49-F238E27FC236}">
+                <a16:creationId xmlns:a16="http://schemas.microsoft.com/office/drawing/2014/main" id="{CFABB082-B674-441E-AC3C-F56CD599C6F9}"/>
+              </a:ext>
+            </a:extLst>
+          </p:cNvPr>
+          <p:cNvPicPr>
+            <a:picLocks noChangeAspect="1" noChangeArrowheads="1"/>
+          </p:cNvPicPr>
+          <p:nvPr/>
+        </p:nvPicPr>
+        <p:blipFill rotWithShape="1">
+          <a:blip r:embed="rId6" cstate="print">
+            <a:extLst>
+              <a:ext uri="{28A0092B-C50C-407E-A947-70E740481C1C}">
+                <a14:useLocalDpi xmlns:a14="http://schemas.microsoft.com/office/drawing/2010/main" val="0"/>
+              </a:ext>
+            </a:extLst>
+          </a:blip>
+          <a:srcRect l="20869" r="22475"/>
+          <a:stretch/>
+        </p:blipFill>
+        <p:spPr bwMode="auto">
+          <a:xfrm>
+            <a:off x="4212370" y="3817032"/>
+            <a:ext cx="478047" cy="564446"/>
+          </a:xfrm>
+          <a:prstGeom prst="rect">
+            <a:avLst/>
+          </a:prstGeom>
+          <a:noFill/>
+          <a:extLst>
+            <a:ext uri="{909E8E84-426E-40DD-AFC4-6F175D3DCCD1}">
+              <a14:hiddenFill xmlns:a14="http://schemas.microsoft.com/office/drawing/2010/main">
+                <a:solidFill>
+                  <a:srgbClr val="FFFFFF"/>
+                </a:solidFill>
+              </a14:hiddenFill>
+            </a:ext>
+          </a:extLst>
+        </p:spPr>
+      </p:pic>
+      <p:pic>
+        <p:nvPicPr>
+          <p:cNvPr id="14" name="Picture 13">
+            <a:extLst>
+              <a:ext uri="{FF2B5EF4-FFF2-40B4-BE49-F238E27FC236}">
+                <a16:creationId xmlns:a16="http://schemas.microsoft.com/office/drawing/2014/main" id="{7D8FB287-FDB1-4674-9F86-27FE5BB692BA}"/>
+              </a:ext>
+            </a:extLst>
+          </p:cNvPr>
+          <p:cNvPicPr>
+            <a:picLocks noChangeAspect="1"/>
+          </p:cNvPicPr>
+          <p:nvPr/>
+        </p:nvPicPr>
+        <p:blipFill>
+          <a:blip r:embed="rId7" cstate="print">
+            <a:extLst>
+              <a:ext uri="{28A0092B-C50C-407E-A947-70E740481C1C}">
+                <a14:useLocalDpi xmlns:a14="http://schemas.microsoft.com/office/drawing/2010/main" val="0"/>
+              </a:ext>
+            </a:extLst>
+          </a:blip>
+          <a:stretch>
+            <a:fillRect/>
+          </a:stretch>
+        </p:blipFill>
+        <p:spPr>
+          <a:xfrm>
+            <a:off x="5050570" y="3875136"/>
+            <a:ext cx="467585" cy="467585"/>
+          </a:xfrm>
+          <a:prstGeom prst="rect">
+            <a:avLst/>
+          </a:prstGeom>
+        </p:spPr>
+      </p:pic>
+      <p:pic>
+        <p:nvPicPr>
+          <p:cNvPr id="15" name="Picture 14">
+            <a:extLst>
+              <a:ext uri="{FF2B5EF4-FFF2-40B4-BE49-F238E27FC236}">
+                <a16:creationId xmlns:a16="http://schemas.microsoft.com/office/drawing/2014/main" id="{8CB2927C-E8D7-49B4-91F4-D9CCA92A584A}"/>
+              </a:ext>
+            </a:extLst>
+          </p:cNvPr>
+          <p:cNvPicPr>
+            <a:picLocks noChangeAspect="1"/>
+          </p:cNvPicPr>
+          <p:nvPr/>
+        </p:nvPicPr>
+        <p:blipFill>
+          <a:blip r:embed="rId8" cstate="print">
+            <a:extLst>
+              <a:ext uri="{28A0092B-C50C-407E-A947-70E740481C1C}">
+                <a14:useLocalDpi xmlns:a14="http://schemas.microsoft.com/office/drawing/2010/main" val="0"/>
+              </a:ext>
+            </a:extLst>
+          </a:blip>
+          <a:stretch>
+            <a:fillRect/>
+          </a:stretch>
+        </p:blipFill>
+        <p:spPr>
+          <a:xfrm>
+            <a:off x="2235280" y="4274562"/>
+            <a:ext cx="480026" cy="480026"/>
+          </a:xfrm>
+          <a:prstGeom prst="rect">
+            <a:avLst/>
+          </a:prstGeom>
+        </p:spPr>
+      </p:pic>
+      <p:grpSp>
+        <p:nvGrpSpPr>
+          <p:cNvPr id="16" name="Group 15">
+            <a:extLst>
+              <a:ext uri="{FF2B5EF4-FFF2-40B4-BE49-F238E27FC236}">
+                <a16:creationId xmlns:a16="http://schemas.microsoft.com/office/drawing/2014/main" id="{58AB6E98-C54A-475C-8698-73BE3FBB6A72}"/>
+              </a:ext>
+            </a:extLst>
+          </p:cNvPr>
+          <p:cNvGrpSpPr/>
+          <p:nvPr/>
+        </p:nvGrpSpPr>
+        <p:grpSpPr>
+          <a:xfrm>
+            <a:off x="6117370" y="1834616"/>
+            <a:ext cx="1182721" cy="1182721"/>
+            <a:chOff x="8989219" y="2308605"/>
+            <a:chExt cx="1599895" cy="1599895"/>
+          </a:xfrm>
+        </p:grpSpPr>
+        <p:pic>
+          <p:nvPicPr>
+            <p:cNvPr id="17" name="Picture 16">
+              <a:extLst>
+                <a:ext uri="{FF2B5EF4-FFF2-40B4-BE49-F238E27FC236}">
+                  <a16:creationId xmlns:a16="http://schemas.microsoft.com/office/drawing/2014/main" id="{87B3E5CA-7691-4CCD-B9C0-CFE154831A8C}"/>
+                </a:ext>
+              </a:extLst>
+            </p:cNvPr>
+            <p:cNvPicPr>
+              <a:picLocks noChangeAspect="1"/>
+            </p:cNvPicPr>
+            <p:nvPr/>
+          </p:nvPicPr>
+          <p:blipFill>
+            <a:blip r:embed="rId9" cstate="print">
+              <a:extLst>
+                <a:ext uri="{28A0092B-C50C-407E-A947-70E740481C1C}">
+                  <a14:useLocalDpi xmlns:a14="http://schemas.microsoft.com/office/drawing/2010/main" val="0"/>
+                </a:ext>
+              </a:extLst>
+            </a:blip>
+            <a:stretch>
+              <a:fillRect/>
+            </a:stretch>
+          </p:blipFill>
+          <p:spPr>
+            <a:xfrm>
+              <a:off x="8989219" y="2308605"/>
+              <a:ext cx="1599895" cy="1599895"/>
+            </a:xfrm>
+            <a:prstGeom prst="rect">
+              <a:avLst/>
+            </a:prstGeom>
+          </p:spPr>
+        </p:pic>
+        <p:sp>
+          <p:nvSpPr>
+            <p:cNvPr id="18" name="Rectangle 17">
+              <a:extLst>
+                <a:ext uri="{FF2B5EF4-FFF2-40B4-BE49-F238E27FC236}">
+                  <a16:creationId xmlns:a16="http://schemas.microsoft.com/office/drawing/2014/main" id="{4EEEAF65-C8A8-445F-9F18-2B33EC5CD89C}"/>
+                </a:ext>
+              </a:extLst>
+            </p:cNvPr>
+            <p:cNvSpPr/>
+            <p:nvPr/>
+          </p:nvSpPr>
+          <p:spPr>
+            <a:xfrm>
+              <a:off x="10056019" y="2362200"/>
+              <a:ext cx="152400" cy="152400"/>
+            </a:xfrm>
+            <a:prstGeom prst="rect">
+              <a:avLst/>
+            </a:prstGeom>
+            <a:solidFill>
+              <a:schemeClr val="bg1"/>
+            </a:solidFill>
+            <a:ln>
+              <a:noFill/>
+            </a:ln>
+          </p:spPr>
+          <p:style>
+            <a:lnRef idx="2">
+              <a:schemeClr val="accent1">
+                <a:shade val="50000"/>
+              </a:schemeClr>
+            </a:lnRef>
+            <a:fillRef idx="1">
+              <a:schemeClr val="accent1"/>
+            </a:fillRef>
+            <a:effectRef idx="0">
+              <a:schemeClr val="accent1"/>
+            </a:effectRef>
+            <a:fontRef idx="minor">
+              <a:schemeClr val="lt1"/>
+            </a:fontRef>
+          </p:style>
+          <p:txBody>
+            <a:bodyPr rtlCol="0" anchor="ctr"/>
+            <a:lstStyle/>
+            <a:p>
+              <a:pPr algn="ctr"/>
+              <a:endParaRPr lang="en-US"/>
+            </a:p>
+          </p:txBody>
+        </p:sp>
+        <p:sp>
+          <p:nvSpPr>
+            <p:cNvPr id="19" name="Rectangle 18">
+              <a:extLst>
+                <a:ext uri="{FF2B5EF4-FFF2-40B4-BE49-F238E27FC236}">
+                  <a16:creationId xmlns:a16="http://schemas.microsoft.com/office/drawing/2014/main" id="{04CECACB-0633-43F4-B465-17ACAE6CAF14}"/>
+                </a:ext>
+              </a:extLst>
+            </p:cNvPr>
+            <p:cNvSpPr/>
+            <p:nvPr/>
+          </p:nvSpPr>
+          <p:spPr>
+            <a:xfrm>
+              <a:off x="10170679" y="2362200"/>
+              <a:ext cx="152400" cy="457200"/>
+            </a:xfrm>
+            <a:prstGeom prst="rect">
+              <a:avLst/>
+            </a:prstGeom>
+            <a:solidFill>
+              <a:schemeClr val="bg1"/>
+            </a:solidFill>
+            <a:ln>
+              <a:noFill/>
+            </a:ln>
+          </p:spPr>
+          <p:style>
+            <a:lnRef idx="2">
+              <a:schemeClr val="accent1">
+                <a:shade val="50000"/>
+              </a:schemeClr>
+            </a:lnRef>
+            <a:fillRef idx="1">
+              <a:schemeClr val="accent1"/>
+            </a:fillRef>
+            <a:effectRef idx="0">
+              <a:schemeClr val="accent1"/>
+            </a:effectRef>
+            <a:fontRef idx="minor">
+              <a:schemeClr val="lt1"/>
+            </a:fontRef>
+          </p:style>
+          <p:txBody>
+            <a:bodyPr rtlCol="0" anchor="ctr"/>
+            <a:lstStyle/>
+            <a:p>
+              <a:pPr algn="ctr"/>
+              <a:endParaRPr lang="en-US"/>
+            </a:p>
+          </p:txBody>
+        </p:sp>
+        <p:sp>
+          <p:nvSpPr>
+            <p:cNvPr id="20" name="Rectangle 19">
+              <a:extLst>
+                <a:ext uri="{FF2B5EF4-FFF2-40B4-BE49-F238E27FC236}">
+                  <a16:creationId xmlns:a16="http://schemas.microsoft.com/office/drawing/2014/main" id="{C53862DF-79C8-49D4-8F55-5346C915E368}"/>
+                </a:ext>
+              </a:extLst>
+            </p:cNvPr>
+            <p:cNvSpPr/>
+            <p:nvPr/>
+          </p:nvSpPr>
+          <p:spPr>
+            <a:xfrm>
+              <a:off x="9141619" y="3382687"/>
+              <a:ext cx="228600" cy="457200"/>
+            </a:xfrm>
+            <a:prstGeom prst="rect">
+              <a:avLst/>
+            </a:prstGeom>
+            <a:solidFill>
+              <a:schemeClr val="bg1"/>
+            </a:solidFill>
+            <a:ln>
+              <a:noFill/>
+            </a:ln>
+          </p:spPr>
+          <p:style>
+            <a:lnRef idx="2">
+              <a:schemeClr val="accent1">
+                <a:shade val="50000"/>
+              </a:schemeClr>
+            </a:lnRef>
+            <a:fillRef idx="1">
+              <a:schemeClr val="accent1"/>
+            </a:fillRef>
+            <a:effectRef idx="0">
+              <a:schemeClr val="accent1"/>
+            </a:effectRef>
+            <a:fontRef idx="minor">
+              <a:schemeClr val="lt1"/>
+            </a:fontRef>
+          </p:style>
+          <p:txBody>
+            <a:bodyPr rtlCol="0" anchor="ctr"/>
+            <a:lstStyle/>
+            <a:p>
+              <a:pPr algn="ctr"/>
+              <a:endParaRPr lang="en-US"/>
+            </a:p>
+          </p:txBody>
+        </p:sp>
+      </p:grpSp>
+      <p:sp>
+        <p:nvSpPr>
+          <p:cNvPr id="21" name="TextBox 20">
+            <a:extLst>
+              <a:ext uri="{FF2B5EF4-FFF2-40B4-BE49-F238E27FC236}">
+                <a16:creationId xmlns:a16="http://schemas.microsoft.com/office/drawing/2014/main" id="{1EFAC235-3863-4F1F-B61D-915D47B176E8}"/>
+              </a:ext>
+            </a:extLst>
+          </p:cNvPr>
+          <p:cNvSpPr txBox="1"/>
+          <p:nvPr/>
+        </p:nvSpPr>
+        <p:spPr>
+          <a:xfrm>
+            <a:off x="5565730" y="3092727"/>
+            <a:ext cx="2286000" cy="584775"/>
+          </a:xfrm>
+          <a:prstGeom prst="rect">
+            <a:avLst/>
+          </a:prstGeom>
+          <a:noFill/>
+        </p:spPr>
+        <p:txBody>
+          <a:bodyPr wrap="square" rtlCol="0">
+            <a:spAutoFit/>
+          </a:bodyPr>
+          <a:lstStyle/>
+          <a:p>
+            <a:pPr algn="ctr"/>
+            <a:r>
+              <a:rPr lang="en-US" sz="1600" dirty="0"/>
+              <a:t>Remote trusted path application</a:t>
+            </a:r>
+          </a:p>
+        </p:txBody>
+      </p:sp>
+      <p:cxnSp>
+        <p:nvCxnSpPr>
+          <p:cNvPr id="22" name="Connector: Elbow 21">
+            <a:extLst>
+              <a:ext uri="{FF2B5EF4-FFF2-40B4-BE49-F238E27FC236}">
+                <a16:creationId xmlns:a16="http://schemas.microsoft.com/office/drawing/2014/main" id="{4BEC5AB8-A8C8-46B4-8BD5-176470CFB2E8}"/>
+              </a:ext>
+            </a:extLst>
+          </p:cNvPr>
+          <p:cNvCxnSpPr>
+            <a:stCxn id="10" idx="3"/>
+            <a:endCxn id="9" idx="1"/>
+          </p:cNvCxnSpPr>
+          <p:nvPr/>
+        </p:nvCxnSpPr>
+        <p:spPr>
+          <a:xfrm flipV="1">
+            <a:off x="8174770" y="2010749"/>
+            <a:ext cx="800340" cy="1577683"/>
+          </a:xfrm>
+          <a:prstGeom prst="bentConnector3">
+            <a:avLst/>
+          </a:prstGeom>
+          <a:ln w="12700" cap="sq">
+            <a:solidFill>
+              <a:schemeClr val="tx1"/>
+            </a:solidFill>
+            <a:round/>
+            <a:headEnd type="triangle"/>
+            <a:tailEnd type="triangle"/>
+          </a:ln>
+        </p:spPr>
+        <p:style>
+          <a:lnRef idx="1">
+            <a:schemeClr val="accent1"/>
+          </a:lnRef>
+          <a:fillRef idx="0">
+            <a:schemeClr val="accent1"/>
+          </a:fillRef>
+          <a:effectRef idx="0">
+            <a:schemeClr val="accent1"/>
+          </a:effectRef>
+          <a:fontRef idx="minor">
+            <a:schemeClr val="tx1"/>
+          </a:fontRef>
+        </p:style>
+      </p:cxnSp>
+      <p:cxnSp>
+        <p:nvCxnSpPr>
+          <p:cNvPr id="23" name="Connector: Elbow 22">
+            <a:extLst>
+              <a:ext uri="{FF2B5EF4-FFF2-40B4-BE49-F238E27FC236}">
+                <a16:creationId xmlns:a16="http://schemas.microsoft.com/office/drawing/2014/main" id="{28DC9E3D-0BB9-4394-BD64-707AB4C6499D}"/>
+              </a:ext>
+            </a:extLst>
+          </p:cNvPr>
+          <p:cNvCxnSpPr>
+            <a:cxnSpLocks/>
+            <a:stCxn id="10" idx="3"/>
+            <a:endCxn id="8" idx="1"/>
+          </p:cNvCxnSpPr>
+          <p:nvPr/>
+        </p:nvCxnSpPr>
+        <p:spPr>
+          <a:xfrm>
+            <a:off x="8174770" y="3588432"/>
+            <a:ext cx="800339" cy="1347414"/>
+          </a:xfrm>
+          <a:prstGeom prst="bentConnector3">
+            <a:avLst>
+              <a:gd name="adj1" fmla="val 50000"/>
+            </a:avLst>
+          </a:prstGeom>
+          <a:ln w="12700" cap="sq">
+            <a:solidFill>
+              <a:schemeClr val="tx1"/>
+            </a:solidFill>
+            <a:round/>
+            <a:headEnd type="triangle"/>
+            <a:tailEnd type="triangle"/>
+          </a:ln>
+        </p:spPr>
+        <p:style>
+          <a:lnRef idx="1">
+            <a:schemeClr val="accent1"/>
+          </a:lnRef>
+          <a:fillRef idx="0">
+            <a:schemeClr val="accent1"/>
+          </a:fillRef>
+          <a:effectRef idx="0">
+            <a:schemeClr val="accent1"/>
+          </a:effectRef>
+          <a:fontRef idx="minor">
+            <a:schemeClr val="tx1"/>
+          </a:fontRef>
+        </p:style>
+      </p:cxnSp>
+      <p:cxnSp>
+        <p:nvCxnSpPr>
+          <p:cNvPr id="24" name="Straight Arrow Connector 23">
+            <a:extLst>
+              <a:ext uri="{FF2B5EF4-FFF2-40B4-BE49-F238E27FC236}">
+                <a16:creationId xmlns:a16="http://schemas.microsoft.com/office/drawing/2014/main" id="{9E004D7C-DFCB-470E-BF6C-36C363629D0E}"/>
+              </a:ext>
+            </a:extLst>
+          </p:cNvPr>
+          <p:cNvCxnSpPr>
+            <a:stCxn id="10" idx="3"/>
+            <a:endCxn id="7" idx="1"/>
+          </p:cNvCxnSpPr>
+          <p:nvPr/>
+        </p:nvCxnSpPr>
+        <p:spPr>
+          <a:xfrm>
+            <a:off x="8174770" y="3588432"/>
+            <a:ext cx="800340" cy="0"/>
+          </a:xfrm>
+          <a:prstGeom prst="straightConnector1">
+            <a:avLst/>
+          </a:prstGeom>
+          <a:ln w="12700" cap="sq">
+            <a:solidFill>
+              <a:schemeClr val="tx1"/>
+            </a:solidFill>
+            <a:round/>
+            <a:headEnd type="triangle"/>
+            <a:tailEnd type="triangle"/>
+          </a:ln>
+        </p:spPr>
+        <p:style>
+          <a:lnRef idx="1">
+            <a:schemeClr val="accent1"/>
+          </a:lnRef>
+          <a:fillRef idx="0">
+            <a:schemeClr val="accent1"/>
+          </a:fillRef>
+          <a:effectRef idx="0">
+            <a:schemeClr val="accent1"/>
+          </a:effectRef>
+          <a:fontRef idx="minor">
+            <a:schemeClr val="tx1"/>
+          </a:fontRef>
+        </p:style>
+      </p:cxnSp>
+      <p:pic>
+        <p:nvPicPr>
+          <p:cNvPr id="25" name="Picture 24">
+            <a:extLst>
+              <a:ext uri="{FF2B5EF4-FFF2-40B4-BE49-F238E27FC236}">
+                <a16:creationId xmlns:a16="http://schemas.microsoft.com/office/drawing/2014/main" id="{4D026A2D-2083-4AE3-814B-EE96D94D84FA}"/>
+              </a:ext>
+            </a:extLst>
+          </p:cNvPr>
+          <p:cNvPicPr>
+            <a:picLocks noChangeAspect="1"/>
+          </p:cNvPicPr>
+          <p:nvPr/>
+        </p:nvPicPr>
+        <p:blipFill>
+          <a:blip r:embed="rId10" cstate="print">
+            <a:extLst>
+              <a:ext uri="{28A0092B-C50C-407E-A947-70E740481C1C}">
+                <a14:useLocalDpi xmlns:a14="http://schemas.microsoft.com/office/drawing/2010/main" val="0"/>
+              </a:ext>
+            </a:extLst>
+          </a:blip>
+          <a:stretch>
+            <a:fillRect/>
+          </a:stretch>
+        </p:blipFill>
+        <p:spPr>
+          <a:xfrm>
+            <a:off x="9173127" y="840557"/>
+            <a:ext cx="480026" cy="480026"/>
+          </a:xfrm>
+          <a:prstGeom prst="rect">
+            <a:avLst/>
+          </a:prstGeom>
+        </p:spPr>
+      </p:pic>
+      <p:sp>
+        <p:nvSpPr>
+          <p:cNvPr id="26" name="Rectangle: Rounded Corners 25">
+            <a:extLst>
+              <a:ext uri="{FF2B5EF4-FFF2-40B4-BE49-F238E27FC236}">
+                <a16:creationId xmlns:a16="http://schemas.microsoft.com/office/drawing/2014/main" id="{18C1DB1D-6438-44B7-BC7B-25BD575B4197}"/>
+              </a:ext>
+            </a:extLst>
+          </p:cNvPr>
+          <p:cNvSpPr/>
+          <p:nvPr/>
+        </p:nvSpPr>
+        <p:spPr>
+          <a:xfrm>
+            <a:off x="1061786" y="686975"/>
+            <a:ext cx="4098765" cy="389980"/>
+          </a:xfrm>
+          <a:prstGeom prst="roundRect">
+            <a:avLst>
+              <a:gd name="adj" fmla="val 0"/>
+            </a:avLst>
+          </a:prstGeom>
+          <a:solidFill>
+            <a:srgbClr val="F3B067"/>
+          </a:solidFill>
+          <a:ln w="12700">
+            <a:noFill/>
+          </a:ln>
+        </p:spPr>
+        <p:style>
+          <a:lnRef idx="2">
+            <a:schemeClr val="accent1">
+              <a:shade val="50000"/>
+            </a:schemeClr>
+          </a:lnRef>
+          <a:fillRef idx="1">
+            <a:schemeClr val="accent1"/>
+          </a:fillRef>
+          <a:effectRef idx="0">
+            <a:schemeClr val="accent1"/>
+          </a:effectRef>
+          <a:fontRef idx="minor">
+            <a:schemeClr val="lt1"/>
+          </a:fontRef>
+        </p:style>
+        <p:txBody>
+          <a:bodyPr rtlCol="0" anchor="ctr"/>
+          <a:lstStyle/>
+          <a:p>
+            <a:pPr algn="ctr"/>
+            <a:endParaRPr lang="en-US"/>
+          </a:p>
+        </p:txBody>
+      </p:sp>
+      <p:sp>
+        <p:nvSpPr>
+          <p:cNvPr id="27" name="Rectangle 26">
+            <a:extLst>
+              <a:ext uri="{FF2B5EF4-FFF2-40B4-BE49-F238E27FC236}">
+                <a16:creationId xmlns:a16="http://schemas.microsoft.com/office/drawing/2014/main" id="{2D29DFB0-ABD6-4A9A-9083-9C402D2CD591}"/>
+              </a:ext>
+            </a:extLst>
+          </p:cNvPr>
+          <p:cNvSpPr/>
+          <p:nvPr/>
+        </p:nvSpPr>
+        <p:spPr>
+          <a:xfrm>
+            <a:off x="684991" y="707623"/>
+            <a:ext cx="4475560" cy="369332"/>
+          </a:xfrm>
+          <a:prstGeom prst="rect">
+            <a:avLst/>
+          </a:prstGeom>
+        </p:spPr>
+        <p:txBody>
+          <a:bodyPr wrap="square">
+            <a:spAutoFit/>
+          </a:bodyPr>
+          <a:lstStyle/>
+          <a:p>
+            <a:pPr lvl="1"/>
+            <a:r>
+              <a:rPr lang="en-US" dirty="0"/>
+              <a:t>IntegriKey (2017, </a:t>
+            </a:r>
+            <a:r>
+              <a:rPr lang="en-US" dirty="0" err="1"/>
+              <a:t>eprint</a:t>
+            </a:r>
+            <a:r>
+              <a:rPr lang="en-US" dirty="0"/>
+              <a:t>: 2017/1245)</a:t>
+            </a:r>
+          </a:p>
+        </p:txBody>
+      </p:sp>
+      <p:sp>
+        <p:nvSpPr>
+          <p:cNvPr id="28" name="Rectangle: Rounded Corners 27">
+            <a:extLst>
+              <a:ext uri="{FF2B5EF4-FFF2-40B4-BE49-F238E27FC236}">
+                <a16:creationId xmlns:a16="http://schemas.microsoft.com/office/drawing/2014/main" id="{E0338CE8-F246-4D50-8A20-64C5B78EB8DA}"/>
+              </a:ext>
+            </a:extLst>
+          </p:cNvPr>
+          <p:cNvSpPr/>
+          <p:nvPr/>
+        </p:nvSpPr>
+        <p:spPr>
+          <a:xfrm>
+            <a:off x="5458974" y="686975"/>
+            <a:ext cx="2789429" cy="389980"/>
+          </a:xfrm>
+          <a:prstGeom prst="roundRect">
+            <a:avLst>
+              <a:gd name="adj" fmla="val 0"/>
+            </a:avLst>
+          </a:prstGeom>
+          <a:solidFill>
+            <a:srgbClr val="F3B067"/>
+          </a:solidFill>
+          <a:ln w="12700">
+            <a:noFill/>
+          </a:ln>
+        </p:spPr>
+        <p:style>
+          <a:lnRef idx="2">
+            <a:schemeClr val="accent1">
+              <a:shade val="50000"/>
+            </a:schemeClr>
+          </a:lnRef>
+          <a:fillRef idx="1">
+            <a:schemeClr val="accent1"/>
+          </a:fillRef>
+          <a:effectRef idx="0">
+            <a:schemeClr val="accent1"/>
+          </a:effectRef>
+          <a:fontRef idx="minor">
+            <a:schemeClr val="lt1"/>
+          </a:fontRef>
+        </p:style>
+        <p:txBody>
+          <a:bodyPr rtlCol="0" anchor="ctr"/>
+          <a:lstStyle/>
+          <a:p>
+            <a:pPr algn="ctr"/>
+            <a:endParaRPr lang="en-US"/>
+          </a:p>
+        </p:txBody>
+      </p:sp>
+      <p:sp>
+        <p:nvSpPr>
+          <p:cNvPr id="29" name="Rectangle 28">
+            <a:extLst>
+              <a:ext uri="{FF2B5EF4-FFF2-40B4-BE49-F238E27FC236}">
+                <a16:creationId xmlns:a16="http://schemas.microsoft.com/office/drawing/2014/main" id="{E3DDBC2F-31DE-4A12-9C19-C57AABA14779}"/>
+              </a:ext>
+            </a:extLst>
+          </p:cNvPr>
+          <p:cNvSpPr/>
+          <p:nvPr/>
+        </p:nvSpPr>
+        <p:spPr>
+          <a:xfrm>
+            <a:off x="5036588" y="707623"/>
+            <a:ext cx="3343791" cy="369332"/>
+          </a:xfrm>
+          <a:prstGeom prst="rect">
+            <a:avLst/>
+          </a:prstGeom>
+        </p:spPr>
+        <p:txBody>
+          <a:bodyPr wrap="square">
+            <a:spAutoFit/>
+          </a:bodyPr>
+          <a:lstStyle/>
+          <a:p>
+            <a:pPr lvl="1"/>
+            <a:r>
+              <a:rPr lang="en-US" dirty="0" err="1"/>
+              <a:t>ProtectION</a:t>
+            </a:r>
+            <a:r>
+              <a:rPr lang="en-US" dirty="0"/>
+              <a:t> (NDSS 2020)</a:t>
+            </a:r>
+          </a:p>
+        </p:txBody>
+      </p:sp>
+      <p:sp>
+        <p:nvSpPr>
+          <p:cNvPr id="30" name="Rectangle: Rounded Corners 29">
+            <a:extLst>
+              <a:ext uri="{FF2B5EF4-FFF2-40B4-BE49-F238E27FC236}">
+                <a16:creationId xmlns:a16="http://schemas.microsoft.com/office/drawing/2014/main" id="{2D08C348-87C3-4B30-AE55-B648DAF7FE90}"/>
+              </a:ext>
+            </a:extLst>
+          </p:cNvPr>
+          <p:cNvSpPr/>
+          <p:nvPr/>
+        </p:nvSpPr>
+        <p:spPr>
+          <a:xfrm>
+            <a:off x="1061786" y="1129937"/>
+            <a:ext cx="4098765" cy="389980"/>
+          </a:xfrm>
+          <a:prstGeom prst="roundRect">
+            <a:avLst>
+              <a:gd name="adj" fmla="val 0"/>
+            </a:avLst>
+          </a:prstGeom>
+          <a:solidFill>
+            <a:srgbClr val="F3B067"/>
+          </a:solidFill>
+          <a:ln w="12700">
+            <a:noFill/>
+          </a:ln>
+        </p:spPr>
+        <p:style>
+          <a:lnRef idx="2">
+            <a:schemeClr val="accent1">
+              <a:shade val="50000"/>
+            </a:schemeClr>
+          </a:lnRef>
+          <a:fillRef idx="1">
+            <a:schemeClr val="accent1"/>
+          </a:fillRef>
+          <a:effectRef idx="0">
+            <a:schemeClr val="accent1"/>
+          </a:effectRef>
+          <a:fontRef idx="minor">
+            <a:schemeClr val="lt1"/>
+          </a:fontRef>
+        </p:style>
+        <p:txBody>
+          <a:bodyPr rtlCol="0" anchor="ctr"/>
+          <a:lstStyle/>
+          <a:p>
+            <a:pPr algn="ctr"/>
+            <a:endParaRPr lang="en-US"/>
+          </a:p>
+        </p:txBody>
+      </p:sp>
+      <p:sp>
+        <p:nvSpPr>
+          <p:cNvPr id="31" name="Rectangle 30">
+            <a:extLst>
+              <a:ext uri="{FF2B5EF4-FFF2-40B4-BE49-F238E27FC236}">
+                <a16:creationId xmlns:a16="http://schemas.microsoft.com/office/drawing/2014/main" id="{3A7E329C-5641-4198-A263-F5D6915BA2BF}"/>
+              </a:ext>
+            </a:extLst>
+          </p:cNvPr>
+          <p:cNvSpPr/>
+          <p:nvPr/>
+        </p:nvSpPr>
+        <p:spPr>
+          <a:xfrm>
+            <a:off x="561920" y="1150585"/>
+            <a:ext cx="4399547" cy="646331"/>
+          </a:xfrm>
+          <a:prstGeom prst="rect">
+            <a:avLst/>
+          </a:prstGeom>
+        </p:spPr>
+        <p:txBody>
+          <a:bodyPr wrap="square">
+            <a:spAutoFit/>
+          </a:bodyPr>
+          <a:lstStyle/>
+          <a:p>
+            <a:pPr lvl="1"/>
+            <a:r>
+              <a:rPr lang="en-US" dirty="0"/>
+              <a:t>IntegriScreen (2018, arXiv:2011.13979)</a:t>
+            </a:r>
+          </a:p>
+          <a:p>
+            <a:pPr lvl="1"/>
+            <a:endParaRPr lang="en-US" dirty="0"/>
+          </a:p>
+        </p:txBody>
+      </p:sp>
+      <p:pic>
+        <p:nvPicPr>
+          <p:cNvPr id="32" name="Picture 31">
+            <a:extLst>
+              <a:ext uri="{FF2B5EF4-FFF2-40B4-BE49-F238E27FC236}">
+                <a16:creationId xmlns:a16="http://schemas.microsoft.com/office/drawing/2014/main" id="{E70D137F-1216-4D5D-9E54-6D35B595F45B}"/>
+              </a:ext>
+            </a:extLst>
+          </p:cNvPr>
+          <p:cNvPicPr>
+            <a:picLocks noChangeAspect="1"/>
+          </p:cNvPicPr>
+          <p:nvPr/>
+        </p:nvPicPr>
+        <p:blipFill>
+          <a:blip r:embed="rId10" cstate="print">
+            <a:extLst>
+              <a:ext uri="{28A0092B-C50C-407E-A947-70E740481C1C}">
+                <a14:useLocalDpi xmlns:a14="http://schemas.microsoft.com/office/drawing/2010/main" val="0"/>
+              </a:ext>
+            </a:extLst>
+          </a:blip>
+          <a:stretch>
+            <a:fillRect/>
+          </a:stretch>
+        </p:blipFill>
+        <p:spPr>
+          <a:xfrm>
+            <a:off x="4481441" y="5023329"/>
+            <a:ext cx="480026" cy="480026"/>
+          </a:xfrm>
+          <a:prstGeom prst="rect">
+            <a:avLst/>
+          </a:prstGeom>
+        </p:spPr>
+      </p:pic>
+      <p:sp>
+        <p:nvSpPr>
+          <p:cNvPr id="33" name="Rectangle: Rounded Corners 32">
+            <a:extLst>
+              <a:ext uri="{FF2B5EF4-FFF2-40B4-BE49-F238E27FC236}">
+                <a16:creationId xmlns:a16="http://schemas.microsoft.com/office/drawing/2014/main" id="{E6502756-1C84-4A2F-9249-C2FEDC17A4AE}"/>
+              </a:ext>
+            </a:extLst>
+          </p:cNvPr>
+          <p:cNvSpPr/>
+          <p:nvPr/>
+        </p:nvSpPr>
+        <p:spPr>
+          <a:xfrm>
+            <a:off x="4885424" y="5689897"/>
+            <a:ext cx="3289346" cy="389980"/>
+          </a:xfrm>
+          <a:prstGeom prst="roundRect">
+            <a:avLst>
+              <a:gd name="adj" fmla="val 0"/>
+            </a:avLst>
+          </a:prstGeom>
+          <a:solidFill>
+            <a:srgbClr val="DAB4DE"/>
+          </a:solidFill>
+          <a:ln w="12700">
+            <a:noFill/>
+          </a:ln>
+        </p:spPr>
+        <p:style>
+          <a:lnRef idx="2">
+            <a:schemeClr val="accent1">
+              <a:shade val="50000"/>
+            </a:schemeClr>
+          </a:lnRef>
+          <a:fillRef idx="1">
+            <a:schemeClr val="accent1"/>
+          </a:fillRef>
+          <a:effectRef idx="0">
+            <a:schemeClr val="accent1"/>
+          </a:effectRef>
+          <a:fontRef idx="minor">
+            <a:schemeClr val="lt1"/>
+          </a:fontRef>
+        </p:style>
+        <p:txBody>
+          <a:bodyPr rtlCol="0" anchor="ctr"/>
+          <a:lstStyle/>
+          <a:p>
+            <a:pPr algn="ctr"/>
+            <a:endParaRPr lang="en-US"/>
+          </a:p>
+        </p:txBody>
+      </p:sp>
+      <p:sp>
+        <p:nvSpPr>
+          <p:cNvPr id="34" name="Rectangle 33">
+            <a:extLst>
+              <a:ext uri="{FF2B5EF4-FFF2-40B4-BE49-F238E27FC236}">
+                <a16:creationId xmlns:a16="http://schemas.microsoft.com/office/drawing/2014/main" id="{F180CD00-7D5F-436D-BD0D-6C5E3858FCC2}"/>
+              </a:ext>
+            </a:extLst>
+          </p:cNvPr>
+          <p:cNvSpPr/>
+          <p:nvPr/>
+        </p:nvSpPr>
+        <p:spPr>
+          <a:xfrm>
+            <a:off x="5113171" y="5703684"/>
+            <a:ext cx="2819554" cy="369332"/>
+          </a:xfrm>
+          <a:prstGeom prst="rect">
+            <a:avLst/>
+          </a:prstGeom>
+        </p:spPr>
+        <p:txBody>
+          <a:bodyPr wrap="none">
+            <a:spAutoFit/>
+          </a:bodyPr>
+          <a:lstStyle/>
+          <a:p>
+            <a:r>
+              <a:rPr lang="en-US" dirty="0"/>
+              <a:t>ProximiTEE (CODASPY 2020)</a:t>
+            </a:r>
+          </a:p>
+        </p:txBody>
+      </p:sp>
+      <p:pic>
+        <p:nvPicPr>
+          <p:cNvPr id="35" name="Picture 34">
+            <a:extLst>
+              <a:ext uri="{FF2B5EF4-FFF2-40B4-BE49-F238E27FC236}">
+                <a16:creationId xmlns:a16="http://schemas.microsoft.com/office/drawing/2014/main" id="{FC5E52CE-2270-4871-BD77-202B6D529711}"/>
+              </a:ext>
+            </a:extLst>
+          </p:cNvPr>
+          <p:cNvPicPr>
+            <a:picLocks noChangeAspect="1"/>
+          </p:cNvPicPr>
+          <p:nvPr/>
+        </p:nvPicPr>
+        <p:blipFill>
+          <a:blip r:embed="rId11" cstate="print">
+            <a:extLst>
+              <a:ext uri="{28A0092B-C50C-407E-A947-70E740481C1C}">
+                <a14:useLocalDpi xmlns:a14="http://schemas.microsoft.com/office/drawing/2010/main" val="0"/>
+              </a:ext>
+            </a:extLst>
+          </a:blip>
+          <a:stretch>
+            <a:fillRect/>
+          </a:stretch>
+        </p:blipFill>
+        <p:spPr>
+          <a:xfrm>
+            <a:off x="3046125" y="4690676"/>
+            <a:ext cx="611350" cy="611350"/>
+          </a:xfrm>
+          <a:prstGeom prst="rect">
+            <a:avLst/>
+          </a:prstGeom>
+        </p:spPr>
+      </p:pic>
+      <p:sp>
+        <p:nvSpPr>
+          <p:cNvPr id="36" name="Rectangle: Rounded Corners 35">
+            <a:extLst>
+              <a:ext uri="{FF2B5EF4-FFF2-40B4-BE49-F238E27FC236}">
+                <a16:creationId xmlns:a16="http://schemas.microsoft.com/office/drawing/2014/main" id="{E9AA04FB-00D3-4887-BA1B-56A99EE5E773}"/>
+              </a:ext>
+            </a:extLst>
+          </p:cNvPr>
+          <p:cNvSpPr/>
+          <p:nvPr/>
+        </p:nvSpPr>
+        <p:spPr>
+          <a:xfrm>
+            <a:off x="47336" y="4299170"/>
+            <a:ext cx="2058757" cy="1448319"/>
+          </a:xfrm>
+          <a:prstGeom prst="roundRect">
+            <a:avLst>
+              <a:gd name="adj" fmla="val 0"/>
+            </a:avLst>
+          </a:prstGeom>
+          <a:solidFill>
+            <a:srgbClr val="83D8F4"/>
+          </a:solidFill>
+          <a:ln w="12700">
+            <a:noFill/>
+          </a:ln>
+        </p:spPr>
+        <p:style>
+          <a:lnRef idx="2">
+            <a:schemeClr val="accent1">
+              <a:shade val="50000"/>
+            </a:schemeClr>
+          </a:lnRef>
+          <a:fillRef idx="1">
+            <a:schemeClr val="accent1"/>
+          </a:fillRef>
+          <a:effectRef idx="0">
+            <a:schemeClr val="accent1"/>
+          </a:effectRef>
+          <a:fontRef idx="minor">
+            <a:schemeClr val="lt1"/>
+          </a:fontRef>
+        </p:style>
+        <p:txBody>
+          <a:bodyPr rtlCol="0" anchor="ctr"/>
+          <a:lstStyle/>
+          <a:p>
+            <a:pPr algn="ctr"/>
+            <a:endParaRPr lang="en-US"/>
+          </a:p>
+        </p:txBody>
+      </p:sp>
+      <p:sp>
+        <p:nvSpPr>
+          <p:cNvPr id="37" name="Rectangle 36">
+            <a:extLst>
+              <a:ext uri="{FF2B5EF4-FFF2-40B4-BE49-F238E27FC236}">
+                <a16:creationId xmlns:a16="http://schemas.microsoft.com/office/drawing/2014/main" id="{3E0D6715-43E0-4EED-93CC-D44EAB455305}"/>
+              </a:ext>
+            </a:extLst>
+          </p:cNvPr>
+          <p:cNvSpPr/>
+          <p:nvPr/>
+        </p:nvSpPr>
+        <p:spPr>
+          <a:xfrm>
+            <a:off x="-434460" y="4284665"/>
+            <a:ext cx="2727957" cy="1477328"/>
+          </a:xfrm>
+          <a:prstGeom prst="rect">
+            <a:avLst/>
+          </a:prstGeom>
+        </p:spPr>
+        <p:txBody>
+          <a:bodyPr wrap="square">
+            <a:spAutoFit/>
+          </a:bodyPr>
+          <a:lstStyle/>
+          <a:p>
+            <a:pPr lvl="1"/>
+            <a:r>
+              <a:rPr lang="en-US" dirty="0"/>
+              <a:t>Dedicated Security Chips in the Age of Secure Enclaves (IEEE S&amp;P magazine 2020)</a:t>
+            </a:r>
+          </a:p>
+        </p:txBody>
+      </p:sp>
+      <p:pic>
+        <p:nvPicPr>
+          <p:cNvPr id="38" name="Picture 37">
+            <a:extLst>
+              <a:ext uri="{FF2B5EF4-FFF2-40B4-BE49-F238E27FC236}">
+                <a16:creationId xmlns:a16="http://schemas.microsoft.com/office/drawing/2014/main" id="{F4EDEB74-68FD-4181-9085-CF02F1697EE7}"/>
+              </a:ext>
+            </a:extLst>
+          </p:cNvPr>
+          <p:cNvPicPr>
+            <a:picLocks noChangeAspect="1"/>
+          </p:cNvPicPr>
+          <p:nvPr/>
+        </p:nvPicPr>
+        <p:blipFill>
+          <a:blip r:embed="rId12" cstate="print">
+            <a:extLst>
+              <a:ext uri="{28A0092B-C50C-407E-A947-70E740481C1C}">
+                <a14:useLocalDpi xmlns:a14="http://schemas.microsoft.com/office/drawing/2010/main" val="0"/>
+              </a:ext>
+            </a:extLst>
+          </a:blip>
+          <a:stretch>
+            <a:fillRect/>
+          </a:stretch>
+        </p:blipFill>
+        <p:spPr>
+          <a:xfrm rot="5400000">
+            <a:off x="10693912" y="1475638"/>
+            <a:ext cx="909858" cy="909858"/>
+          </a:xfrm>
+          <a:prstGeom prst="rect">
+            <a:avLst/>
+          </a:prstGeom>
+        </p:spPr>
+      </p:pic>
+      <p:pic>
+        <p:nvPicPr>
+          <p:cNvPr id="39" name="Picture 38">
+            <a:extLst>
+              <a:ext uri="{FF2B5EF4-FFF2-40B4-BE49-F238E27FC236}">
+                <a16:creationId xmlns:a16="http://schemas.microsoft.com/office/drawing/2014/main" id="{C09A5CF1-5537-4B7E-85DE-5ED3EB2EDA19}"/>
+              </a:ext>
+            </a:extLst>
+          </p:cNvPr>
+          <p:cNvPicPr>
+            <a:picLocks noChangeAspect="1"/>
+          </p:cNvPicPr>
+          <p:nvPr/>
+        </p:nvPicPr>
+        <p:blipFill>
+          <a:blip r:embed="rId13" cstate="print">
+            <a:extLst>
+              <a:ext uri="{28A0092B-C50C-407E-A947-70E740481C1C}">
+                <a14:useLocalDpi xmlns:a14="http://schemas.microsoft.com/office/drawing/2010/main" val="0"/>
+              </a:ext>
+            </a:extLst>
+          </a:blip>
+          <a:stretch>
+            <a:fillRect/>
+          </a:stretch>
+        </p:blipFill>
+        <p:spPr>
+          <a:xfrm>
+            <a:off x="10733144" y="3086239"/>
+            <a:ext cx="909858" cy="909858"/>
+          </a:xfrm>
+          <a:prstGeom prst="rect">
+            <a:avLst/>
+          </a:prstGeom>
+        </p:spPr>
+      </p:pic>
+      <p:pic>
+        <p:nvPicPr>
+          <p:cNvPr id="40" name="Picture 39">
+            <a:extLst>
+              <a:ext uri="{FF2B5EF4-FFF2-40B4-BE49-F238E27FC236}">
+                <a16:creationId xmlns:a16="http://schemas.microsoft.com/office/drawing/2014/main" id="{3DF9AE7A-9569-4B19-B6FF-DF78C63652E1}"/>
+              </a:ext>
+            </a:extLst>
+          </p:cNvPr>
+          <p:cNvPicPr>
+            <a:picLocks noChangeAspect="1"/>
+          </p:cNvPicPr>
+          <p:nvPr/>
+        </p:nvPicPr>
+        <p:blipFill rotWithShape="1">
+          <a:blip r:embed="rId14" cstate="print">
+            <a:extLst>
+              <a:ext uri="{28A0092B-C50C-407E-A947-70E740481C1C}">
+                <a14:useLocalDpi xmlns:a14="http://schemas.microsoft.com/office/drawing/2010/main" val="0"/>
+              </a:ext>
+            </a:extLst>
+          </a:blip>
+          <a:srcRect l="6727" r="8085"/>
+          <a:stretch/>
+        </p:blipFill>
+        <p:spPr>
+          <a:xfrm>
+            <a:off x="10953486" y="4530660"/>
+            <a:ext cx="612001" cy="718423"/>
+          </a:xfrm>
+          <a:prstGeom prst="rect">
+            <a:avLst/>
+          </a:prstGeom>
+        </p:spPr>
+      </p:pic>
+      <p:sp>
+        <p:nvSpPr>
+          <p:cNvPr id="41" name="Rectangle: Rounded Corners 40">
+            <a:extLst>
+              <a:ext uri="{FF2B5EF4-FFF2-40B4-BE49-F238E27FC236}">
+                <a16:creationId xmlns:a16="http://schemas.microsoft.com/office/drawing/2014/main" id="{C00A29A4-B40D-400F-84E3-7917B7C451BA}"/>
+              </a:ext>
+            </a:extLst>
+          </p:cNvPr>
+          <p:cNvSpPr/>
+          <p:nvPr/>
+        </p:nvSpPr>
+        <p:spPr>
+          <a:xfrm>
+            <a:off x="8714771" y="290847"/>
+            <a:ext cx="2928231" cy="389980"/>
+          </a:xfrm>
+          <a:prstGeom prst="roundRect">
+            <a:avLst>
+              <a:gd name="adj" fmla="val 0"/>
+            </a:avLst>
+          </a:prstGeom>
+          <a:noFill/>
+          <a:ln w="12700">
+            <a:solidFill>
+              <a:schemeClr val="tx1"/>
+            </a:solidFill>
+          </a:ln>
+        </p:spPr>
+        <p:style>
+          <a:lnRef idx="2">
+            <a:schemeClr val="accent1">
+              <a:shade val="50000"/>
+            </a:schemeClr>
+          </a:lnRef>
+          <a:fillRef idx="1">
+            <a:schemeClr val="accent1"/>
+          </a:fillRef>
+          <a:effectRef idx="0">
+            <a:schemeClr val="accent1"/>
+          </a:effectRef>
+          <a:fontRef idx="minor">
+            <a:schemeClr val="lt1"/>
+          </a:fontRef>
+        </p:style>
+        <p:txBody>
+          <a:bodyPr rtlCol="0" anchor="ctr"/>
+          <a:lstStyle/>
+          <a:p>
+            <a:pPr algn="ctr"/>
+            <a:endParaRPr lang="en-US"/>
+          </a:p>
+        </p:txBody>
+      </p:sp>
+      <p:sp>
+        <p:nvSpPr>
+          <p:cNvPr id="42" name="Rectangle 41">
+            <a:extLst>
+              <a:ext uri="{FF2B5EF4-FFF2-40B4-BE49-F238E27FC236}">
+                <a16:creationId xmlns:a16="http://schemas.microsoft.com/office/drawing/2014/main" id="{8A9A6546-D9DD-44D1-9F7C-F18E4D6401D8}"/>
+              </a:ext>
+            </a:extLst>
+          </p:cNvPr>
+          <p:cNvSpPr/>
+          <p:nvPr/>
+        </p:nvSpPr>
+        <p:spPr>
+          <a:xfrm>
+            <a:off x="8318493" y="294004"/>
+            <a:ext cx="3406147" cy="369332"/>
+          </a:xfrm>
+          <a:prstGeom prst="rect">
+            <a:avLst/>
+          </a:prstGeom>
+        </p:spPr>
+        <p:txBody>
+          <a:bodyPr wrap="square">
+            <a:spAutoFit/>
+          </a:bodyPr>
+          <a:lstStyle/>
+          <a:p>
+            <a:pPr lvl="1"/>
+            <a:r>
+              <a:rPr lang="en-US" dirty="0"/>
+              <a:t>PIE (2020, arXiv:2010.10416)</a:t>
+            </a:r>
+          </a:p>
+        </p:txBody>
+      </p:sp>
+      <p:pic>
+        <p:nvPicPr>
+          <p:cNvPr id="43" name="Picture 42">
+            <a:extLst>
+              <a:ext uri="{FF2B5EF4-FFF2-40B4-BE49-F238E27FC236}">
+                <a16:creationId xmlns:a16="http://schemas.microsoft.com/office/drawing/2014/main" id="{4BA8FC9E-4450-46CC-B4E5-4A00F5C6313A}"/>
+              </a:ext>
+            </a:extLst>
+          </p:cNvPr>
+          <p:cNvPicPr>
+            <a:picLocks noChangeAspect="1"/>
+          </p:cNvPicPr>
+          <p:nvPr/>
+        </p:nvPicPr>
+        <p:blipFill>
+          <a:blip r:embed="rId15" cstate="print">
+            <a:extLst>
+              <a:ext uri="{28A0092B-C50C-407E-A947-70E740481C1C}">
+                <a14:useLocalDpi xmlns:a14="http://schemas.microsoft.com/office/drawing/2010/main" val="0"/>
+              </a:ext>
+            </a:extLst>
+          </a:blip>
+          <a:stretch>
+            <a:fillRect/>
+          </a:stretch>
+        </p:blipFill>
+        <p:spPr>
+          <a:xfrm>
+            <a:off x="237967" y="1901412"/>
+            <a:ext cx="1253159" cy="1253159"/>
+          </a:xfrm>
+          <a:prstGeom prst="rect">
+            <a:avLst/>
+          </a:prstGeom>
+        </p:spPr>
+      </p:pic>
+      <p:sp>
+        <p:nvSpPr>
+          <p:cNvPr id="45" name="TextBox 44">
+            <a:extLst>
+              <a:ext uri="{FF2B5EF4-FFF2-40B4-BE49-F238E27FC236}">
+                <a16:creationId xmlns:a16="http://schemas.microsoft.com/office/drawing/2014/main" id="{F1E77125-FFB1-4E80-862C-DDD621E042F1}"/>
+              </a:ext>
+            </a:extLst>
+          </p:cNvPr>
+          <p:cNvSpPr txBox="1"/>
+          <p:nvPr/>
+        </p:nvSpPr>
+        <p:spPr>
+          <a:xfrm>
+            <a:off x="26346" y="3070350"/>
+            <a:ext cx="1676400" cy="338554"/>
+          </a:xfrm>
+          <a:prstGeom prst="rect">
+            <a:avLst/>
+          </a:prstGeom>
+          <a:noFill/>
+        </p:spPr>
+        <p:txBody>
+          <a:bodyPr wrap="square" rtlCol="0">
+            <a:spAutoFit/>
+          </a:bodyPr>
+          <a:lstStyle/>
+          <a:p>
+            <a:pPr algn="ctr"/>
+            <a:r>
+              <a:rPr lang="en-US" sz="1600" dirty="0"/>
+              <a:t>Remote system</a:t>
+            </a:r>
+          </a:p>
+        </p:txBody>
+      </p:sp>
+      <p:sp>
+        <p:nvSpPr>
+          <p:cNvPr id="46" name="Rectangle 45">
+            <a:extLst>
+              <a:ext uri="{FF2B5EF4-FFF2-40B4-BE49-F238E27FC236}">
+                <a16:creationId xmlns:a16="http://schemas.microsoft.com/office/drawing/2014/main" id="{BEF52DC0-B779-4EC2-BCFB-3F6AD9137990}"/>
+              </a:ext>
+            </a:extLst>
+          </p:cNvPr>
+          <p:cNvSpPr/>
+          <p:nvPr/>
+        </p:nvSpPr>
+        <p:spPr>
+          <a:xfrm>
+            <a:off x="5431570" y="1727200"/>
+            <a:ext cx="2457670" cy="1883148"/>
+          </a:xfrm>
+          <a:prstGeom prst="rect">
+            <a:avLst/>
+          </a:prstGeom>
+          <a:noFill/>
+          <a:ln w="38100">
+            <a:solidFill>
+              <a:srgbClr val="F3B067"/>
+            </a:solidFill>
+          </a:ln>
+        </p:spPr>
+        <p:style>
+          <a:lnRef idx="2">
+            <a:schemeClr val="accent1">
+              <a:shade val="50000"/>
+            </a:schemeClr>
+          </a:lnRef>
+          <a:fillRef idx="1">
+            <a:schemeClr val="accent1"/>
+          </a:fillRef>
+          <a:effectRef idx="0">
+            <a:schemeClr val="accent1"/>
+          </a:effectRef>
+          <a:fontRef idx="minor">
+            <a:schemeClr val="lt1"/>
+          </a:fontRef>
+        </p:style>
+        <p:txBody>
+          <a:bodyPr rtlCol="0" anchor="ctr"/>
+          <a:lstStyle/>
+          <a:p>
+            <a:pPr algn="ctr"/>
+            <a:endParaRPr lang="en-US"/>
+          </a:p>
+        </p:txBody>
+      </p:sp>
+      <p:cxnSp>
+        <p:nvCxnSpPr>
+          <p:cNvPr id="50" name="Straight Connector 49">
+            <a:extLst>
+              <a:ext uri="{FF2B5EF4-FFF2-40B4-BE49-F238E27FC236}">
+                <a16:creationId xmlns:a16="http://schemas.microsoft.com/office/drawing/2014/main" id="{1A3F38DD-7569-4134-8C25-07F3F7E86FB5}"/>
+              </a:ext>
+            </a:extLst>
+          </p:cNvPr>
+          <p:cNvCxnSpPr/>
+          <p:nvPr/>
+        </p:nvCxnSpPr>
+        <p:spPr>
+          <a:xfrm>
+            <a:off x="5674360" y="1075381"/>
+            <a:ext cx="0" cy="677148"/>
+          </a:xfrm>
+          <a:prstGeom prst="line">
+            <a:avLst/>
+          </a:prstGeom>
+          <a:ln w="28575">
+            <a:solidFill>
+              <a:srgbClr val="F3B067"/>
+            </a:solidFill>
+          </a:ln>
+        </p:spPr>
+        <p:style>
+          <a:lnRef idx="1">
+            <a:schemeClr val="accent1"/>
+          </a:lnRef>
+          <a:fillRef idx="0">
+            <a:schemeClr val="accent1"/>
+          </a:fillRef>
+          <a:effectRef idx="0">
+            <a:schemeClr val="accent1"/>
+          </a:effectRef>
+          <a:fontRef idx="minor">
+            <a:schemeClr val="tx1"/>
+          </a:fontRef>
+        </p:style>
+      </p:cxnSp>
+      <p:cxnSp>
+        <p:nvCxnSpPr>
+          <p:cNvPr id="51" name="Straight Connector 50">
+            <a:extLst>
+              <a:ext uri="{FF2B5EF4-FFF2-40B4-BE49-F238E27FC236}">
+                <a16:creationId xmlns:a16="http://schemas.microsoft.com/office/drawing/2014/main" id="{DCC4AE17-3F6A-4D11-9E0D-68CE6BBB0841}"/>
+              </a:ext>
+            </a:extLst>
+          </p:cNvPr>
+          <p:cNvCxnSpPr>
+            <a:cxnSpLocks/>
+          </p:cNvCxnSpPr>
+          <p:nvPr/>
+        </p:nvCxnSpPr>
+        <p:spPr>
+          <a:xfrm>
+            <a:off x="4723133" y="892289"/>
+            <a:ext cx="795022" cy="0"/>
+          </a:xfrm>
+          <a:prstGeom prst="line">
+            <a:avLst/>
+          </a:prstGeom>
+          <a:ln w="28575">
+            <a:solidFill>
+              <a:srgbClr val="F3B067"/>
+            </a:solidFill>
+          </a:ln>
+        </p:spPr>
+        <p:style>
+          <a:lnRef idx="1">
+            <a:schemeClr val="accent1"/>
+          </a:lnRef>
+          <a:fillRef idx="0">
+            <a:schemeClr val="accent1"/>
+          </a:fillRef>
+          <a:effectRef idx="0">
+            <a:schemeClr val="accent1"/>
+          </a:effectRef>
+          <a:fontRef idx="minor">
+            <a:schemeClr val="tx1"/>
+          </a:fontRef>
+        </p:style>
+      </p:cxnSp>
+      <p:cxnSp>
+        <p:nvCxnSpPr>
+          <p:cNvPr id="54" name="Straight Connector 53">
+            <a:extLst>
+              <a:ext uri="{FF2B5EF4-FFF2-40B4-BE49-F238E27FC236}">
+                <a16:creationId xmlns:a16="http://schemas.microsoft.com/office/drawing/2014/main" id="{C915B25E-6827-4FA0-BE9E-1315D9F64CAD}"/>
+              </a:ext>
+            </a:extLst>
+          </p:cNvPr>
+          <p:cNvCxnSpPr>
+            <a:cxnSpLocks/>
+          </p:cNvCxnSpPr>
+          <p:nvPr/>
+        </p:nvCxnSpPr>
+        <p:spPr>
+          <a:xfrm>
+            <a:off x="4879338" y="1328735"/>
+            <a:ext cx="795022" cy="0"/>
+          </a:xfrm>
+          <a:prstGeom prst="line">
+            <a:avLst/>
+          </a:prstGeom>
+          <a:ln w="28575">
+            <a:solidFill>
+              <a:srgbClr val="F3B067"/>
+            </a:solidFill>
+          </a:ln>
+        </p:spPr>
+        <p:style>
+          <a:lnRef idx="1">
+            <a:schemeClr val="accent1"/>
+          </a:lnRef>
+          <a:fillRef idx="0">
+            <a:schemeClr val="accent1"/>
+          </a:fillRef>
+          <a:effectRef idx="0">
+            <a:schemeClr val="accent1"/>
+          </a:effectRef>
+          <a:fontRef idx="minor">
+            <a:schemeClr val="tx1"/>
+          </a:fontRef>
+        </p:style>
+      </p:cxnSp>
+      <p:sp>
+        <p:nvSpPr>
+          <p:cNvPr id="56" name="Rectangle 55">
+            <a:extLst>
+              <a:ext uri="{FF2B5EF4-FFF2-40B4-BE49-F238E27FC236}">
+                <a16:creationId xmlns:a16="http://schemas.microsoft.com/office/drawing/2014/main" id="{A7BEA2F4-940A-48C4-9B21-A3F443D70521}"/>
+              </a:ext>
+            </a:extLst>
+          </p:cNvPr>
+          <p:cNvSpPr/>
+          <p:nvPr/>
+        </p:nvSpPr>
+        <p:spPr>
+          <a:xfrm>
+            <a:off x="6154832" y="4805236"/>
+            <a:ext cx="1897186" cy="369332"/>
+          </a:xfrm>
+          <a:prstGeom prst="rect">
+            <a:avLst/>
+          </a:prstGeom>
+        </p:spPr>
+        <p:txBody>
+          <a:bodyPr wrap="none">
+            <a:spAutoFit/>
+          </a:bodyPr>
+          <a:lstStyle/>
+          <a:p>
+            <a:r>
+              <a:rPr lang="en-US" dirty="0"/>
+              <a:t>Platform </a:t>
+            </a:r>
+            <a:r>
+              <a:rPr lang="en-US" dirty="0" err="1"/>
+              <a:t>identitity</a:t>
+            </a:r>
+            <a:endParaRPr lang="en-US" dirty="0"/>
+          </a:p>
+        </p:txBody>
+      </p:sp>
+      <p:cxnSp>
+        <p:nvCxnSpPr>
+          <p:cNvPr id="57" name="Straight Connector 56">
+            <a:extLst>
+              <a:ext uri="{FF2B5EF4-FFF2-40B4-BE49-F238E27FC236}">
+                <a16:creationId xmlns:a16="http://schemas.microsoft.com/office/drawing/2014/main" id="{5F09F1F3-F5A0-4409-8A35-B68A6993EAE4}"/>
+              </a:ext>
+            </a:extLst>
+          </p:cNvPr>
+          <p:cNvCxnSpPr>
+            <a:cxnSpLocks/>
+          </p:cNvCxnSpPr>
+          <p:nvPr/>
+        </p:nvCxnSpPr>
+        <p:spPr>
+          <a:xfrm>
+            <a:off x="5674360" y="5389574"/>
+            <a:ext cx="0" cy="314110"/>
+          </a:xfrm>
+          <a:prstGeom prst="line">
+            <a:avLst/>
+          </a:prstGeom>
+          <a:ln w="28575">
+            <a:solidFill>
+              <a:srgbClr val="DAB4DE"/>
+            </a:solidFill>
+          </a:ln>
+        </p:spPr>
+        <p:style>
+          <a:lnRef idx="1">
+            <a:schemeClr val="accent1"/>
+          </a:lnRef>
+          <a:fillRef idx="0">
+            <a:schemeClr val="accent1"/>
+          </a:fillRef>
+          <a:effectRef idx="0">
+            <a:schemeClr val="accent1"/>
+          </a:effectRef>
+          <a:fontRef idx="minor">
+            <a:schemeClr val="tx1"/>
+          </a:fontRef>
+        </p:style>
+      </p:cxnSp>
+      <p:cxnSp>
+        <p:nvCxnSpPr>
+          <p:cNvPr id="59" name="Straight Connector 58">
+            <a:extLst>
+              <a:ext uri="{FF2B5EF4-FFF2-40B4-BE49-F238E27FC236}">
+                <a16:creationId xmlns:a16="http://schemas.microsoft.com/office/drawing/2014/main" id="{948E5C22-DE01-4A56-B181-E89743AA3FFF}"/>
+              </a:ext>
+            </a:extLst>
+          </p:cNvPr>
+          <p:cNvCxnSpPr>
+            <a:cxnSpLocks/>
+          </p:cNvCxnSpPr>
+          <p:nvPr/>
+        </p:nvCxnSpPr>
+        <p:spPr>
+          <a:xfrm>
+            <a:off x="2106093" y="4869351"/>
+            <a:ext cx="940032" cy="0"/>
+          </a:xfrm>
+          <a:prstGeom prst="line">
+            <a:avLst/>
+          </a:prstGeom>
+          <a:ln w="28575">
+            <a:solidFill>
+              <a:srgbClr val="83D8F4"/>
+            </a:solidFill>
+          </a:ln>
+        </p:spPr>
+        <p:style>
+          <a:lnRef idx="1">
+            <a:schemeClr val="accent1"/>
+          </a:lnRef>
+          <a:fillRef idx="0">
+            <a:schemeClr val="accent1"/>
+          </a:fillRef>
+          <a:effectRef idx="0">
+            <a:schemeClr val="accent1"/>
+          </a:effectRef>
+          <a:fontRef idx="minor">
+            <a:schemeClr val="tx1"/>
+          </a:fontRef>
+        </p:style>
+      </p:cxnSp>
+    </p:spTree>
+    <p:extLst>
+      <p:ext uri="{BB962C8B-B14F-4D97-AF65-F5344CB8AC3E}">
+        <p14:creationId xmlns:p14="http://schemas.microsoft.com/office/powerpoint/2010/main" val="3330977152"/>
+      </p:ext>
+    </p:extLst>
+  </p:cSld>
+  <p:clrMapOvr>
+    <a:masterClrMapping/>
+  </p:clrMapOvr>
+</p:sld>
+</file>
+
 <file path=ppt/theme/theme1.xml><?xml version="1.0" encoding="utf-8"?>
 <a:theme xmlns:a="http://schemas.openxmlformats.org/drawingml/2006/main" name="Office Theme">
   <a:themeElements>

--- a/chapters/introduction/images/works.pptx
+++ b/chapters/introduction/images/works.pptx
@@ -4076,10 +4076,10 @@
       </p:grpSpPr>
       <p:sp>
         <p:nvSpPr>
-          <p:cNvPr id="55" name="Rectangle 54">
-            <a:extLst>
-              <a:ext uri="{FF2B5EF4-FFF2-40B4-BE49-F238E27FC236}">
-                <a16:creationId xmlns:a16="http://schemas.microsoft.com/office/drawing/2014/main" id="{09936526-4BFA-4ECF-AB6E-89F1015579CA}"/>
+          <p:cNvPr id="46" name="Rectangle 45">
+            <a:extLst>
+              <a:ext uri="{FF2B5EF4-FFF2-40B4-BE49-F238E27FC236}">
+                <a16:creationId xmlns:a16="http://schemas.microsoft.com/office/drawing/2014/main" id="{BEF52DC0-B779-4EC2-BCFB-3F6AD9137990}"/>
               </a:ext>
             </a:extLst>
           </p:cNvPr>
@@ -4088,8 +4088,8 @@
         </p:nvSpPr>
         <p:spPr>
           <a:xfrm>
-            <a:off x="4345499" y="4591730"/>
-            <a:ext cx="5604849" cy="813482"/>
+            <a:off x="4839841" y="1048042"/>
+            <a:ext cx="2457670" cy="1883148"/>
           </a:xfrm>
           <a:prstGeom prst="rect">
             <a:avLst/>
@@ -4097,7 +4097,7 @@
           <a:noFill/>
           <a:ln w="38100">
             <a:solidFill>
-              <a:srgbClr val="DAB4DE"/>
+              <a:srgbClr val="ED8B1F"/>
             </a:solidFill>
           </a:ln>
         </p:spPr>
@@ -4126,12 +4126,98 @@
           </a:p>
         </p:txBody>
       </p:sp>
-      <p:sp>
-        <p:nvSpPr>
-          <p:cNvPr id="44" name="Arrow: Left-Right 43">
-            <a:extLst>
-              <a:ext uri="{FF2B5EF4-FFF2-40B4-BE49-F238E27FC236}">
-                <a16:creationId xmlns:a16="http://schemas.microsoft.com/office/drawing/2014/main" id="{7D84CCBF-C0D7-4524-B057-647ACE9888C1}"/>
+      <p:cxnSp>
+        <p:nvCxnSpPr>
+          <p:cNvPr id="51" name="Straight Connector 50">
+            <a:extLst>
+              <a:ext uri="{FF2B5EF4-FFF2-40B4-BE49-F238E27FC236}">
+                <a16:creationId xmlns:a16="http://schemas.microsoft.com/office/drawing/2014/main" id="{DCC4AE17-3F6A-4D11-9E0D-68CE6BBB0841}"/>
+              </a:ext>
+            </a:extLst>
+          </p:cNvPr>
+          <p:cNvCxnSpPr>
+            <a:cxnSpLocks/>
+          </p:cNvCxnSpPr>
+          <p:nvPr/>
+        </p:nvCxnSpPr>
+        <p:spPr>
+          <a:xfrm>
+            <a:off x="4131404" y="213131"/>
+            <a:ext cx="795022" cy="0"/>
+          </a:xfrm>
+          <a:prstGeom prst="line">
+            <a:avLst/>
+          </a:prstGeom>
+          <a:ln w="28575">
+            <a:solidFill>
+              <a:srgbClr val="ED8B1F"/>
+            </a:solidFill>
+          </a:ln>
+        </p:spPr>
+        <p:style>
+          <a:lnRef idx="1">
+            <a:schemeClr val="accent1"/>
+          </a:lnRef>
+          <a:fillRef idx="0">
+            <a:schemeClr val="accent1"/>
+          </a:fillRef>
+          <a:effectRef idx="0">
+            <a:schemeClr val="accent1"/>
+          </a:effectRef>
+          <a:fontRef idx="minor">
+            <a:schemeClr val="tx1"/>
+          </a:fontRef>
+        </p:style>
+      </p:cxnSp>
+      <p:cxnSp>
+        <p:nvCxnSpPr>
+          <p:cNvPr id="54" name="Straight Connector 53">
+            <a:extLst>
+              <a:ext uri="{FF2B5EF4-FFF2-40B4-BE49-F238E27FC236}">
+                <a16:creationId xmlns:a16="http://schemas.microsoft.com/office/drawing/2014/main" id="{C915B25E-6827-4FA0-BE9E-1315D9F64CAD}"/>
+              </a:ext>
+            </a:extLst>
+          </p:cNvPr>
+          <p:cNvCxnSpPr>
+            <a:cxnSpLocks/>
+          </p:cNvCxnSpPr>
+          <p:nvPr/>
+        </p:nvCxnSpPr>
+        <p:spPr>
+          <a:xfrm>
+            <a:off x="4287609" y="649577"/>
+            <a:ext cx="795022" cy="0"/>
+          </a:xfrm>
+          <a:prstGeom prst="line">
+            <a:avLst/>
+          </a:prstGeom>
+          <a:ln w="28575">
+            <a:solidFill>
+              <a:srgbClr val="ED8B1F"/>
+            </a:solidFill>
+          </a:ln>
+        </p:spPr>
+        <p:style>
+          <a:lnRef idx="1">
+            <a:schemeClr val="accent1"/>
+          </a:lnRef>
+          <a:fillRef idx="0">
+            <a:schemeClr val="accent1"/>
+          </a:fillRef>
+          <a:effectRef idx="0">
+            <a:schemeClr val="accent1"/>
+          </a:effectRef>
+          <a:fontRef idx="minor">
+            <a:schemeClr val="tx1"/>
+          </a:fontRef>
+        </p:style>
+      </p:cxnSp>
+      <p:sp>
+        <p:nvSpPr>
+          <p:cNvPr id="55" name="Rectangle 54">
+            <a:extLst>
+              <a:ext uri="{FF2B5EF4-FFF2-40B4-BE49-F238E27FC236}">
+                <a16:creationId xmlns:a16="http://schemas.microsoft.com/office/drawing/2014/main" id="{09936526-4BFA-4ECF-AB6E-89F1015579CA}"/>
               </a:ext>
             </a:extLst>
           </p:cNvPr>
@@ -4140,21 +4226,16 @@
         </p:nvSpPr>
         <p:spPr>
           <a:xfrm>
-            <a:off x="1575888" y="2439390"/>
-            <a:ext cx="4419600" cy="168619"/>
-          </a:xfrm>
-          <a:prstGeom prst="leftRightArrow">
-            <a:avLst>
-              <a:gd name="adj1" fmla="val 50000"/>
-              <a:gd name="adj2" fmla="val 108945"/>
-            </a:avLst>
+            <a:off x="3753770" y="3912572"/>
+            <a:ext cx="5604849" cy="813482"/>
+          </a:xfrm>
+          <a:prstGeom prst="rect">
+            <a:avLst/>
           </a:prstGeom>
-          <a:solidFill>
-            <a:schemeClr val="bg1"/>
-          </a:solidFill>
-          <a:ln w="19050">
+          <a:noFill/>
+          <a:ln w="38100">
             <a:solidFill>
-              <a:schemeClr val="tx1"/>
+              <a:srgbClr val="C991CF"/>
             </a:solidFill>
           </a:ln>
         </p:spPr>
@@ -4211,7 +4292,7 @@
         </p:blipFill>
         <p:spPr>
           <a:xfrm>
-            <a:off x="8975110" y="3229378"/>
+            <a:off x="8383381" y="2550220"/>
             <a:ext cx="876060" cy="718107"/>
           </a:xfrm>
           <a:prstGeom prst="rect">
@@ -4247,7 +4328,7 @@
         </p:blipFill>
         <p:spPr>
           <a:xfrm>
-            <a:off x="8975109" y="4530660"/>
+            <a:off x="8383380" y="3851502"/>
             <a:ext cx="810372" cy="810372"/>
           </a:xfrm>
           <a:prstGeom prst="rect">
@@ -4282,7 +4363,7 @@
         </p:blipFill>
         <p:spPr>
           <a:xfrm>
-            <a:off x="8975110" y="1629749"/>
+            <a:off x="8383381" y="950591"/>
             <a:ext cx="975239" cy="762000"/>
           </a:xfrm>
           <a:prstGeom prst="rect">
@@ -4304,8 +4385,8 @@
         </p:nvSpPr>
         <p:spPr>
           <a:xfrm>
-            <a:off x="2154970" y="1683432"/>
-            <a:ext cx="6019800" cy="3810000"/>
+            <a:off x="2178375" y="1004274"/>
+            <a:ext cx="5404666" cy="3810000"/>
           </a:xfrm>
           <a:prstGeom prst="roundRect">
             <a:avLst>
@@ -4372,7 +4453,7 @@
         </p:blipFill>
         <p:spPr>
           <a:xfrm>
-            <a:off x="4593370" y="4655232"/>
+            <a:off x="4001641" y="3976074"/>
             <a:ext cx="736194" cy="736194"/>
           </a:xfrm>
           <a:prstGeom prst="rect">
@@ -4394,8 +4475,8 @@
         </p:nvSpPr>
         <p:spPr>
           <a:xfrm>
-            <a:off x="2307370" y="3740832"/>
-            <a:ext cx="5638800" cy="736194"/>
+            <a:off x="2502107" y="3061674"/>
+            <a:ext cx="4852333" cy="736194"/>
           </a:xfrm>
           <a:prstGeom prst="roundRect">
             <a:avLst>
@@ -4461,7 +4542,7 @@
         </p:blipFill>
         <p:spPr bwMode="auto">
           <a:xfrm>
-            <a:off x="4212370" y="3817032"/>
+            <a:off x="3620641" y="3137874"/>
             <a:ext cx="478047" cy="564446"/>
           </a:xfrm>
           <a:prstGeom prst="rect">
@@ -4507,7 +4588,7 @@
         </p:blipFill>
         <p:spPr>
           <a:xfrm>
-            <a:off x="5050570" y="3875136"/>
+            <a:off x="4458841" y="3195978"/>
             <a:ext cx="467585" cy="467585"/>
           </a:xfrm>
           <a:prstGeom prst="rect">
@@ -4543,7 +4624,7 @@
         </p:blipFill>
         <p:spPr>
           <a:xfrm>
-            <a:off x="2235280" y="4274562"/>
+            <a:off x="2259344" y="3432546"/>
             <a:ext cx="480026" cy="480026"/>
           </a:xfrm>
           <a:prstGeom prst="rect">
@@ -4565,7 +4646,7 @@
         </p:nvGrpSpPr>
         <p:grpSpPr>
           <a:xfrm>
-            <a:off x="6117370" y="1834616"/>
+            <a:off x="5525641" y="1155458"/>
             <a:ext cx="1182721" cy="1182721"/>
             <a:chOff x="8989219" y="2308605"/>
             <a:chExt cx="1599895" cy="1599895"/>
@@ -4778,7 +4859,7 @@
         </p:nvSpPr>
         <p:spPr>
           <a:xfrm>
-            <a:off x="5565730" y="3092727"/>
+            <a:off x="4974001" y="2413569"/>
             <a:ext cx="2286000" cy="584775"/>
           </a:xfrm>
           <a:prstGeom prst="rect">
@@ -4810,6 +4891,7 @@
             </a:extLst>
           </p:cNvPr>
           <p:cNvCxnSpPr>
+            <a:cxnSpLocks/>
             <a:stCxn id="10" idx="3"/>
             <a:endCxn id="9" idx="1"/>
           </p:cNvCxnSpPr>
@@ -4817,7 +4899,7 @@
         </p:nvCxnSpPr>
         <p:spPr>
           <a:xfrm flipV="1">
-            <a:off x="8174770" y="2010749"/>
+            <a:off x="7583041" y="1331591"/>
             <a:ext cx="800340" cy="1577683"/>
           </a:xfrm>
           <a:prstGeom prst="bentConnector3">
@@ -4865,7 +4947,7 @@
         </p:nvCxnSpPr>
         <p:spPr>
           <a:xfrm>
-            <a:off x="8174770" y="3588432"/>
+            <a:off x="7583041" y="2909274"/>
             <a:ext cx="800339" cy="1347414"/>
           </a:xfrm>
           <a:prstGeom prst="bentConnector3">
@@ -4907,6 +4989,7 @@
             </a:extLst>
           </p:cNvPr>
           <p:cNvCxnSpPr>
+            <a:cxnSpLocks/>
             <a:stCxn id="10" idx="3"/>
             <a:endCxn id="7" idx="1"/>
           </p:cNvCxnSpPr>
@@ -4914,7 +4997,7 @@
         </p:nvCxnSpPr>
         <p:spPr>
           <a:xfrm>
-            <a:off x="8174770" y="3588432"/>
+            <a:off x="7583041" y="2909274"/>
             <a:ext cx="800340" cy="0"/>
           </a:xfrm>
           <a:prstGeom prst="straightConnector1">
@@ -4944,42 +5027,6 @@
           </a:fontRef>
         </p:style>
       </p:cxnSp>
-      <p:pic>
-        <p:nvPicPr>
-          <p:cNvPr id="25" name="Picture 24">
-            <a:extLst>
-              <a:ext uri="{FF2B5EF4-FFF2-40B4-BE49-F238E27FC236}">
-                <a16:creationId xmlns:a16="http://schemas.microsoft.com/office/drawing/2014/main" id="{4D026A2D-2083-4AE3-814B-EE96D94D84FA}"/>
-              </a:ext>
-            </a:extLst>
-          </p:cNvPr>
-          <p:cNvPicPr>
-            <a:picLocks noChangeAspect="1"/>
-          </p:cNvPicPr>
-          <p:nvPr/>
-        </p:nvPicPr>
-        <p:blipFill>
-          <a:blip r:embed="rId10" cstate="print">
-            <a:extLst>
-              <a:ext uri="{28A0092B-C50C-407E-A947-70E740481C1C}">
-                <a14:useLocalDpi xmlns:a14="http://schemas.microsoft.com/office/drawing/2010/main" val="0"/>
-              </a:ext>
-            </a:extLst>
-          </a:blip>
-          <a:stretch>
-            <a:fillRect/>
-          </a:stretch>
-        </p:blipFill>
-        <p:spPr>
-          <a:xfrm>
-            <a:off x="9173127" y="840557"/>
-            <a:ext cx="480026" cy="480026"/>
-          </a:xfrm>
-          <a:prstGeom prst="rect">
-            <a:avLst/>
-          </a:prstGeom>
-        </p:spPr>
-      </p:pic>
       <p:sp>
         <p:nvSpPr>
           <p:cNvPr id="26" name="Rectangle: Rounded Corners 25">
@@ -4994,8 +5041,8 @@
         </p:nvSpPr>
         <p:spPr>
           <a:xfrm>
-            <a:off x="1061786" y="686975"/>
-            <a:ext cx="4098765" cy="389980"/>
+            <a:off x="796944" y="7817"/>
+            <a:ext cx="3771878" cy="389980"/>
           </a:xfrm>
           <a:prstGeom prst="roundRect">
             <a:avLst>
@@ -5048,7 +5095,7 @@
         </p:nvSpPr>
         <p:spPr>
           <a:xfrm>
-            <a:off x="684991" y="707623"/>
+            <a:off x="434647" y="28465"/>
             <a:ext cx="4475560" cy="369332"/>
           </a:xfrm>
           <a:prstGeom prst="rect">
@@ -5091,8 +5138,8 @@
         </p:nvSpPr>
         <p:spPr>
           <a:xfrm>
-            <a:off x="5458974" y="686975"/>
-            <a:ext cx="2789429" cy="389980"/>
+            <a:off x="4867245" y="7817"/>
+            <a:ext cx="2473751" cy="389980"/>
           </a:xfrm>
           <a:prstGeom prst="roundRect">
             <a:avLst>
@@ -5145,7 +5192,7 @@
         </p:nvSpPr>
         <p:spPr>
           <a:xfrm>
-            <a:off x="5036588" y="707623"/>
+            <a:off x="4444859" y="28465"/>
             <a:ext cx="3343791" cy="369332"/>
           </a:xfrm>
           <a:prstGeom prst="rect">
@@ -5184,8 +5231,8 @@
         </p:nvSpPr>
         <p:spPr>
           <a:xfrm>
-            <a:off x="1061786" y="1129937"/>
-            <a:ext cx="4098765" cy="389980"/>
+            <a:off x="796944" y="450779"/>
+            <a:ext cx="3771878" cy="389980"/>
           </a:xfrm>
           <a:prstGeom prst="roundRect">
             <a:avLst>
@@ -5238,7 +5285,7 @@
         </p:nvSpPr>
         <p:spPr>
           <a:xfrm>
-            <a:off x="561920" y="1150585"/>
+            <a:off x="338235" y="471427"/>
             <a:ext cx="4399547" cy="646331"/>
           </a:xfrm>
           <a:prstGeom prst="rect">
@@ -5291,7 +5338,7 @@
         </p:blipFill>
         <p:spPr>
           <a:xfrm>
-            <a:off x="4481441" y="5023329"/>
+            <a:off x="3889712" y="4344171"/>
             <a:ext cx="480026" cy="480026"/>
           </a:xfrm>
           <a:prstGeom prst="rect">
@@ -5313,7 +5360,7 @@
         </p:nvSpPr>
         <p:spPr>
           <a:xfrm>
-            <a:off x="4885424" y="5689897"/>
+            <a:off x="4293695" y="5010739"/>
             <a:ext cx="3289346" cy="389980"/>
           </a:xfrm>
           <a:prstGeom prst="roundRect">
@@ -5367,7 +5414,7 @@
         </p:nvSpPr>
         <p:spPr>
           <a:xfrm>
-            <a:off x="5113171" y="5703684"/>
+            <a:off x="4521442" y="5024526"/>
             <a:ext cx="2819554" cy="369332"/>
           </a:xfrm>
           <a:prstGeom prst="rect">
@@ -5415,7 +5462,7 @@
         </p:blipFill>
         <p:spPr>
           <a:xfrm>
-            <a:off x="3046125" y="4690676"/>
+            <a:off x="2454396" y="4011518"/>
             <a:ext cx="611350" cy="611350"/>
           </a:xfrm>
           <a:prstGeom prst="rect">
@@ -5423,12 +5470,119 @@
           </a:prstGeom>
         </p:spPr>
       </p:pic>
-      <p:sp>
-        <p:nvSpPr>
-          <p:cNvPr id="36" name="Rectangle: Rounded Corners 35">
-            <a:extLst>
-              <a:ext uri="{FF2B5EF4-FFF2-40B4-BE49-F238E27FC236}">
-                <a16:creationId xmlns:a16="http://schemas.microsoft.com/office/drawing/2014/main" id="{E9AA04FB-00D3-4887-BA1B-56A99EE5E773}"/>
+      <p:pic>
+        <p:nvPicPr>
+          <p:cNvPr id="38" name="Picture 37">
+            <a:extLst>
+              <a:ext uri="{FF2B5EF4-FFF2-40B4-BE49-F238E27FC236}">
+                <a16:creationId xmlns:a16="http://schemas.microsoft.com/office/drawing/2014/main" id="{F4EDEB74-68FD-4181-9085-CF02F1697EE7}"/>
+              </a:ext>
+            </a:extLst>
+          </p:cNvPr>
+          <p:cNvPicPr>
+            <a:picLocks noChangeAspect="1"/>
+          </p:cNvPicPr>
+          <p:nvPr/>
+        </p:nvPicPr>
+        <p:blipFill>
+          <a:blip r:embed="rId12" cstate="print">
+            <a:extLst>
+              <a:ext uri="{28A0092B-C50C-407E-A947-70E740481C1C}">
+                <a14:useLocalDpi xmlns:a14="http://schemas.microsoft.com/office/drawing/2010/main" val="0"/>
+              </a:ext>
+            </a:extLst>
+          </a:blip>
+          <a:stretch>
+            <a:fillRect/>
+          </a:stretch>
+        </p:blipFill>
+        <p:spPr>
+          <a:xfrm rot="5400000">
+            <a:off x="9855302" y="779997"/>
+            <a:ext cx="909858" cy="909858"/>
+          </a:xfrm>
+          <a:prstGeom prst="rect">
+            <a:avLst/>
+          </a:prstGeom>
+        </p:spPr>
+      </p:pic>
+      <p:pic>
+        <p:nvPicPr>
+          <p:cNvPr id="39" name="Picture 38">
+            <a:extLst>
+              <a:ext uri="{FF2B5EF4-FFF2-40B4-BE49-F238E27FC236}">
+                <a16:creationId xmlns:a16="http://schemas.microsoft.com/office/drawing/2014/main" id="{C09A5CF1-5537-4B7E-85DE-5ED3EB2EDA19}"/>
+              </a:ext>
+            </a:extLst>
+          </p:cNvPr>
+          <p:cNvPicPr>
+            <a:picLocks noChangeAspect="1"/>
+          </p:cNvPicPr>
+          <p:nvPr/>
+        </p:nvPicPr>
+        <p:blipFill>
+          <a:blip r:embed="rId13" cstate="print">
+            <a:extLst>
+              <a:ext uri="{28A0092B-C50C-407E-A947-70E740481C1C}">
+                <a14:useLocalDpi xmlns:a14="http://schemas.microsoft.com/office/drawing/2010/main" val="0"/>
+              </a:ext>
+            </a:extLst>
+          </a:blip>
+          <a:stretch>
+            <a:fillRect/>
+          </a:stretch>
+        </p:blipFill>
+        <p:spPr>
+          <a:xfrm>
+            <a:off x="9859284" y="2407081"/>
+            <a:ext cx="909858" cy="909858"/>
+          </a:xfrm>
+          <a:prstGeom prst="rect">
+            <a:avLst/>
+          </a:prstGeom>
+        </p:spPr>
+      </p:pic>
+      <p:pic>
+        <p:nvPicPr>
+          <p:cNvPr id="40" name="Picture 39">
+            <a:extLst>
+              <a:ext uri="{FF2B5EF4-FFF2-40B4-BE49-F238E27FC236}">
+                <a16:creationId xmlns:a16="http://schemas.microsoft.com/office/drawing/2014/main" id="{3DF9AE7A-9569-4B19-B6FF-DF78C63652E1}"/>
+              </a:ext>
+            </a:extLst>
+          </p:cNvPr>
+          <p:cNvPicPr>
+            <a:picLocks noChangeAspect="1"/>
+          </p:cNvPicPr>
+          <p:nvPr/>
+        </p:nvPicPr>
+        <p:blipFill rotWithShape="1">
+          <a:blip r:embed="rId14" cstate="print">
+            <a:extLst>
+              <a:ext uri="{28A0092B-C50C-407E-A947-70E740481C1C}">
+                <a14:useLocalDpi xmlns:a14="http://schemas.microsoft.com/office/drawing/2010/main" val="0"/>
+              </a:ext>
+            </a:extLst>
+          </a:blip>
+          <a:srcRect l="6727" r="8085"/>
+          <a:stretch/>
+        </p:blipFill>
+        <p:spPr>
+          <a:xfrm>
+            <a:off x="10008212" y="3851502"/>
+            <a:ext cx="612001" cy="718423"/>
+          </a:xfrm>
+          <a:prstGeom prst="rect">
+            <a:avLst/>
+          </a:prstGeom>
+        </p:spPr>
+      </p:pic>
+      <p:sp>
+        <p:nvSpPr>
+          <p:cNvPr id="41" name="Rectangle: Rounded Corners 40">
+            <a:extLst>
+              <a:ext uri="{FF2B5EF4-FFF2-40B4-BE49-F238E27FC236}">
+                <a16:creationId xmlns:a16="http://schemas.microsoft.com/office/drawing/2014/main" id="{C00A29A4-B40D-400F-84E3-7917B7C451BA}"/>
               </a:ext>
             </a:extLst>
           </p:cNvPr>
@@ -5437,7 +5591,618 @@
         </p:nvSpPr>
         <p:spPr>
           <a:xfrm>
-            <a:off x="47336" y="4299170"/>
+            <a:off x="7906773" y="10666"/>
+            <a:ext cx="2928231" cy="389980"/>
+          </a:xfrm>
+          <a:prstGeom prst="roundRect">
+            <a:avLst>
+              <a:gd name="adj" fmla="val 0"/>
+            </a:avLst>
+          </a:prstGeom>
+          <a:solidFill>
+            <a:srgbClr val="A2F97F"/>
+          </a:solidFill>
+          <a:ln w="12700">
+            <a:noFill/>
+          </a:ln>
+        </p:spPr>
+        <p:style>
+          <a:lnRef idx="2">
+            <a:schemeClr val="accent1">
+              <a:shade val="50000"/>
+            </a:schemeClr>
+          </a:lnRef>
+          <a:fillRef idx="1">
+            <a:schemeClr val="accent1"/>
+          </a:fillRef>
+          <a:effectRef idx="0">
+            <a:schemeClr val="accent1"/>
+          </a:effectRef>
+          <a:fontRef idx="minor">
+            <a:schemeClr val="lt1"/>
+          </a:fontRef>
+        </p:style>
+        <p:txBody>
+          <a:bodyPr rtlCol="0" anchor="ctr"/>
+          <a:lstStyle/>
+          <a:p>
+            <a:pPr algn="ctr"/>
+            <a:endParaRPr lang="en-US"/>
+          </a:p>
+        </p:txBody>
+      </p:sp>
+      <p:sp>
+        <p:nvSpPr>
+          <p:cNvPr id="42" name="Rectangle 41">
+            <a:extLst>
+              <a:ext uri="{FF2B5EF4-FFF2-40B4-BE49-F238E27FC236}">
+                <a16:creationId xmlns:a16="http://schemas.microsoft.com/office/drawing/2014/main" id="{8A9A6546-D9DD-44D1-9F7C-F18E4D6401D8}"/>
+              </a:ext>
+            </a:extLst>
+          </p:cNvPr>
+          <p:cNvSpPr/>
+          <p:nvPr/>
+        </p:nvSpPr>
+        <p:spPr>
+          <a:xfrm>
+            <a:off x="7428857" y="13642"/>
+            <a:ext cx="3406147" cy="369332"/>
+          </a:xfrm>
+          <a:prstGeom prst="rect">
+            <a:avLst/>
+          </a:prstGeom>
+        </p:spPr>
+        <p:txBody>
+          <a:bodyPr wrap="square">
+            <a:spAutoFit/>
+          </a:bodyPr>
+          <a:lstStyle/>
+          <a:p>
+            <a:pPr lvl="1"/>
+            <a:r>
+              <a:rPr lang="en-US" dirty="0"/>
+              <a:t>PIE (2020, arXiv:2010.10416)</a:t>
+            </a:r>
+          </a:p>
+        </p:txBody>
+      </p:sp>
+      <p:pic>
+        <p:nvPicPr>
+          <p:cNvPr id="43" name="Picture 42">
+            <a:extLst>
+              <a:ext uri="{FF2B5EF4-FFF2-40B4-BE49-F238E27FC236}">
+                <a16:creationId xmlns:a16="http://schemas.microsoft.com/office/drawing/2014/main" id="{4BA8FC9E-4450-46CC-B4E5-4A00F5C6313A}"/>
+              </a:ext>
+            </a:extLst>
+          </p:cNvPr>
+          <p:cNvPicPr>
+            <a:picLocks noChangeAspect="1"/>
+          </p:cNvPicPr>
+          <p:nvPr/>
+        </p:nvPicPr>
+        <p:blipFill>
+          <a:blip r:embed="rId15" cstate="print">
+            <a:extLst>
+              <a:ext uri="{28A0092B-C50C-407E-A947-70E740481C1C}">
+                <a14:useLocalDpi xmlns:a14="http://schemas.microsoft.com/office/drawing/2010/main" val="0"/>
+              </a:ext>
+            </a:extLst>
+          </a:blip>
+          <a:stretch>
+            <a:fillRect/>
+          </a:stretch>
+        </p:blipFill>
+        <p:spPr>
+          <a:xfrm>
+            <a:off x="323836" y="1133652"/>
+            <a:ext cx="1253159" cy="1253159"/>
+          </a:xfrm>
+          <a:prstGeom prst="rect">
+            <a:avLst/>
+          </a:prstGeom>
+        </p:spPr>
+      </p:pic>
+      <p:sp>
+        <p:nvSpPr>
+          <p:cNvPr id="45" name="TextBox 44">
+            <a:extLst>
+              <a:ext uri="{FF2B5EF4-FFF2-40B4-BE49-F238E27FC236}">
+                <a16:creationId xmlns:a16="http://schemas.microsoft.com/office/drawing/2014/main" id="{F1E77125-FFB1-4E80-862C-DDD621E042F1}"/>
+              </a:ext>
+            </a:extLst>
+          </p:cNvPr>
+          <p:cNvSpPr txBox="1"/>
+          <p:nvPr/>
+        </p:nvSpPr>
+        <p:spPr>
+          <a:xfrm>
+            <a:off x="71327" y="2118180"/>
+            <a:ext cx="1676400" cy="338554"/>
+          </a:xfrm>
+          <a:prstGeom prst="rect">
+            <a:avLst/>
+          </a:prstGeom>
+          <a:noFill/>
+        </p:spPr>
+        <p:txBody>
+          <a:bodyPr wrap="square" rtlCol="0">
+            <a:spAutoFit/>
+          </a:bodyPr>
+          <a:lstStyle/>
+          <a:p>
+            <a:pPr algn="ctr"/>
+            <a:r>
+              <a:rPr lang="en-US" sz="1600" dirty="0"/>
+              <a:t>Remote system</a:t>
+            </a:r>
+          </a:p>
+        </p:txBody>
+      </p:sp>
+      <p:sp>
+        <p:nvSpPr>
+          <p:cNvPr id="56" name="Rectangle 55">
+            <a:extLst>
+              <a:ext uri="{FF2B5EF4-FFF2-40B4-BE49-F238E27FC236}">
+                <a16:creationId xmlns:a16="http://schemas.microsoft.com/office/drawing/2014/main" id="{A7BEA2F4-940A-48C4-9B21-A3F443D70521}"/>
+              </a:ext>
+            </a:extLst>
+          </p:cNvPr>
+          <p:cNvSpPr/>
+          <p:nvPr/>
+        </p:nvSpPr>
+        <p:spPr>
+          <a:xfrm>
+            <a:off x="5563103" y="4126078"/>
+            <a:ext cx="1897186" cy="369332"/>
+          </a:xfrm>
+          <a:prstGeom prst="rect">
+            <a:avLst/>
+          </a:prstGeom>
+        </p:spPr>
+        <p:txBody>
+          <a:bodyPr wrap="none">
+            <a:spAutoFit/>
+          </a:bodyPr>
+          <a:lstStyle/>
+          <a:p>
+            <a:r>
+              <a:rPr lang="en-US" dirty="0"/>
+              <a:t>Platform </a:t>
+            </a:r>
+            <a:r>
+              <a:rPr lang="en-US" dirty="0" err="1"/>
+              <a:t>identitity</a:t>
+            </a:r>
+            <a:endParaRPr lang="en-US" dirty="0"/>
+          </a:p>
+        </p:txBody>
+      </p:sp>
+      <p:cxnSp>
+        <p:nvCxnSpPr>
+          <p:cNvPr id="57" name="Straight Connector 56">
+            <a:extLst>
+              <a:ext uri="{FF2B5EF4-FFF2-40B4-BE49-F238E27FC236}">
+                <a16:creationId xmlns:a16="http://schemas.microsoft.com/office/drawing/2014/main" id="{5F09F1F3-F5A0-4409-8A35-B68A6993EAE4}"/>
+              </a:ext>
+            </a:extLst>
+          </p:cNvPr>
+          <p:cNvCxnSpPr>
+            <a:cxnSpLocks/>
+          </p:cNvCxnSpPr>
+          <p:nvPr/>
+        </p:nvCxnSpPr>
+        <p:spPr>
+          <a:xfrm>
+            <a:off x="5082631" y="4710416"/>
+            <a:ext cx="0" cy="314110"/>
+          </a:xfrm>
+          <a:prstGeom prst="line">
+            <a:avLst/>
+          </a:prstGeom>
+          <a:ln w="28575">
+            <a:solidFill>
+              <a:srgbClr val="C991CF"/>
+            </a:solidFill>
+          </a:ln>
+        </p:spPr>
+        <p:style>
+          <a:lnRef idx="1">
+            <a:schemeClr val="accent1"/>
+          </a:lnRef>
+          <a:fillRef idx="0">
+            <a:schemeClr val="accent1"/>
+          </a:fillRef>
+          <a:effectRef idx="0">
+            <a:schemeClr val="accent1"/>
+          </a:effectRef>
+          <a:fontRef idx="minor">
+            <a:schemeClr val="tx1"/>
+          </a:fontRef>
+        </p:style>
+      </p:cxnSp>
+      <p:cxnSp>
+        <p:nvCxnSpPr>
+          <p:cNvPr id="59" name="Straight Connector 58">
+            <a:extLst>
+              <a:ext uri="{FF2B5EF4-FFF2-40B4-BE49-F238E27FC236}">
+                <a16:creationId xmlns:a16="http://schemas.microsoft.com/office/drawing/2014/main" id="{948E5C22-DE01-4A56-B181-E89743AA3FFF}"/>
+              </a:ext>
+            </a:extLst>
+          </p:cNvPr>
+          <p:cNvCxnSpPr>
+            <a:cxnSpLocks/>
+          </p:cNvCxnSpPr>
+          <p:nvPr/>
+        </p:nvCxnSpPr>
+        <p:spPr>
+          <a:xfrm>
+            <a:off x="1514364" y="4190193"/>
+            <a:ext cx="940032" cy="0"/>
+          </a:xfrm>
+          <a:prstGeom prst="line">
+            <a:avLst/>
+          </a:prstGeom>
+          <a:ln w="28575">
+            <a:solidFill>
+              <a:srgbClr val="1DBAEB"/>
+            </a:solidFill>
+          </a:ln>
+        </p:spPr>
+        <p:style>
+          <a:lnRef idx="1">
+            <a:schemeClr val="accent1"/>
+          </a:lnRef>
+          <a:fillRef idx="0">
+            <a:schemeClr val="accent1"/>
+          </a:fillRef>
+          <a:effectRef idx="0">
+            <a:schemeClr val="accent1"/>
+          </a:effectRef>
+          <a:fontRef idx="minor">
+            <a:schemeClr val="tx1"/>
+          </a:fontRef>
+        </p:style>
+      </p:cxnSp>
+      <p:cxnSp>
+        <p:nvCxnSpPr>
+          <p:cNvPr id="49" name="Straight Connector 48">
+            <a:extLst>
+              <a:ext uri="{FF2B5EF4-FFF2-40B4-BE49-F238E27FC236}">
+                <a16:creationId xmlns:a16="http://schemas.microsoft.com/office/drawing/2014/main" id="{B101FA52-D747-474B-9982-7D28D52AE82E}"/>
+              </a:ext>
+            </a:extLst>
+          </p:cNvPr>
+          <p:cNvCxnSpPr>
+            <a:cxnSpLocks/>
+          </p:cNvCxnSpPr>
+          <p:nvPr/>
+        </p:nvCxnSpPr>
+        <p:spPr>
+          <a:xfrm>
+            <a:off x="9510452" y="382974"/>
+            <a:ext cx="0" cy="2473294"/>
+          </a:xfrm>
+          <a:prstGeom prst="line">
+            <a:avLst/>
+          </a:prstGeom>
+          <a:ln w="28575">
+            <a:solidFill>
+              <a:srgbClr val="5AF41C"/>
+            </a:solidFill>
+          </a:ln>
+        </p:spPr>
+        <p:style>
+          <a:lnRef idx="1">
+            <a:schemeClr val="accent1"/>
+          </a:lnRef>
+          <a:fillRef idx="0">
+            <a:schemeClr val="accent1"/>
+          </a:fillRef>
+          <a:effectRef idx="0">
+            <a:schemeClr val="accent1"/>
+          </a:effectRef>
+          <a:fontRef idx="minor">
+            <a:schemeClr val="tx1"/>
+          </a:fontRef>
+        </p:style>
+      </p:cxnSp>
+      <p:sp>
+        <p:nvSpPr>
+          <p:cNvPr id="52" name="Rectangle 51">
+            <a:extLst>
+              <a:ext uri="{FF2B5EF4-FFF2-40B4-BE49-F238E27FC236}">
+                <a16:creationId xmlns:a16="http://schemas.microsoft.com/office/drawing/2014/main" id="{73069753-A301-4CB5-BBA2-916B6024B6FD}"/>
+              </a:ext>
+            </a:extLst>
+          </p:cNvPr>
+          <p:cNvSpPr/>
+          <p:nvPr/>
+        </p:nvSpPr>
+        <p:spPr>
+          <a:xfrm>
+            <a:off x="9720886" y="790856"/>
+            <a:ext cx="1138756" cy="909858"/>
+          </a:xfrm>
+          <a:prstGeom prst="rect">
+            <a:avLst/>
+          </a:prstGeom>
+          <a:noFill/>
+          <a:ln w="38100">
+            <a:solidFill>
+              <a:srgbClr val="5AF41C"/>
+            </a:solidFill>
+          </a:ln>
+        </p:spPr>
+        <p:style>
+          <a:lnRef idx="2">
+            <a:schemeClr val="accent1">
+              <a:shade val="50000"/>
+            </a:schemeClr>
+          </a:lnRef>
+          <a:fillRef idx="1">
+            <a:schemeClr val="accent1"/>
+          </a:fillRef>
+          <a:effectRef idx="0">
+            <a:schemeClr val="accent1"/>
+          </a:effectRef>
+          <a:fontRef idx="minor">
+            <a:schemeClr val="lt1"/>
+          </a:fontRef>
+        </p:style>
+        <p:txBody>
+          <a:bodyPr rtlCol="0" anchor="ctr"/>
+          <a:lstStyle/>
+          <a:p>
+            <a:pPr algn="ctr"/>
+            <a:endParaRPr lang="en-US"/>
+          </a:p>
+        </p:txBody>
+      </p:sp>
+      <p:sp>
+        <p:nvSpPr>
+          <p:cNvPr id="53" name="Rectangle 52">
+            <a:extLst>
+              <a:ext uri="{FF2B5EF4-FFF2-40B4-BE49-F238E27FC236}">
+                <a16:creationId xmlns:a16="http://schemas.microsoft.com/office/drawing/2014/main" id="{8D00783B-0C1A-42AE-9427-93FFB3936643}"/>
+              </a:ext>
+            </a:extLst>
+          </p:cNvPr>
+          <p:cNvSpPr/>
+          <p:nvPr/>
+        </p:nvSpPr>
+        <p:spPr>
+          <a:xfrm>
+            <a:off x="9720886" y="2358469"/>
+            <a:ext cx="1176970" cy="995598"/>
+          </a:xfrm>
+          <a:prstGeom prst="rect">
+            <a:avLst/>
+          </a:prstGeom>
+          <a:noFill/>
+          <a:ln w="38100">
+            <a:solidFill>
+              <a:srgbClr val="5AF41C"/>
+            </a:solidFill>
+          </a:ln>
+        </p:spPr>
+        <p:style>
+          <a:lnRef idx="2">
+            <a:schemeClr val="accent1">
+              <a:shade val="50000"/>
+            </a:schemeClr>
+          </a:lnRef>
+          <a:fillRef idx="1">
+            <a:schemeClr val="accent1"/>
+          </a:fillRef>
+          <a:effectRef idx="0">
+            <a:schemeClr val="accent1"/>
+          </a:effectRef>
+          <a:fontRef idx="minor">
+            <a:schemeClr val="lt1"/>
+          </a:fontRef>
+        </p:style>
+        <p:txBody>
+          <a:bodyPr rtlCol="0" anchor="ctr"/>
+          <a:lstStyle/>
+          <a:p>
+            <a:pPr algn="ctr"/>
+            <a:endParaRPr lang="en-US"/>
+          </a:p>
+        </p:txBody>
+      </p:sp>
+      <p:cxnSp>
+        <p:nvCxnSpPr>
+          <p:cNvPr id="58" name="Straight Connector 57">
+            <a:extLst>
+              <a:ext uri="{FF2B5EF4-FFF2-40B4-BE49-F238E27FC236}">
+                <a16:creationId xmlns:a16="http://schemas.microsoft.com/office/drawing/2014/main" id="{69A9EDAF-35E3-4F6D-9474-81B9BCCE5454}"/>
+              </a:ext>
+            </a:extLst>
+          </p:cNvPr>
+          <p:cNvCxnSpPr>
+            <a:cxnSpLocks/>
+            <a:endCxn id="52" idx="1"/>
+          </p:cNvCxnSpPr>
+          <p:nvPr/>
+        </p:nvCxnSpPr>
+        <p:spPr>
+          <a:xfrm>
+            <a:off x="9510452" y="1245784"/>
+            <a:ext cx="210434" cy="1"/>
+          </a:xfrm>
+          <a:prstGeom prst="line">
+            <a:avLst/>
+          </a:prstGeom>
+          <a:ln w="28575">
+            <a:solidFill>
+              <a:srgbClr val="5AF41C"/>
+            </a:solidFill>
+          </a:ln>
+        </p:spPr>
+        <p:style>
+          <a:lnRef idx="1">
+            <a:schemeClr val="accent1"/>
+          </a:lnRef>
+          <a:fillRef idx="0">
+            <a:schemeClr val="accent1"/>
+          </a:fillRef>
+          <a:effectRef idx="0">
+            <a:schemeClr val="accent1"/>
+          </a:effectRef>
+          <a:fontRef idx="minor">
+            <a:schemeClr val="tx1"/>
+          </a:fontRef>
+        </p:style>
+      </p:cxnSp>
+      <p:cxnSp>
+        <p:nvCxnSpPr>
+          <p:cNvPr id="60" name="Straight Connector 59">
+            <a:extLst>
+              <a:ext uri="{FF2B5EF4-FFF2-40B4-BE49-F238E27FC236}">
+                <a16:creationId xmlns:a16="http://schemas.microsoft.com/office/drawing/2014/main" id="{6D583853-A4F3-4337-A6A7-8674D584A9E7}"/>
+              </a:ext>
+            </a:extLst>
+          </p:cNvPr>
+          <p:cNvCxnSpPr>
+            <a:cxnSpLocks/>
+            <a:endCxn id="53" idx="1"/>
+          </p:cNvCxnSpPr>
+          <p:nvPr/>
+        </p:nvCxnSpPr>
+        <p:spPr>
+          <a:xfrm>
+            <a:off x="9510452" y="2856268"/>
+            <a:ext cx="210434" cy="0"/>
+          </a:xfrm>
+          <a:prstGeom prst="line">
+            <a:avLst/>
+          </a:prstGeom>
+          <a:ln w="28575">
+            <a:solidFill>
+              <a:srgbClr val="5AF41C"/>
+            </a:solidFill>
+          </a:ln>
+        </p:spPr>
+        <p:style>
+          <a:lnRef idx="1">
+            <a:schemeClr val="accent1"/>
+          </a:lnRef>
+          <a:fillRef idx="0">
+            <a:schemeClr val="accent1"/>
+          </a:fillRef>
+          <a:effectRef idx="0">
+            <a:schemeClr val="accent1"/>
+          </a:effectRef>
+          <a:fontRef idx="minor">
+            <a:schemeClr val="tx1"/>
+          </a:fontRef>
+        </p:style>
+      </p:cxnSp>
+      <p:cxnSp>
+        <p:nvCxnSpPr>
+          <p:cNvPr id="6" name="Connector: Elbow 5">
+            <a:extLst>
+              <a:ext uri="{FF2B5EF4-FFF2-40B4-BE49-F238E27FC236}">
+                <a16:creationId xmlns:a16="http://schemas.microsoft.com/office/drawing/2014/main" id="{3E33136A-DCEE-4291-86B0-6842546F830D}"/>
+              </a:ext>
+            </a:extLst>
+          </p:cNvPr>
+          <p:cNvCxnSpPr>
+            <a:cxnSpLocks/>
+            <a:stCxn id="41" idx="1"/>
+            <a:endCxn id="17" idx="3"/>
+          </p:cNvCxnSpPr>
+          <p:nvPr/>
+        </p:nvCxnSpPr>
+        <p:spPr>
+          <a:xfrm rot="10800000" flipV="1">
+            <a:off x="6708363" y="205655"/>
+            <a:ext cx="1198411" cy="1541163"/>
+          </a:xfrm>
+          <a:prstGeom prst="bentConnector3">
+            <a:avLst>
+              <a:gd name="adj1" fmla="val 9475"/>
+            </a:avLst>
+          </a:prstGeom>
+          <a:ln w="28575">
+            <a:solidFill>
+              <a:srgbClr val="5AF41C"/>
+            </a:solidFill>
+          </a:ln>
+        </p:spPr>
+        <p:style>
+          <a:lnRef idx="1">
+            <a:schemeClr val="accent1"/>
+          </a:lnRef>
+          <a:fillRef idx="0">
+            <a:schemeClr val="accent1"/>
+          </a:fillRef>
+          <a:effectRef idx="0">
+            <a:schemeClr val="accent1"/>
+          </a:effectRef>
+          <a:fontRef idx="minor">
+            <a:schemeClr val="tx1"/>
+          </a:fontRef>
+        </p:style>
+      </p:cxnSp>
+      <p:cxnSp>
+        <p:nvCxnSpPr>
+          <p:cNvPr id="50" name="Straight Connector 49">
+            <a:extLst>
+              <a:ext uri="{FF2B5EF4-FFF2-40B4-BE49-F238E27FC236}">
+                <a16:creationId xmlns:a16="http://schemas.microsoft.com/office/drawing/2014/main" id="{1A3F38DD-7569-4134-8C25-07F3F7E86FB5}"/>
+              </a:ext>
+            </a:extLst>
+          </p:cNvPr>
+          <p:cNvCxnSpPr>
+            <a:cxnSpLocks/>
+          </p:cNvCxnSpPr>
+          <p:nvPr/>
+        </p:nvCxnSpPr>
+        <p:spPr>
+          <a:xfrm>
+            <a:off x="5082631" y="396223"/>
+            <a:ext cx="0" cy="651819"/>
+          </a:xfrm>
+          <a:prstGeom prst="line">
+            <a:avLst/>
+          </a:prstGeom>
+          <a:ln w="28575">
+            <a:solidFill>
+              <a:srgbClr val="ED8B1F"/>
+            </a:solidFill>
+          </a:ln>
+        </p:spPr>
+        <p:style>
+          <a:lnRef idx="1">
+            <a:schemeClr val="accent1"/>
+          </a:lnRef>
+          <a:fillRef idx="0">
+            <a:schemeClr val="accent1"/>
+          </a:fillRef>
+          <a:effectRef idx="0">
+            <a:schemeClr val="accent1"/>
+          </a:effectRef>
+          <a:fontRef idx="minor">
+            <a:schemeClr val="tx1"/>
+          </a:fontRef>
+        </p:style>
+      </p:cxnSp>
+      <p:sp>
+        <p:nvSpPr>
+          <p:cNvPr id="36" name="Rectangle: Rounded Corners 35">
+            <a:extLst>
+              <a:ext uri="{FF2B5EF4-FFF2-40B4-BE49-F238E27FC236}">
+                <a16:creationId xmlns:a16="http://schemas.microsoft.com/office/drawing/2014/main" id="{E9AA04FB-00D3-4887-BA1B-56A99EE5E773}"/>
+              </a:ext>
+            </a:extLst>
+          </p:cNvPr>
+          <p:cNvSpPr/>
+          <p:nvPr/>
+        </p:nvSpPr>
+        <p:spPr>
+          <a:xfrm>
+            <a:off x="27345" y="3620012"/>
             <a:ext cx="2058757" cy="1448319"/>
           </a:xfrm>
           <a:prstGeom prst="roundRect">
@@ -5491,7 +6256,7 @@
         </p:nvSpPr>
         <p:spPr>
           <a:xfrm>
-            <a:off x="-434460" y="4284665"/>
+            <a:off x="-454451" y="3605507"/>
             <a:ext cx="2727957" cy="1477328"/>
           </a:xfrm>
           <a:prstGeom prst="rect">
@@ -5512,119 +6277,12 @@
           </a:p>
         </p:txBody>
       </p:sp>
-      <p:pic>
-        <p:nvPicPr>
-          <p:cNvPr id="38" name="Picture 37">
-            <a:extLst>
-              <a:ext uri="{FF2B5EF4-FFF2-40B4-BE49-F238E27FC236}">
-                <a16:creationId xmlns:a16="http://schemas.microsoft.com/office/drawing/2014/main" id="{F4EDEB74-68FD-4181-9085-CF02F1697EE7}"/>
-              </a:ext>
-            </a:extLst>
-          </p:cNvPr>
-          <p:cNvPicPr>
-            <a:picLocks noChangeAspect="1"/>
-          </p:cNvPicPr>
-          <p:nvPr/>
-        </p:nvPicPr>
-        <p:blipFill>
-          <a:blip r:embed="rId12" cstate="print">
-            <a:extLst>
-              <a:ext uri="{28A0092B-C50C-407E-A947-70E740481C1C}">
-                <a14:useLocalDpi xmlns:a14="http://schemas.microsoft.com/office/drawing/2010/main" val="0"/>
-              </a:ext>
-            </a:extLst>
-          </a:blip>
-          <a:stretch>
-            <a:fillRect/>
-          </a:stretch>
-        </p:blipFill>
-        <p:spPr>
-          <a:xfrm rot="5400000">
-            <a:off x="10693912" y="1475638"/>
-            <a:ext cx="909858" cy="909858"/>
-          </a:xfrm>
-          <a:prstGeom prst="rect">
-            <a:avLst/>
-          </a:prstGeom>
-        </p:spPr>
-      </p:pic>
-      <p:pic>
-        <p:nvPicPr>
-          <p:cNvPr id="39" name="Picture 38">
-            <a:extLst>
-              <a:ext uri="{FF2B5EF4-FFF2-40B4-BE49-F238E27FC236}">
-                <a16:creationId xmlns:a16="http://schemas.microsoft.com/office/drawing/2014/main" id="{C09A5CF1-5537-4B7E-85DE-5ED3EB2EDA19}"/>
-              </a:ext>
-            </a:extLst>
-          </p:cNvPr>
-          <p:cNvPicPr>
-            <a:picLocks noChangeAspect="1"/>
-          </p:cNvPicPr>
-          <p:nvPr/>
-        </p:nvPicPr>
-        <p:blipFill>
-          <a:blip r:embed="rId13" cstate="print">
-            <a:extLst>
-              <a:ext uri="{28A0092B-C50C-407E-A947-70E740481C1C}">
-                <a14:useLocalDpi xmlns:a14="http://schemas.microsoft.com/office/drawing/2010/main" val="0"/>
-              </a:ext>
-            </a:extLst>
-          </a:blip>
-          <a:stretch>
-            <a:fillRect/>
-          </a:stretch>
-        </p:blipFill>
-        <p:spPr>
-          <a:xfrm>
-            <a:off x="10733144" y="3086239"/>
-            <a:ext cx="909858" cy="909858"/>
-          </a:xfrm>
-          <a:prstGeom prst="rect">
-            <a:avLst/>
-          </a:prstGeom>
-        </p:spPr>
-      </p:pic>
-      <p:pic>
-        <p:nvPicPr>
-          <p:cNvPr id="40" name="Picture 39">
-            <a:extLst>
-              <a:ext uri="{FF2B5EF4-FFF2-40B4-BE49-F238E27FC236}">
-                <a16:creationId xmlns:a16="http://schemas.microsoft.com/office/drawing/2014/main" id="{3DF9AE7A-9569-4B19-B6FF-DF78C63652E1}"/>
-              </a:ext>
-            </a:extLst>
-          </p:cNvPr>
-          <p:cNvPicPr>
-            <a:picLocks noChangeAspect="1"/>
-          </p:cNvPicPr>
-          <p:nvPr/>
-        </p:nvPicPr>
-        <p:blipFill rotWithShape="1">
-          <a:blip r:embed="rId14" cstate="print">
-            <a:extLst>
-              <a:ext uri="{28A0092B-C50C-407E-A947-70E740481C1C}">
-                <a14:useLocalDpi xmlns:a14="http://schemas.microsoft.com/office/drawing/2010/main" val="0"/>
-              </a:ext>
-            </a:extLst>
-          </a:blip>
-          <a:srcRect l="6727" r="8085"/>
-          <a:stretch/>
-        </p:blipFill>
-        <p:spPr>
-          <a:xfrm>
-            <a:off x="10953486" y="4530660"/>
-            <a:ext cx="612001" cy="718423"/>
-          </a:xfrm>
-          <a:prstGeom prst="rect">
-            <a:avLst/>
-          </a:prstGeom>
-        </p:spPr>
-      </p:pic>
-      <p:sp>
-        <p:nvSpPr>
-          <p:cNvPr id="41" name="Rectangle: Rounded Corners 40">
-            <a:extLst>
-              <a:ext uri="{FF2B5EF4-FFF2-40B4-BE49-F238E27FC236}">
-                <a16:creationId xmlns:a16="http://schemas.microsoft.com/office/drawing/2014/main" id="{C00A29A4-B40D-400F-84E3-7917B7C451BA}"/>
+      <p:sp>
+        <p:nvSpPr>
+          <p:cNvPr id="44" name="Arrow: Left-Right 43">
+            <a:extLst>
+              <a:ext uri="{FF2B5EF4-FFF2-40B4-BE49-F238E27FC236}">
+                <a16:creationId xmlns:a16="http://schemas.microsoft.com/office/drawing/2014/main" id="{7D84CCBF-C0D7-4524-B057-647ACE9888C1}"/>
               </a:ext>
             </a:extLst>
           </p:cNvPr>
@@ -5633,16 +6291,19 @@
         </p:nvSpPr>
         <p:spPr>
           <a:xfrm>
-            <a:off x="8714771" y="290847"/>
-            <a:ext cx="2928231" cy="389980"/>
-          </a:xfrm>
-          <a:prstGeom prst="roundRect">
+            <a:off x="1436729" y="1760232"/>
+            <a:ext cx="3967029" cy="168619"/>
+          </a:xfrm>
+          <a:prstGeom prst="leftRightArrow">
             <a:avLst>
-              <a:gd name="adj" fmla="val 0"/>
+              <a:gd name="adj1" fmla="val 50000"/>
+              <a:gd name="adj2" fmla="val 108945"/>
             </a:avLst>
           </a:prstGeom>
-          <a:noFill/>
-          <a:ln w="12700">
+          <a:solidFill>
+            <a:schemeClr val="bg1"/>
+          </a:solidFill>
+          <a:ln w="19050">
             <a:solidFill>
               <a:schemeClr val="tx1"/>
             </a:solidFill>
@@ -5673,417 +6334,6 @@
           </a:p>
         </p:txBody>
       </p:sp>
-      <p:sp>
-        <p:nvSpPr>
-          <p:cNvPr id="42" name="Rectangle 41">
-            <a:extLst>
-              <a:ext uri="{FF2B5EF4-FFF2-40B4-BE49-F238E27FC236}">
-                <a16:creationId xmlns:a16="http://schemas.microsoft.com/office/drawing/2014/main" id="{8A9A6546-D9DD-44D1-9F7C-F18E4D6401D8}"/>
-              </a:ext>
-            </a:extLst>
-          </p:cNvPr>
-          <p:cNvSpPr/>
-          <p:nvPr/>
-        </p:nvSpPr>
-        <p:spPr>
-          <a:xfrm>
-            <a:off x="8318493" y="294004"/>
-            <a:ext cx="3406147" cy="369332"/>
-          </a:xfrm>
-          <a:prstGeom prst="rect">
-            <a:avLst/>
-          </a:prstGeom>
-        </p:spPr>
-        <p:txBody>
-          <a:bodyPr wrap="square">
-            <a:spAutoFit/>
-          </a:bodyPr>
-          <a:lstStyle/>
-          <a:p>
-            <a:pPr lvl="1"/>
-            <a:r>
-              <a:rPr lang="en-US" dirty="0"/>
-              <a:t>PIE (2020, arXiv:2010.10416)</a:t>
-            </a:r>
-          </a:p>
-        </p:txBody>
-      </p:sp>
-      <p:pic>
-        <p:nvPicPr>
-          <p:cNvPr id="43" name="Picture 42">
-            <a:extLst>
-              <a:ext uri="{FF2B5EF4-FFF2-40B4-BE49-F238E27FC236}">
-                <a16:creationId xmlns:a16="http://schemas.microsoft.com/office/drawing/2014/main" id="{4BA8FC9E-4450-46CC-B4E5-4A00F5C6313A}"/>
-              </a:ext>
-            </a:extLst>
-          </p:cNvPr>
-          <p:cNvPicPr>
-            <a:picLocks noChangeAspect="1"/>
-          </p:cNvPicPr>
-          <p:nvPr/>
-        </p:nvPicPr>
-        <p:blipFill>
-          <a:blip r:embed="rId15" cstate="print">
-            <a:extLst>
-              <a:ext uri="{28A0092B-C50C-407E-A947-70E740481C1C}">
-                <a14:useLocalDpi xmlns:a14="http://schemas.microsoft.com/office/drawing/2010/main" val="0"/>
-              </a:ext>
-            </a:extLst>
-          </a:blip>
-          <a:stretch>
-            <a:fillRect/>
-          </a:stretch>
-        </p:blipFill>
-        <p:spPr>
-          <a:xfrm>
-            <a:off x="237967" y="1901412"/>
-            <a:ext cx="1253159" cy="1253159"/>
-          </a:xfrm>
-          <a:prstGeom prst="rect">
-            <a:avLst/>
-          </a:prstGeom>
-        </p:spPr>
-      </p:pic>
-      <p:sp>
-        <p:nvSpPr>
-          <p:cNvPr id="45" name="TextBox 44">
-            <a:extLst>
-              <a:ext uri="{FF2B5EF4-FFF2-40B4-BE49-F238E27FC236}">
-                <a16:creationId xmlns:a16="http://schemas.microsoft.com/office/drawing/2014/main" id="{F1E77125-FFB1-4E80-862C-DDD621E042F1}"/>
-              </a:ext>
-            </a:extLst>
-          </p:cNvPr>
-          <p:cNvSpPr txBox="1"/>
-          <p:nvPr/>
-        </p:nvSpPr>
-        <p:spPr>
-          <a:xfrm>
-            <a:off x="26346" y="3070350"/>
-            <a:ext cx="1676400" cy="338554"/>
-          </a:xfrm>
-          <a:prstGeom prst="rect">
-            <a:avLst/>
-          </a:prstGeom>
-          <a:noFill/>
-        </p:spPr>
-        <p:txBody>
-          <a:bodyPr wrap="square" rtlCol="0">
-            <a:spAutoFit/>
-          </a:bodyPr>
-          <a:lstStyle/>
-          <a:p>
-            <a:pPr algn="ctr"/>
-            <a:r>
-              <a:rPr lang="en-US" sz="1600" dirty="0"/>
-              <a:t>Remote system</a:t>
-            </a:r>
-          </a:p>
-        </p:txBody>
-      </p:sp>
-      <p:sp>
-        <p:nvSpPr>
-          <p:cNvPr id="46" name="Rectangle 45">
-            <a:extLst>
-              <a:ext uri="{FF2B5EF4-FFF2-40B4-BE49-F238E27FC236}">
-                <a16:creationId xmlns:a16="http://schemas.microsoft.com/office/drawing/2014/main" id="{BEF52DC0-B779-4EC2-BCFB-3F6AD9137990}"/>
-              </a:ext>
-            </a:extLst>
-          </p:cNvPr>
-          <p:cNvSpPr/>
-          <p:nvPr/>
-        </p:nvSpPr>
-        <p:spPr>
-          <a:xfrm>
-            <a:off x="5431570" y="1727200"/>
-            <a:ext cx="2457670" cy="1883148"/>
-          </a:xfrm>
-          <a:prstGeom prst="rect">
-            <a:avLst/>
-          </a:prstGeom>
-          <a:noFill/>
-          <a:ln w="38100">
-            <a:solidFill>
-              <a:srgbClr val="F3B067"/>
-            </a:solidFill>
-          </a:ln>
-        </p:spPr>
-        <p:style>
-          <a:lnRef idx="2">
-            <a:schemeClr val="accent1">
-              <a:shade val="50000"/>
-            </a:schemeClr>
-          </a:lnRef>
-          <a:fillRef idx="1">
-            <a:schemeClr val="accent1"/>
-          </a:fillRef>
-          <a:effectRef idx="0">
-            <a:schemeClr val="accent1"/>
-          </a:effectRef>
-          <a:fontRef idx="minor">
-            <a:schemeClr val="lt1"/>
-          </a:fontRef>
-        </p:style>
-        <p:txBody>
-          <a:bodyPr rtlCol="0" anchor="ctr"/>
-          <a:lstStyle/>
-          <a:p>
-            <a:pPr algn="ctr"/>
-            <a:endParaRPr lang="en-US"/>
-          </a:p>
-        </p:txBody>
-      </p:sp>
-      <p:cxnSp>
-        <p:nvCxnSpPr>
-          <p:cNvPr id="50" name="Straight Connector 49">
-            <a:extLst>
-              <a:ext uri="{FF2B5EF4-FFF2-40B4-BE49-F238E27FC236}">
-                <a16:creationId xmlns:a16="http://schemas.microsoft.com/office/drawing/2014/main" id="{1A3F38DD-7569-4134-8C25-07F3F7E86FB5}"/>
-              </a:ext>
-            </a:extLst>
-          </p:cNvPr>
-          <p:cNvCxnSpPr/>
-          <p:nvPr/>
-        </p:nvCxnSpPr>
-        <p:spPr>
-          <a:xfrm>
-            <a:off x="5674360" y="1075381"/>
-            <a:ext cx="0" cy="677148"/>
-          </a:xfrm>
-          <a:prstGeom prst="line">
-            <a:avLst/>
-          </a:prstGeom>
-          <a:ln w="28575">
-            <a:solidFill>
-              <a:srgbClr val="F3B067"/>
-            </a:solidFill>
-          </a:ln>
-        </p:spPr>
-        <p:style>
-          <a:lnRef idx="1">
-            <a:schemeClr val="accent1"/>
-          </a:lnRef>
-          <a:fillRef idx="0">
-            <a:schemeClr val="accent1"/>
-          </a:fillRef>
-          <a:effectRef idx="0">
-            <a:schemeClr val="accent1"/>
-          </a:effectRef>
-          <a:fontRef idx="minor">
-            <a:schemeClr val="tx1"/>
-          </a:fontRef>
-        </p:style>
-      </p:cxnSp>
-      <p:cxnSp>
-        <p:nvCxnSpPr>
-          <p:cNvPr id="51" name="Straight Connector 50">
-            <a:extLst>
-              <a:ext uri="{FF2B5EF4-FFF2-40B4-BE49-F238E27FC236}">
-                <a16:creationId xmlns:a16="http://schemas.microsoft.com/office/drawing/2014/main" id="{DCC4AE17-3F6A-4D11-9E0D-68CE6BBB0841}"/>
-              </a:ext>
-            </a:extLst>
-          </p:cNvPr>
-          <p:cNvCxnSpPr>
-            <a:cxnSpLocks/>
-          </p:cNvCxnSpPr>
-          <p:nvPr/>
-        </p:nvCxnSpPr>
-        <p:spPr>
-          <a:xfrm>
-            <a:off x="4723133" y="892289"/>
-            <a:ext cx="795022" cy="0"/>
-          </a:xfrm>
-          <a:prstGeom prst="line">
-            <a:avLst/>
-          </a:prstGeom>
-          <a:ln w="28575">
-            <a:solidFill>
-              <a:srgbClr val="F3B067"/>
-            </a:solidFill>
-          </a:ln>
-        </p:spPr>
-        <p:style>
-          <a:lnRef idx="1">
-            <a:schemeClr val="accent1"/>
-          </a:lnRef>
-          <a:fillRef idx="0">
-            <a:schemeClr val="accent1"/>
-          </a:fillRef>
-          <a:effectRef idx="0">
-            <a:schemeClr val="accent1"/>
-          </a:effectRef>
-          <a:fontRef idx="minor">
-            <a:schemeClr val="tx1"/>
-          </a:fontRef>
-        </p:style>
-      </p:cxnSp>
-      <p:cxnSp>
-        <p:nvCxnSpPr>
-          <p:cNvPr id="54" name="Straight Connector 53">
-            <a:extLst>
-              <a:ext uri="{FF2B5EF4-FFF2-40B4-BE49-F238E27FC236}">
-                <a16:creationId xmlns:a16="http://schemas.microsoft.com/office/drawing/2014/main" id="{C915B25E-6827-4FA0-BE9E-1315D9F64CAD}"/>
-              </a:ext>
-            </a:extLst>
-          </p:cNvPr>
-          <p:cNvCxnSpPr>
-            <a:cxnSpLocks/>
-          </p:cNvCxnSpPr>
-          <p:nvPr/>
-        </p:nvCxnSpPr>
-        <p:spPr>
-          <a:xfrm>
-            <a:off x="4879338" y="1328735"/>
-            <a:ext cx="795022" cy="0"/>
-          </a:xfrm>
-          <a:prstGeom prst="line">
-            <a:avLst/>
-          </a:prstGeom>
-          <a:ln w="28575">
-            <a:solidFill>
-              <a:srgbClr val="F3B067"/>
-            </a:solidFill>
-          </a:ln>
-        </p:spPr>
-        <p:style>
-          <a:lnRef idx="1">
-            <a:schemeClr val="accent1"/>
-          </a:lnRef>
-          <a:fillRef idx="0">
-            <a:schemeClr val="accent1"/>
-          </a:fillRef>
-          <a:effectRef idx="0">
-            <a:schemeClr val="accent1"/>
-          </a:effectRef>
-          <a:fontRef idx="minor">
-            <a:schemeClr val="tx1"/>
-          </a:fontRef>
-        </p:style>
-      </p:cxnSp>
-      <p:sp>
-        <p:nvSpPr>
-          <p:cNvPr id="56" name="Rectangle 55">
-            <a:extLst>
-              <a:ext uri="{FF2B5EF4-FFF2-40B4-BE49-F238E27FC236}">
-                <a16:creationId xmlns:a16="http://schemas.microsoft.com/office/drawing/2014/main" id="{A7BEA2F4-940A-48C4-9B21-A3F443D70521}"/>
-              </a:ext>
-            </a:extLst>
-          </p:cNvPr>
-          <p:cNvSpPr/>
-          <p:nvPr/>
-        </p:nvSpPr>
-        <p:spPr>
-          <a:xfrm>
-            <a:off x="6154832" y="4805236"/>
-            <a:ext cx="1897186" cy="369332"/>
-          </a:xfrm>
-          <a:prstGeom prst="rect">
-            <a:avLst/>
-          </a:prstGeom>
-        </p:spPr>
-        <p:txBody>
-          <a:bodyPr wrap="none">
-            <a:spAutoFit/>
-          </a:bodyPr>
-          <a:lstStyle/>
-          <a:p>
-            <a:r>
-              <a:rPr lang="en-US" dirty="0"/>
-              <a:t>Platform </a:t>
-            </a:r>
-            <a:r>
-              <a:rPr lang="en-US" dirty="0" err="1"/>
-              <a:t>identitity</a:t>
-            </a:r>
-            <a:endParaRPr lang="en-US" dirty="0"/>
-          </a:p>
-        </p:txBody>
-      </p:sp>
-      <p:cxnSp>
-        <p:nvCxnSpPr>
-          <p:cNvPr id="57" name="Straight Connector 56">
-            <a:extLst>
-              <a:ext uri="{FF2B5EF4-FFF2-40B4-BE49-F238E27FC236}">
-                <a16:creationId xmlns:a16="http://schemas.microsoft.com/office/drawing/2014/main" id="{5F09F1F3-F5A0-4409-8A35-B68A6993EAE4}"/>
-              </a:ext>
-            </a:extLst>
-          </p:cNvPr>
-          <p:cNvCxnSpPr>
-            <a:cxnSpLocks/>
-          </p:cNvCxnSpPr>
-          <p:nvPr/>
-        </p:nvCxnSpPr>
-        <p:spPr>
-          <a:xfrm>
-            <a:off x="5674360" y="5389574"/>
-            <a:ext cx="0" cy="314110"/>
-          </a:xfrm>
-          <a:prstGeom prst="line">
-            <a:avLst/>
-          </a:prstGeom>
-          <a:ln w="28575">
-            <a:solidFill>
-              <a:srgbClr val="DAB4DE"/>
-            </a:solidFill>
-          </a:ln>
-        </p:spPr>
-        <p:style>
-          <a:lnRef idx="1">
-            <a:schemeClr val="accent1"/>
-          </a:lnRef>
-          <a:fillRef idx="0">
-            <a:schemeClr val="accent1"/>
-          </a:fillRef>
-          <a:effectRef idx="0">
-            <a:schemeClr val="accent1"/>
-          </a:effectRef>
-          <a:fontRef idx="minor">
-            <a:schemeClr val="tx1"/>
-          </a:fontRef>
-        </p:style>
-      </p:cxnSp>
-      <p:cxnSp>
-        <p:nvCxnSpPr>
-          <p:cNvPr id="59" name="Straight Connector 58">
-            <a:extLst>
-              <a:ext uri="{FF2B5EF4-FFF2-40B4-BE49-F238E27FC236}">
-                <a16:creationId xmlns:a16="http://schemas.microsoft.com/office/drawing/2014/main" id="{948E5C22-DE01-4A56-B181-E89743AA3FFF}"/>
-              </a:ext>
-            </a:extLst>
-          </p:cNvPr>
-          <p:cNvCxnSpPr>
-            <a:cxnSpLocks/>
-          </p:cNvCxnSpPr>
-          <p:nvPr/>
-        </p:nvCxnSpPr>
-        <p:spPr>
-          <a:xfrm>
-            <a:off x="2106093" y="4869351"/>
-            <a:ext cx="940032" cy="0"/>
-          </a:xfrm>
-          <a:prstGeom prst="line">
-            <a:avLst/>
-          </a:prstGeom>
-          <a:ln w="28575">
-            <a:solidFill>
-              <a:srgbClr val="83D8F4"/>
-            </a:solidFill>
-          </a:ln>
-        </p:spPr>
-        <p:style>
-          <a:lnRef idx="1">
-            <a:schemeClr val="accent1"/>
-          </a:lnRef>
-          <a:fillRef idx="0">
-            <a:schemeClr val="accent1"/>
-          </a:fillRef>
-          <a:effectRef idx="0">
-            <a:schemeClr val="accent1"/>
-          </a:effectRef>
-          <a:fontRef idx="minor">
-            <a:schemeClr val="tx1"/>
-          </a:fontRef>
-        </p:style>
-      </p:cxnSp>
     </p:spTree>
     <p:extLst>
       <p:ext uri="{BB962C8B-B14F-4D97-AF65-F5344CB8AC3E}">

--- a/chapters/introduction/images/works.pptx
+++ b/chapters/introduction/images/works.pptx
@@ -4,9 +4,13 @@
   <p:sldMasterIdLst>
     <p:sldMasterId id="2147483648" r:id="rId1"/>
   </p:sldMasterIdLst>
+  <p:notesMasterIdLst>
+    <p:notesMasterId r:id="rId5"/>
+  </p:notesMasterIdLst>
   <p:sldIdLst>
     <p:sldId id="256" r:id="rId2"/>
     <p:sldId id="257" r:id="rId3"/>
+    <p:sldId id="274" r:id="rId4"/>
   </p:sldIdLst>
   <p:sldSz cx="12192000" cy="6858000"/>
   <p:notesSz cx="6858000" cy="9144000"/>
@@ -113,6 +117,443 @@
 </p:presentation>
 </file>
 
+<file path=ppt/notesMasters/notesMaster1.xml><?xml version="1.0" encoding="utf-8"?>
+<p:notesMaster xmlns:a="http://schemas.openxmlformats.org/drawingml/2006/main" xmlns:r="http://schemas.openxmlformats.org/officeDocument/2006/relationships" xmlns:p="http://schemas.openxmlformats.org/presentationml/2006/main">
+  <p:cSld>
+    <p:bg>
+      <p:bgRef idx="1001">
+        <a:schemeClr val="bg1"/>
+      </p:bgRef>
+    </p:bg>
+    <p:spTree>
+      <p:nvGrpSpPr>
+        <p:cNvPr id="1" name=""/>
+        <p:cNvGrpSpPr/>
+        <p:nvPr/>
+      </p:nvGrpSpPr>
+      <p:grpSpPr>
+        <a:xfrm>
+          <a:off x="0" y="0"/>
+          <a:ext cx="0" cy="0"/>
+          <a:chOff x="0" y="0"/>
+          <a:chExt cx="0" cy="0"/>
+        </a:xfrm>
+      </p:grpSpPr>
+      <p:sp>
+        <p:nvSpPr>
+          <p:cNvPr id="2" name="Header Placeholder 1"/>
+          <p:cNvSpPr>
+            <a:spLocks noGrp="1"/>
+          </p:cNvSpPr>
+          <p:nvPr>
+            <p:ph type="hdr" sz="quarter"/>
+          </p:nvPr>
+        </p:nvSpPr>
+        <p:spPr>
+          <a:xfrm>
+            <a:off x="0" y="0"/>
+            <a:ext cx="2971800" cy="458788"/>
+          </a:xfrm>
+          <a:prstGeom prst="rect">
+            <a:avLst/>
+          </a:prstGeom>
+        </p:spPr>
+        <p:txBody>
+          <a:bodyPr vert="horz" lIns="91440" tIns="45720" rIns="91440" bIns="45720" rtlCol="0"/>
+          <a:lstStyle>
+            <a:lvl1pPr algn="l">
+              <a:defRPr sz="1200"/>
+            </a:lvl1pPr>
+          </a:lstStyle>
+          <a:p>
+            <a:endParaRPr lang="en-US"/>
+          </a:p>
+        </p:txBody>
+      </p:sp>
+      <p:sp>
+        <p:nvSpPr>
+          <p:cNvPr id="3" name="Date Placeholder 2"/>
+          <p:cNvSpPr>
+            <a:spLocks noGrp="1"/>
+          </p:cNvSpPr>
+          <p:nvPr>
+            <p:ph type="dt" idx="1"/>
+          </p:nvPr>
+        </p:nvSpPr>
+        <p:spPr>
+          <a:xfrm>
+            <a:off x="3884613" y="0"/>
+            <a:ext cx="2971800" cy="458788"/>
+          </a:xfrm>
+          <a:prstGeom prst="rect">
+            <a:avLst/>
+          </a:prstGeom>
+        </p:spPr>
+        <p:txBody>
+          <a:bodyPr vert="horz" lIns="91440" tIns="45720" rIns="91440" bIns="45720" rtlCol="0"/>
+          <a:lstStyle>
+            <a:lvl1pPr algn="r">
+              <a:defRPr sz="1200"/>
+            </a:lvl1pPr>
+          </a:lstStyle>
+          <a:p>
+            <a:fld id="{AB457CF4-7AA4-46DE-A098-50295E99FB58}" type="datetimeFigureOut">
+              <a:rPr lang="en-US" smtClean="0"/>
+              <a:t>4/6/2021</a:t>
+            </a:fld>
+            <a:endParaRPr lang="en-US"/>
+          </a:p>
+        </p:txBody>
+      </p:sp>
+      <p:sp>
+        <p:nvSpPr>
+          <p:cNvPr id="4" name="Slide Image Placeholder 3"/>
+          <p:cNvSpPr>
+            <a:spLocks noGrp="1" noRot="1" noChangeAspect="1"/>
+          </p:cNvSpPr>
+          <p:nvPr>
+            <p:ph type="sldImg" idx="2"/>
+          </p:nvPr>
+        </p:nvSpPr>
+        <p:spPr>
+          <a:xfrm>
+            <a:off x="685800" y="1143000"/>
+            <a:ext cx="5486400" cy="3086100"/>
+          </a:xfrm>
+          <a:prstGeom prst="rect">
+            <a:avLst/>
+          </a:prstGeom>
+          <a:noFill/>
+          <a:ln w="12700">
+            <a:solidFill>
+              <a:prstClr val="black"/>
+            </a:solidFill>
+          </a:ln>
+        </p:spPr>
+        <p:txBody>
+          <a:bodyPr vert="horz" lIns="91440" tIns="45720" rIns="91440" bIns="45720" rtlCol="0" anchor="ctr"/>
+          <a:lstStyle/>
+          <a:p>
+            <a:endParaRPr lang="en-US"/>
+          </a:p>
+        </p:txBody>
+      </p:sp>
+      <p:sp>
+        <p:nvSpPr>
+          <p:cNvPr id="5" name="Notes Placeholder 4"/>
+          <p:cNvSpPr>
+            <a:spLocks noGrp="1"/>
+          </p:cNvSpPr>
+          <p:nvPr>
+            <p:ph type="body" sz="quarter" idx="3"/>
+          </p:nvPr>
+        </p:nvSpPr>
+        <p:spPr>
+          <a:xfrm>
+            <a:off x="685800" y="4400550"/>
+            <a:ext cx="5486400" cy="3600450"/>
+          </a:xfrm>
+          <a:prstGeom prst="rect">
+            <a:avLst/>
+          </a:prstGeom>
+        </p:spPr>
+        <p:txBody>
+          <a:bodyPr vert="horz" lIns="91440" tIns="45720" rIns="91440" bIns="45720" rtlCol="0"/>
+          <a:lstStyle/>
+          <a:p>
+            <a:pPr lvl="0"/>
+            <a:r>
+              <a:rPr lang="en-US"/>
+              <a:t>Edit Master text styles</a:t>
+            </a:r>
+          </a:p>
+          <a:p>
+            <a:pPr lvl="1"/>
+            <a:r>
+              <a:rPr lang="en-US"/>
+              <a:t>Second level</a:t>
+            </a:r>
+          </a:p>
+          <a:p>
+            <a:pPr lvl="2"/>
+            <a:r>
+              <a:rPr lang="en-US"/>
+              <a:t>Third level</a:t>
+            </a:r>
+          </a:p>
+          <a:p>
+            <a:pPr lvl="3"/>
+            <a:r>
+              <a:rPr lang="en-US"/>
+              <a:t>Fourth level</a:t>
+            </a:r>
+          </a:p>
+          <a:p>
+            <a:pPr lvl="4"/>
+            <a:r>
+              <a:rPr lang="en-US"/>
+              <a:t>Fifth level</a:t>
+            </a:r>
+          </a:p>
+        </p:txBody>
+      </p:sp>
+      <p:sp>
+        <p:nvSpPr>
+          <p:cNvPr id="6" name="Footer Placeholder 5"/>
+          <p:cNvSpPr>
+            <a:spLocks noGrp="1"/>
+          </p:cNvSpPr>
+          <p:nvPr>
+            <p:ph type="ftr" sz="quarter" idx="4"/>
+          </p:nvPr>
+        </p:nvSpPr>
+        <p:spPr>
+          <a:xfrm>
+            <a:off x="0" y="8685213"/>
+            <a:ext cx="2971800" cy="458787"/>
+          </a:xfrm>
+          <a:prstGeom prst="rect">
+            <a:avLst/>
+          </a:prstGeom>
+        </p:spPr>
+        <p:txBody>
+          <a:bodyPr vert="horz" lIns="91440" tIns="45720" rIns="91440" bIns="45720" rtlCol="0" anchor="b"/>
+          <a:lstStyle>
+            <a:lvl1pPr algn="l">
+              <a:defRPr sz="1200"/>
+            </a:lvl1pPr>
+          </a:lstStyle>
+          <a:p>
+            <a:endParaRPr lang="en-US"/>
+          </a:p>
+        </p:txBody>
+      </p:sp>
+      <p:sp>
+        <p:nvSpPr>
+          <p:cNvPr id="7" name="Slide Number Placeholder 6"/>
+          <p:cNvSpPr>
+            <a:spLocks noGrp="1"/>
+          </p:cNvSpPr>
+          <p:nvPr>
+            <p:ph type="sldNum" sz="quarter" idx="5"/>
+          </p:nvPr>
+        </p:nvSpPr>
+        <p:spPr>
+          <a:xfrm>
+            <a:off x="3884613" y="8685213"/>
+            <a:ext cx="2971800" cy="458787"/>
+          </a:xfrm>
+          <a:prstGeom prst="rect">
+            <a:avLst/>
+          </a:prstGeom>
+        </p:spPr>
+        <p:txBody>
+          <a:bodyPr vert="horz" lIns="91440" tIns="45720" rIns="91440" bIns="45720" rtlCol="0" anchor="b"/>
+          <a:lstStyle>
+            <a:lvl1pPr algn="r">
+              <a:defRPr sz="1200"/>
+            </a:lvl1pPr>
+          </a:lstStyle>
+          <a:p>
+            <a:fld id="{CA2659AF-6712-4A50-B1F3-E23A7ACA68BD}" type="slidenum">
+              <a:rPr lang="en-US" smtClean="0"/>
+              <a:t>‹#›</a:t>
+            </a:fld>
+            <a:endParaRPr lang="en-US"/>
+          </a:p>
+        </p:txBody>
+      </p:sp>
+    </p:spTree>
+    <p:extLst>
+      <p:ext uri="{BB962C8B-B14F-4D97-AF65-F5344CB8AC3E}">
+        <p14:creationId xmlns:p14="http://schemas.microsoft.com/office/powerpoint/2010/main" val="3166066550"/>
+      </p:ext>
+    </p:extLst>
+  </p:cSld>
+  <p:clrMap bg1="lt1" tx1="dk1" bg2="lt2" tx2="dk2" accent1="accent1" accent2="accent2" accent3="accent3" accent4="accent4" accent5="accent5" accent6="accent6" hlink="hlink" folHlink="folHlink"/>
+  <p:notesStyle>
+    <a:lvl1pPr marL="0" algn="l" defTabSz="914400" rtl="0" eaLnBrk="1" latinLnBrk="0" hangingPunct="1">
+      <a:defRPr sz="1200" kern="1200">
+        <a:solidFill>
+          <a:schemeClr val="tx1"/>
+        </a:solidFill>
+        <a:latin typeface="+mn-lt"/>
+        <a:ea typeface="+mn-ea"/>
+        <a:cs typeface="+mn-cs"/>
+      </a:defRPr>
+    </a:lvl1pPr>
+    <a:lvl2pPr marL="457200" algn="l" defTabSz="914400" rtl="0" eaLnBrk="1" latinLnBrk="0" hangingPunct="1">
+      <a:defRPr sz="1200" kern="1200">
+        <a:solidFill>
+          <a:schemeClr val="tx1"/>
+        </a:solidFill>
+        <a:latin typeface="+mn-lt"/>
+        <a:ea typeface="+mn-ea"/>
+        <a:cs typeface="+mn-cs"/>
+      </a:defRPr>
+    </a:lvl2pPr>
+    <a:lvl3pPr marL="914400" algn="l" defTabSz="914400" rtl="0" eaLnBrk="1" latinLnBrk="0" hangingPunct="1">
+      <a:defRPr sz="1200" kern="1200">
+        <a:solidFill>
+          <a:schemeClr val="tx1"/>
+        </a:solidFill>
+        <a:latin typeface="+mn-lt"/>
+        <a:ea typeface="+mn-ea"/>
+        <a:cs typeface="+mn-cs"/>
+      </a:defRPr>
+    </a:lvl3pPr>
+    <a:lvl4pPr marL="1371600" algn="l" defTabSz="914400" rtl="0" eaLnBrk="1" latinLnBrk="0" hangingPunct="1">
+      <a:defRPr sz="1200" kern="1200">
+        <a:solidFill>
+          <a:schemeClr val="tx1"/>
+        </a:solidFill>
+        <a:latin typeface="+mn-lt"/>
+        <a:ea typeface="+mn-ea"/>
+        <a:cs typeface="+mn-cs"/>
+      </a:defRPr>
+    </a:lvl4pPr>
+    <a:lvl5pPr marL="1828800" algn="l" defTabSz="914400" rtl="0" eaLnBrk="1" latinLnBrk="0" hangingPunct="1">
+      <a:defRPr sz="1200" kern="1200">
+        <a:solidFill>
+          <a:schemeClr val="tx1"/>
+        </a:solidFill>
+        <a:latin typeface="+mn-lt"/>
+        <a:ea typeface="+mn-ea"/>
+        <a:cs typeface="+mn-cs"/>
+      </a:defRPr>
+    </a:lvl5pPr>
+    <a:lvl6pPr marL="2286000" algn="l" defTabSz="914400" rtl="0" eaLnBrk="1" latinLnBrk="0" hangingPunct="1">
+      <a:defRPr sz="1200" kern="1200">
+        <a:solidFill>
+          <a:schemeClr val="tx1"/>
+        </a:solidFill>
+        <a:latin typeface="+mn-lt"/>
+        <a:ea typeface="+mn-ea"/>
+        <a:cs typeface="+mn-cs"/>
+      </a:defRPr>
+    </a:lvl6pPr>
+    <a:lvl7pPr marL="2743200" algn="l" defTabSz="914400" rtl="0" eaLnBrk="1" latinLnBrk="0" hangingPunct="1">
+      <a:defRPr sz="1200" kern="1200">
+        <a:solidFill>
+          <a:schemeClr val="tx1"/>
+        </a:solidFill>
+        <a:latin typeface="+mn-lt"/>
+        <a:ea typeface="+mn-ea"/>
+        <a:cs typeface="+mn-cs"/>
+      </a:defRPr>
+    </a:lvl7pPr>
+    <a:lvl8pPr marL="3200400" algn="l" defTabSz="914400" rtl="0" eaLnBrk="1" latinLnBrk="0" hangingPunct="1">
+      <a:defRPr sz="1200" kern="1200">
+        <a:solidFill>
+          <a:schemeClr val="tx1"/>
+        </a:solidFill>
+        <a:latin typeface="+mn-lt"/>
+        <a:ea typeface="+mn-ea"/>
+        <a:cs typeface="+mn-cs"/>
+      </a:defRPr>
+    </a:lvl8pPr>
+    <a:lvl9pPr marL="3657600" algn="l" defTabSz="914400" rtl="0" eaLnBrk="1" latinLnBrk="0" hangingPunct="1">
+      <a:defRPr sz="1200" kern="1200">
+        <a:solidFill>
+          <a:schemeClr val="tx1"/>
+        </a:solidFill>
+        <a:latin typeface="+mn-lt"/>
+        <a:ea typeface="+mn-ea"/>
+        <a:cs typeface="+mn-cs"/>
+      </a:defRPr>
+    </a:lvl9pPr>
+  </p:notesStyle>
+</p:notesMaster>
+</file>
+
+<file path=ppt/notesSlides/notesSlide1.xml><?xml version="1.0" encoding="utf-8"?>
+<p:notes xmlns:a="http://schemas.openxmlformats.org/drawingml/2006/main" xmlns:r="http://schemas.openxmlformats.org/officeDocument/2006/relationships" xmlns:p="http://schemas.openxmlformats.org/presentationml/2006/main">
+  <p:cSld>
+    <p:spTree>
+      <p:nvGrpSpPr>
+        <p:cNvPr id="1" name=""/>
+        <p:cNvGrpSpPr/>
+        <p:nvPr/>
+      </p:nvGrpSpPr>
+      <p:grpSpPr>
+        <a:xfrm>
+          <a:off x="0" y="0"/>
+          <a:ext cx="0" cy="0"/>
+          <a:chOff x="0" y="0"/>
+          <a:chExt cx="0" cy="0"/>
+        </a:xfrm>
+      </p:grpSpPr>
+      <p:sp>
+        <p:nvSpPr>
+          <p:cNvPr id="2" name="Slide Image Placeholder 1"/>
+          <p:cNvSpPr>
+            <a:spLocks noGrp="1" noRot="1" noChangeAspect="1"/>
+          </p:cNvSpPr>
+          <p:nvPr>
+            <p:ph type="sldImg"/>
+          </p:nvPr>
+        </p:nvSpPr>
+        <p:spPr/>
+      </p:sp>
+      <p:sp>
+        <p:nvSpPr>
+          <p:cNvPr id="3" name="Notes Placeholder 2"/>
+          <p:cNvSpPr>
+            <a:spLocks noGrp="1"/>
+          </p:cNvSpPr>
+          <p:nvPr>
+            <p:ph type="body" idx="1"/>
+          </p:nvPr>
+        </p:nvSpPr>
+        <p:spPr/>
+        <p:txBody>
+          <a:bodyPr/>
+          <a:lstStyle/>
+          <a:p>
+            <a:r>
+              <a:rPr lang="en-US" dirty="0"/>
+              <a:t>Trusted path is an umbrella term that denotes the integrity and confidentiality of the channel between the user IO devices and the target TCB, remote trusted path is an extension where all the communication goes over the untrusted local platform and the network that is also attacker controlled.</a:t>
+            </a:r>
+          </a:p>
+        </p:txBody>
+      </p:sp>
+      <p:sp>
+        <p:nvSpPr>
+          <p:cNvPr id="4" name="Slide Number Placeholder 3"/>
+          <p:cNvSpPr>
+            <a:spLocks noGrp="1"/>
+          </p:cNvSpPr>
+          <p:nvPr>
+            <p:ph type="sldNum" sz="quarter" idx="10"/>
+          </p:nvPr>
+        </p:nvSpPr>
+        <p:spPr/>
+        <p:txBody>
+          <a:bodyPr/>
+          <a:lstStyle/>
+          <a:p>
+            <a:fld id="{A51C0C35-A9A2-4EFD-9BAF-1E52E29E03D1}" type="slidenum">
+              <a:rPr lang="de-CH" smtClean="0"/>
+              <a:pPr/>
+              <a:t>3</a:t>
+            </a:fld>
+            <a:endParaRPr lang="de-CH" dirty="0"/>
+          </a:p>
+        </p:txBody>
+      </p:sp>
+    </p:spTree>
+    <p:extLst>
+      <p:ext uri="{BB962C8B-B14F-4D97-AF65-F5344CB8AC3E}">
+        <p14:creationId xmlns:p14="http://schemas.microsoft.com/office/powerpoint/2010/main" val="4053407409"/>
+      </p:ext>
+    </p:extLst>
+  </p:cSld>
+  <p:clrMapOvr>
+    <a:masterClrMapping/>
+  </p:clrMapOvr>
+</p:notes>
+</file>
+
 <file path=ppt/slideLayouts/slideLayout1.xml><?xml version="1.0" encoding="utf-8"?>
 <p:sldLayout xmlns:a="http://schemas.openxmlformats.org/drawingml/2006/main" xmlns:r="http://schemas.openxmlformats.org/officeDocument/2006/relationships" xmlns:p="http://schemas.openxmlformats.org/presentationml/2006/main" type="title" preserve="1">
   <p:cSld name="Title Slide">
@@ -260,7 +701,7 @@
           <a:p>
             <a:fld id="{2653ACC0-EB5D-44CA-A76B-2C4B949E24D2}" type="datetimeFigureOut">
               <a:rPr lang="en-US" smtClean="0"/>
-              <a:t>3/17/2021</a:t>
+              <a:t>4/6/2021</a:t>
             </a:fld>
             <a:endParaRPr lang="en-US"/>
           </a:p>
@@ -458,7 +899,7 @@
           <a:p>
             <a:fld id="{2653ACC0-EB5D-44CA-A76B-2C4B949E24D2}" type="datetimeFigureOut">
               <a:rPr lang="en-US" smtClean="0"/>
-              <a:t>3/17/2021</a:t>
+              <a:t>4/6/2021</a:t>
             </a:fld>
             <a:endParaRPr lang="en-US"/>
           </a:p>
@@ -666,7 +1107,7 @@
           <a:p>
             <a:fld id="{2653ACC0-EB5D-44CA-A76B-2C4B949E24D2}" type="datetimeFigureOut">
               <a:rPr lang="en-US" smtClean="0"/>
-              <a:t>3/17/2021</a:t>
+              <a:t>4/6/2021</a:t>
             </a:fld>
             <a:endParaRPr lang="en-US"/>
           </a:p>
@@ -736,6 +1177,255 @@
   <p:clrMapOvr>
     <a:masterClrMapping/>
   </p:clrMapOvr>
+</p:sldLayout>
+</file>
+
+<file path=ppt/slideLayouts/slideLayout12.xml><?xml version="1.0" encoding="utf-8"?>
+<p:sldLayout xmlns:a="http://schemas.openxmlformats.org/drawingml/2006/main" xmlns:r="http://schemas.openxmlformats.org/officeDocument/2006/relationships" xmlns:p="http://schemas.openxmlformats.org/presentationml/2006/main" userDrawn="1">
+  <p:cSld name="Inhalt 1-spaltig">
+    <p:spTree>
+      <p:nvGrpSpPr>
+        <p:cNvPr id="1" name=""/>
+        <p:cNvGrpSpPr/>
+        <p:nvPr/>
+      </p:nvGrpSpPr>
+      <p:grpSpPr>
+        <a:xfrm>
+          <a:off x="0" y="0"/>
+          <a:ext cx="0" cy="0"/>
+          <a:chOff x="0" y="0"/>
+          <a:chExt cx="0" cy="0"/>
+        </a:xfrm>
+      </p:grpSpPr>
+      <p:sp>
+        <p:nvSpPr>
+          <p:cNvPr id="3" name="Inhaltsplatzhalter 2"/>
+          <p:cNvSpPr>
+            <a:spLocks noGrp="1"/>
+          </p:cNvSpPr>
+          <p:nvPr>
+            <p:ph idx="1" hasCustomPrompt="1"/>
+          </p:nvPr>
+        </p:nvSpPr>
+        <p:spPr>
+          <a:xfrm>
+            <a:off x="323977" y="2024064"/>
+            <a:ext cx="11542458" cy="4210046"/>
+          </a:xfrm>
+        </p:spPr>
+        <p:txBody>
+          <a:bodyPr/>
+          <a:lstStyle>
+            <a:lvl1pPr>
+              <a:defRPr/>
+            </a:lvl1pPr>
+          </a:lstStyle>
+          <a:p>
+            <a:pPr lvl="0"/>
+            <a:r>
+              <a:rPr lang="en-GB" dirty="0" err="1"/>
+              <a:t>Erste</a:t>
+            </a:r>
+            <a:r>
+              <a:rPr lang="en-GB" dirty="0"/>
+              <a:t> </a:t>
+            </a:r>
+            <a:r>
+              <a:rPr lang="en-GB" dirty="0" err="1"/>
+              <a:t>Ebene</a:t>
+            </a:r>
+            <a:endParaRPr lang="en-GB" dirty="0"/>
+          </a:p>
+          <a:p>
+            <a:pPr lvl="1"/>
+            <a:r>
+              <a:rPr lang="en-GB" dirty="0" err="1"/>
+              <a:t>Zweite</a:t>
+            </a:r>
+            <a:r>
+              <a:rPr lang="en-GB" dirty="0"/>
+              <a:t> </a:t>
+            </a:r>
+            <a:r>
+              <a:rPr lang="en-GB" dirty="0" err="1"/>
+              <a:t>Ebene</a:t>
+            </a:r>
+            <a:endParaRPr lang="en-GB" dirty="0"/>
+          </a:p>
+          <a:p>
+            <a:pPr lvl="2"/>
+            <a:r>
+              <a:rPr lang="en-GB" dirty="0" err="1"/>
+              <a:t>Dritte</a:t>
+            </a:r>
+            <a:r>
+              <a:rPr lang="en-GB" dirty="0"/>
+              <a:t> </a:t>
+            </a:r>
+            <a:r>
+              <a:rPr lang="en-GB" dirty="0" err="1"/>
+              <a:t>Ebene</a:t>
+            </a:r>
+            <a:endParaRPr lang="en-GB" dirty="0"/>
+          </a:p>
+          <a:p>
+            <a:pPr lvl="3"/>
+            <a:r>
+              <a:rPr lang="en-GB" dirty="0" err="1"/>
+              <a:t>Vierte</a:t>
+            </a:r>
+            <a:r>
+              <a:rPr lang="en-GB" dirty="0"/>
+              <a:t> </a:t>
+            </a:r>
+            <a:r>
+              <a:rPr lang="en-GB" dirty="0" err="1"/>
+              <a:t>Ebene</a:t>
+            </a:r>
+            <a:endParaRPr lang="en-GB" dirty="0"/>
+          </a:p>
+          <a:p>
+            <a:pPr lvl="4"/>
+            <a:r>
+              <a:rPr lang="en-GB" dirty="0" err="1"/>
+              <a:t>Fünfte</a:t>
+            </a:r>
+            <a:r>
+              <a:rPr lang="en-GB" dirty="0"/>
+              <a:t> </a:t>
+            </a:r>
+            <a:r>
+              <a:rPr lang="en-GB" dirty="0" err="1"/>
+              <a:t>Ebene</a:t>
+            </a:r>
+            <a:endParaRPr lang="en-GB" dirty="0"/>
+          </a:p>
+        </p:txBody>
+      </p:sp>
+      <p:sp>
+        <p:nvSpPr>
+          <p:cNvPr id="4" name="Datumsplatzhalter 3"/>
+          <p:cNvSpPr>
+            <a:spLocks noGrp="1"/>
+          </p:cNvSpPr>
+          <p:nvPr>
+            <p:ph type="dt" sz="half" idx="10"/>
+          </p:nvPr>
+        </p:nvSpPr>
+        <p:spPr/>
+        <p:txBody>
+          <a:bodyPr/>
+          <a:lstStyle/>
+          <a:p>
+            <a:fld id="{2E351574-DE3B-48D4-BB21-472FD18DCB9D}" type="datetime1">
+              <a:rPr lang="en-US" smtClean="0"/>
+              <a:t>4/6/2021</a:t>
+            </a:fld>
+            <a:endParaRPr lang="en-GB" dirty="0"/>
+          </a:p>
+        </p:txBody>
+      </p:sp>
+      <p:sp>
+        <p:nvSpPr>
+          <p:cNvPr id="5" name="Fußzeilenplatzhalter 4"/>
+          <p:cNvSpPr>
+            <a:spLocks noGrp="1"/>
+          </p:cNvSpPr>
+          <p:nvPr>
+            <p:ph type="ftr" sz="quarter" idx="11"/>
+          </p:nvPr>
+        </p:nvSpPr>
+        <p:spPr/>
+        <p:txBody>
+          <a:bodyPr/>
+          <a:lstStyle/>
+          <a:p>
+            <a:r>
+              <a:rPr lang="en-GB" dirty="0"/>
+              <a:t>Aritra Dhar</a:t>
+            </a:r>
+          </a:p>
+        </p:txBody>
+      </p:sp>
+      <p:sp>
+        <p:nvSpPr>
+          <p:cNvPr id="6" name="Foliennummernplatzhalter 5"/>
+          <p:cNvSpPr>
+            <a:spLocks noGrp="1"/>
+          </p:cNvSpPr>
+          <p:nvPr>
+            <p:ph type="sldNum" sz="quarter" idx="12"/>
+          </p:nvPr>
+        </p:nvSpPr>
+        <p:spPr/>
+        <p:txBody>
+          <a:bodyPr/>
+          <a:lstStyle/>
+          <a:p>
+            <a:fld id="{6C6AE60A-B69C-4790-82F7-3882EDF23186}" type="slidenum">
+              <a:rPr lang="en-GB" smtClean="0"/>
+              <a:t>‹#›</a:t>
+            </a:fld>
+            <a:endParaRPr lang="en-GB" dirty="0"/>
+          </a:p>
+        </p:txBody>
+      </p:sp>
+      <p:sp>
+        <p:nvSpPr>
+          <p:cNvPr id="7" name="Titel 6"/>
+          <p:cNvSpPr>
+            <a:spLocks noGrp="1"/>
+          </p:cNvSpPr>
+          <p:nvPr>
+            <p:ph type="title" hasCustomPrompt="1"/>
+          </p:nvPr>
+        </p:nvSpPr>
+        <p:spPr>
+          <a:xfrm>
+            <a:off x="323977" y="620714"/>
+            <a:ext cx="11542458" cy="972000"/>
+          </a:xfrm>
+          <a:solidFill>
+            <a:schemeClr val="bg1"/>
+          </a:solidFill>
+        </p:spPr>
+        <p:txBody>
+          <a:bodyPr/>
+          <a:lstStyle>
+            <a:lvl1pPr>
+              <a:defRPr/>
+            </a:lvl1pPr>
+          </a:lstStyle>
+          <a:p>
+            <a:r>
+              <a:rPr lang="en-GB" dirty="0"/>
+              <a:t>Add title</a:t>
+            </a:r>
+          </a:p>
+        </p:txBody>
+      </p:sp>
+    </p:spTree>
+    <p:extLst>
+      <p:ext uri="{BB962C8B-B14F-4D97-AF65-F5344CB8AC3E}">
+        <p14:creationId xmlns:p14="http://schemas.microsoft.com/office/powerpoint/2010/main" val="1575624977"/>
+      </p:ext>
+    </p:extLst>
+  </p:cSld>
+  <p:clrMapOvr>
+    <a:masterClrMapping/>
+  </p:clrMapOvr>
+  <mc:AlternateContent xmlns:mc="http://schemas.openxmlformats.org/markup-compatibility/2006" xmlns:p14="http://schemas.microsoft.com/office/powerpoint/2010/main">
+    <mc:Choice Requires="p14">
+      <p:transition p14:dur="250">
+        <p:fade/>
+      </p:transition>
+    </mc:Choice>
+    <mc:Fallback xmlns="">
+      <p:transition>
+        <p:fade/>
+      </p:transition>
+    </mc:Fallback>
+  </mc:AlternateContent>
 </p:sldLayout>
 </file>
 
@@ -864,7 +1554,7 @@
           <a:p>
             <a:fld id="{2653ACC0-EB5D-44CA-A76B-2C4B949E24D2}" type="datetimeFigureOut">
               <a:rPr lang="en-US" smtClean="0"/>
-              <a:t>3/17/2021</a:t>
+              <a:t>4/6/2021</a:t>
             </a:fld>
             <a:endParaRPr lang="en-US"/>
           </a:p>
@@ -1139,7 +1829,7 @@
           <a:p>
             <a:fld id="{2653ACC0-EB5D-44CA-A76B-2C4B949E24D2}" type="datetimeFigureOut">
               <a:rPr lang="en-US" smtClean="0"/>
-              <a:t>3/17/2021</a:t>
+              <a:t>4/6/2021</a:t>
             </a:fld>
             <a:endParaRPr lang="en-US"/>
           </a:p>
@@ -1404,7 +2094,7 @@
           <a:p>
             <a:fld id="{2653ACC0-EB5D-44CA-A76B-2C4B949E24D2}" type="datetimeFigureOut">
               <a:rPr lang="en-US" smtClean="0"/>
-              <a:t>3/17/2021</a:t>
+              <a:t>4/6/2021</a:t>
             </a:fld>
             <a:endParaRPr lang="en-US"/>
           </a:p>
@@ -1816,7 +2506,7 @@
           <a:p>
             <a:fld id="{2653ACC0-EB5D-44CA-A76B-2C4B949E24D2}" type="datetimeFigureOut">
               <a:rPr lang="en-US" smtClean="0"/>
-              <a:t>3/17/2021</a:t>
+              <a:t>4/6/2021</a:t>
             </a:fld>
             <a:endParaRPr lang="en-US"/>
           </a:p>
@@ -1957,7 +2647,7 @@
           <a:p>
             <a:fld id="{2653ACC0-EB5D-44CA-A76B-2C4B949E24D2}" type="datetimeFigureOut">
               <a:rPr lang="en-US" smtClean="0"/>
-              <a:t>3/17/2021</a:t>
+              <a:t>4/6/2021</a:t>
             </a:fld>
             <a:endParaRPr lang="en-US"/>
           </a:p>
@@ -2070,7 +2760,7 @@
           <a:p>
             <a:fld id="{2653ACC0-EB5D-44CA-A76B-2C4B949E24D2}" type="datetimeFigureOut">
               <a:rPr lang="en-US" smtClean="0"/>
-              <a:t>3/17/2021</a:t>
+              <a:t>4/6/2021</a:t>
             </a:fld>
             <a:endParaRPr lang="en-US"/>
           </a:p>
@@ -2381,7 +3071,7 @@
           <a:p>
             <a:fld id="{2653ACC0-EB5D-44CA-A76B-2C4B949E24D2}" type="datetimeFigureOut">
               <a:rPr lang="en-US" smtClean="0"/>
-              <a:t>3/17/2021</a:t>
+              <a:t>4/6/2021</a:t>
             </a:fld>
             <a:endParaRPr lang="en-US"/>
           </a:p>
@@ -2669,7 +3359,7 @@
           <a:p>
             <a:fld id="{2653ACC0-EB5D-44CA-A76B-2C4B949E24D2}" type="datetimeFigureOut">
               <a:rPr lang="en-US" smtClean="0"/>
-              <a:t>3/17/2021</a:t>
+              <a:t>4/6/2021</a:t>
             </a:fld>
             <a:endParaRPr lang="en-US"/>
           </a:p>
@@ -2910,7 +3600,7 @@
           <a:p>
             <a:fld id="{2653ACC0-EB5D-44CA-A76B-2C4B949E24D2}" type="datetimeFigureOut">
               <a:rPr lang="en-US" smtClean="0"/>
-              <a:t>3/17/2021</a:t>
+              <a:t>4/6/2021</a:t>
             </a:fld>
             <a:endParaRPr lang="en-US"/>
           </a:p>
@@ -3026,6 +3716,7 @@
     <p:sldLayoutId id="2147483657" r:id="rId9"/>
     <p:sldLayoutId id="2147483658" r:id="rId10"/>
     <p:sldLayoutId id="2147483659" r:id="rId11"/>
+    <p:sldLayoutId id="2147483660" r:id="rId12"/>
   </p:sldLayoutIdLst>
   <p:txStyles>
     <p:titleStyle>
@@ -6347,6 +7038,968 @@
 </p:sld>
 </file>
 
+<file path=ppt/slides/slide3.xml><?xml version="1.0" encoding="utf-8"?>
+<p:sld xmlns:a="http://schemas.openxmlformats.org/drawingml/2006/main" xmlns:r="http://schemas.openxmlformats.org/officeDocument/2006/relationships" xmlns:p="http://schemas.openxmlformats.org/presentationml/2006/main">
+  <p:cSld>
+    <p:spTree>
+      <p:nvGrpSpPr>
+        <p:cNvPr id="1" name=""/>
+        <p:cNvGrpSpPr/>
+        <p:nvPr/>
+      </p:nvGrpSpPr>
+      <p:grpSpPr>
+        <a:xfrm>
+          <a:off x="0" y="0"/>
+          <a:ext cx="0" cy="0"/>
+          <a:chOff x="0" y="0"/>
+          <a:chExt cx="0" cy="0"/>
+        </a:xfrm>
+      </p:grpSpPr>
+      <p:pic>
+        <p:nvPicPr>
+          <p:cNvPr id="26" name="Picture 25">
+            <a:extLst>
+              <a:ext uri="{FF2B5EF4-FFF2-40B4-BE49-F238E27FC236}">
+                <a16:creationId xmlns:a16="http://schemas.microsoft.com/office/drawing/2014/main" id="{10446C16-73B7-4F78-A83B-94AF4A770D00}"/>
+              </a:ext>
+            </a:extLst>
+          </p:cNvPr>
+          <p:cNvPicPr>
+            <a:picLocks noChangeAspect="1"/>
+          </p:cNvPicPr>
+          <p:nvPr/>
+        </p:nvPicPr>
+        <p:blipFill rotWithShape="1">
+          <a:blip r:embed="rId3" cstate="print">
+            <a:extLst>
+              <a:ext uri="{28A0092B-C50C-407E-A947-70E740481C1C}">
+                <a14:useLocalDpi xmlns:a14="http://schemas.microsoft.com/office/drawing/2010/main" val="0"/>
+              </a:ext>
+            </a:extLst>
+          </a:blip>
+          <a:srcRect t="17444" b="18466"/>
+          <a:stretch/>
+        </p:blipFill>
+        <p:spPr>
+          <a:xfrm>
+            <a:off x="4768143" y="248985"/>
+            <a:ext cx="1051280" cy="673769"/>
+          </a:xfrm>
+          <a:prstGeom prst="rect">
+            <a:avLst/>
+          </a:prstGeom>
+        </p:spPr>
+      </p:pic>
+      <p:pic>
+        <p:nvPicPr>
+          <p:cNvPr id="8" name="Picture 7"/>
+          <p:cNvPicPr>
+            <a:picLocks noChangeAspect="1"/>
+          </p:cNvPicPr>
+          <p:nvPr/>
+        </p:nvPicPr>
+        <p:blipFill rotWithShape="1">
+          <a:blip r:embed="rId4" cstate="print">
+            <a:extLst>
+              <a:ext uri="{28A0092B-C50C-407E-A947-70E740481C1C}">
+                <a14:useLocalDpi xmlns:a14="http://schemas.microsoft.com/office/drawing/2010/main" val="0"/>
+              </a:ext>
+            </a:extLst>
+          </a:blip>
+          <a:srcRect l="63194" t="16443" r="6804" b="16551"/>
+          <a:stretch/>
+        </p:blipFill>
+        <p:spPr>
+          <a:xfrm>
+            <a:off x="3715124" y="40425"/>
+            <a:ext cx="640326" cy="1430111"/>
+          </a:xfrm>
+          <a:prstGeom prst="rect">
+            <a:avLst/>
+          </a:prstGeom>
+        </p:spPr>
+      </p:pic>
+      <p:pic>
+        <p:nvPicPr>
+          <p:cNvPr id="9" name="Picture 8"/>
+          <p:cNvPicPr>
+            <a:picLocks noChangeAspect="1"/>
+          </p:cNvPicPr>
+          <p:nvPr/>
+        </p:nvPicPr>
+        <p:blipFill>
+          <a:blip r:embed="rId5" cstate="print">
+            <a:extLst>
+              <a:ext uri="{28A0092B-C50C-407E-A947-70E740481C1C}">
+                <a14:useLocalDpi xmlns:a14="http://schemas.microsoft.com/office/drawing/2010/main" val="0"/>
+              </a:ext>
+            </a:extLst>
+          </a:blip>
+          <a:stretch>
+            <a:fillRect/>
+          </a:stretch>
+        </p:blipFill>
+        <p:spPr>
+          <a:xfrm>
+            <a:off x="6220187" y="87787"/>
+            <a:ext cx="1162608" cy="1162608"/>
+          </a:xfrm>
+          <a:prstGeom prst="rect">
+            <a:avLst/>
+          </a:prstGeom>
+        </p:spPr>
+      </p:pic>
+      <p:sp>
+        <p:nvSpPr>
+          <p:cNvPr id="10" name="Rounded Rectangle 9"/>
+          <p:cNvSpPr/>
+          <p:nvPr/>
+        </p:nvSpPr>
+        <p:spPr>
+          <a:xfrm>
+            <a:off x="1164031" y="12572"/>
+            <a:ext cx="1923711" cy="1338079"/>
+          </a:xfrm>
+          <a:prstGeom prst="roundRect">
+            <a:avLst>
+              <a:gd name="adj" fmla="val 10215"/>
+            </a:avLst>
+          </a:prstGeom>
+          <a:solidFill>
+            <a:srgbClr val="F7F7F7"/>
+          </a:solidFill>
+          <a:ln w="9525">
+            <a:solidFill>
+              <a:schemeClr val="tx1"/>
+            </a:solidFill>
+          </a:ln>
+        </p:spPr>
+        <p:style>
+          <a:lnRef idx="2">
+            <a:schemeClr val="accent1">
+              <a:shade val="50000"/>
+            </a:schemeClr>
+          </a:lnRef>
+          <a:fillRef idx="1">
+            <a:schemeClr val="accent1"/>
+          </a:fillRef>
+          <a:effectRef idx="0">
+            <a:schemeClr val="accent1"/>
+          </a:effectRef>
+          <a:fontRef idx="minor">
+            <a:schemeClr val="lt1"/>
+          </a:fontRef>
+        </p:style>
+        <p:txBody>
+          <a:bodyPr rtlCol="0" anchor="ctr"/>
+          <a:lstStyle/>
+          <a:p>
+            <a:pPr algn="ctr"/>
+            <a:endParaRPr lang="en-US" dirty="0"/>
+          </a:p>
+        </p:txBody>
+      </p:sp>
+      <p:pic>
+        <p:nvPicPr>
+          <p:cNvPr id="12" name="Picture 11"/>
+          <p:cNvPicPr>
+            <a:picLocks noChangeAspect="1"/>
+          </p:cNvPicPr>
+          <p:nvPr/>
+        </p:nvPicPr>
+        <p:blipFill rotWithShape="1">
+          <a:blip r:embed="rId6" cstate="print">
+            <a:grayscl/>
+            <a:extLst>
+              <a:ext uri="{28A0092B-C50C-407E-A947-70E740481C1C}">
+                <a14:useLocalDpi xmlns:a14="http://schemas.microsoft.com/office/drawing/2010/main" val="0"/>
+              </a:ext>
+            </a:extLst>
+          </a:blip>
+          <a:srcRect t="9232" b="8798"/>
+          <a:stretch/>
+        </p:blipFill>
+        <p:spPr>
+          <a:xfrm>
+            <a:off x="2368275" y="122478"/>
+            <a:ext cx="678195" cy="555917"/>
+          </a:xfrm>
+          <a:prstGeom prst="rect">
+            <a:avLst/>
+          </a:prstGeom>
+        </p:spPr>
+      </p:pic>
+      <p:cxnSp>
+        <p:nvCxnSpPr>
+          <p:cNvPr id="15" name="Straight Arrow Connector 14"/>
+          <p:cNvCxnSpPr>
+            <a:cxnSpLocks/>
+            <a:stCxn id="10" idx="1"/>
+          </p:cNvCxnSpPr>
+          <p:nvPr/>
+        </p:nvCxnSpPr>
+        <p:spPr>
+          <a:xfrm flipH="1">
+            <a:off x="796223" y="681612"/>
+            <a:ext cx="367808" cy="0"/>
+          </a:xfrm>
+          <a:prstGeom prst="straightConnector1">
+            <a:avLst/>
+          </a:prstGeom>
+          <a:ln w="19050">
+            <a:headEnd type="arrow" w="med" len="med"/>
+            <a:tailEnd type="arrow" w="med" len="med"/>
+          </a:ln>
+        </p:spPr>
+        <p:style>
+          <a:lnRef idx="1">
+            <a:schemeClr val="dk1"/>
+          </a:lnRef>
+          <a:fillRef idx="0">
+            <a:schemeClr val="dk1"/>
+          </a:fillRef>
+          <a:effectRef idx="0">
+            <a:schemeClr val="dk1"/>
+          </a:effectRef>
+          <a:fontRef idx="minor">
+            <a:schemeClr val="tx1"/>
+          </a:fontRef>
+        </p:style>
+      </p:cxnSp>
+      <p:sp>
+        <p:nvSpPr>
+          <p:cNvPr id="16" name="Rectangle 15"/>
+          <p:cNvSpPr/>
+          <p:nvPr/>
+        </p:nvSpPr>
+        <p:spPr>
+          <a:xfrm>
+            <a:off x="3727831" y="1478333"/>
+            <a:ext cx="614912" cy="369332"/>
+          </a:xfrm>
+          <a:prstGeom prst="rect">
+            <a:avLst/>
+          </a:prstGeom>
+        </p:spPr>
+        <p:txBody>
+          <a:bodyPr wrap="none">
+            <a:spAutoFit/>
+          </a:bodyPr>
+          <a:lstStyle/>
+          <a:p>
+            <a:r>
+              <a:rPr lang="en-US" dirty="0"/>
+              <a:t>Host</a:t>
+            </a:r>
+          </a:p>
+        </p:txBody>
+      </p:sp>
+      <p:sp>
+        <p:nvSpPr>
+          <p:cNvPr id="17" name="Rectangle 16"/>
+          <p:cNvSpPr/>
+          <p:nvPr/>
+        </p:nvSpPr>
+        <p:spPr>
+          <a:xfrm>
+            <a:off x="6030603" y="1478333"/>
+            <a:ext cx="1636474" cy="369332"/>
+          </a:xfrm>
+          <a:prstGeom prst="rect">
+            <a:avLst/>
+          </a:prstGeom>
+        </p:spPr>
+        <p:txBody>
+          <a:bodyPr wrap="none">
+            <a:spAutoFit/>
+          </a:bodyPr>
+          <a:lstStyle/>
+          <a:p>
+            <a:r>
+              <a:rPr lang="en-US" dirty="0"/>
+              <a:t>Remote System</a:t>
+            </a:r>
+          </a:p>
+        </p:txBody>
+      </p:sp>
+      <p:sp>
+        <p:nvSpPr>
+          <p:cNvPr id="18" name="Rectangle 17"/>
+          <p:cNvSpPr/>
+          <p:nvPr/>
+        </p:nvSpPr>
+        <p:spPr>
+          <a:xfrm>
+            <a:off x="1495293" y="1478333"/>
+            <a:ext cx="1143711" cy="369332"/>
+          </a:xfrm>
+          <a:prstGeom prst="rect">
+            <a:avLst/>
+          </a:prstGeom>
+        </p:spPr>
+        <p:txBody>
+          <a:bodyPr wrap="square">
+            <a:spAutoFit/>
+          </a:bodyPr>
+          <a:lstStyle/>
+          <a:p>
+            <a:r>
+              <a:rPr lang="en-US" dirty="0"/>
+              <a:t>IO devices</a:t>
+            </a:r>
+          </a:p>
+        </p:txBody>
+      </p:sp>
+      <p:sp>
+        <p:nvSpPr>
+          <p:cNvPr id="19" name="Rectangle 18"/>
+          <p:cNvSpPr/>
+          <p:nvPr/>
+        </p:nvSpPr>
+        <p:spPr>
+          <a:xfrm>
+            <a:off x="24664" y="1478333"/>
+            <a:ext cx="617477" cy="369332"/>
+          </a:xfrm>
+          <a:prstGeom prst="rect">
+            <a:avLst/>
+          </a:prstGeom>
+        </p:spPr>
+        <p:txBody>
+          <a:bodyPr wrap="none">
+            <a:spAutoFit/>
+          </a:bodyPr>
+          <a:lstStyle/>
+          <a:p>
+            <a:r>
+              <a:rPr lang="en-US" dirty="0"/>
+              <a:t>User</a:t>
+            </a:r>
+          </a:p>
+        </p:txBody>
+      </p:sp>
+      <p:sp>
+        <p:nvSpPr>
+          <p:cNvPr id="21" name="Left-Right Arrow 20"/>
+          <p:cNvSpPr/>
+          <p:nvPr/>
+        </p:nvSpPr>
+        <p:spPr>
+          <a:xfrm>
+            <a:off x="3123396" y="488757"/>
+            <a:ext cx="3046396" cy="194226"/>
+          </a:xfrm>
+          <a:prstGeom prst="leftRightArrow">
+            <a:avLst/>
+          </a:prstGeom>
+          <a:solidFill>
+            <a:schemeClr val="bg2"/>
+          </a:solidFill>
+          <a:ln w="9525"/>
+        </p:spPr>
+        <p:style>
+          <a:lnRef idx="2">
+            <a:schemeClr val="dk1"/>
+          </a:lnRef>
+          <a:fillRef idx="1">
+            <a:schemeClr val="lt1"/>
+          </a:fillRef>
+          <a:effectRef idx="0">
+            <a:schemeClr val="dk1"/>
+          </a:effectRef>
+          <a:fontRef idx="minor">
+            <a:schemeClr val="dk1"/>
+          </a:fontRef>
+        </p:style>
+        <p:txBody>
+          <a:bodyPr rtlCol="0" anchor="ctr"/>
+          <a:lstStyle/>
+          <a:p>
+            <a:pPr algn="ctr"/>
+            <a:endParaRPr lang="en-US" dirty="0"/>
+          </a:p>
+        </p:txBody>
+      </p:sp>
+      <p:pic>
+        <p:nvPicPr>
+          <p:cNvPr id="28" name="Picture 27"/>
+          <p:cNvPicPr>
+            <a:picLocks noChangeAspect="1"/>
+          </p:cNvPicPr>
+          <p:nvPr/>
+        </p:nvPicPr>
+        <p:blipFill>
+          <a:blip r:embed="rId7" cstate="print">
+            <a:extLst>
+              <a:ext uri="{28A0092B-C50C-407E-A947-70E740481C1C}">
+                <a14:useLocalDpi xmlns:a14="http://schemas.microsoft.com/office/drawing/2010/main" val="0"/>
+              </a:ext>
+            </a:extLst>
+          </a:blip>
+          <a:stretch>
+            <a:fillRect/>
+          </a:stretch>
+        </p:blipFill>
+        <p:spPr>
+          <a:xfrm>
+            <a:off x="3964473" y="893632"/>
+            <a:ext cx="576903" cy="576903"/>
+          </a:xfrm>
+          <a:prstGeom prst="rect">
+            <a:avLst/>
+          </a:prstGeom>
+        </p:spPr>
+      </p:pic>
+      <p:pic>
+        <p:nvPicPr>
+          <p:cNvPr id="27" name="Picture 26"/>
+          <p:cNvPicPr>
+            <a:picLocks noChangeAspect="1"/>
+          </p:cNvPicPr>
+          <p:nvPr/>
+        </p:nvPicPr>
+        <p:blipFill>
+          <a:blip r:embed="rId8" cstate="print">
+            <a:extLst>
+              <a:ext uri="{28A0092B-C50C-407E-A947-70E740481C1C}">
+                <a14:useLocalDpi xmlns:a14="http://schemas.microsoft.com/office/drawing/2010/main" val="0"/>
+              </a:ext>
+            </a:extLst>
+          </a:blip>
+          <a:stretch>
+            <a:fillRect/>
+          </a:stretch>
+        </p:blipFill>
+        <p:spPr>
+          <a:xfrm>
+            <a:off x="2639004" y="893633"/>
+            <a:ext cx="576903" cy="576903"/>
+          </a:xfrm>
+          <a:prstGeom prst="rect">
+            <a:avLst/>
+          </a:prstGeom>
+        </p:spPr>
+      </p:pic>
+      <p:pic>
+        <p:nvPicPr>
+          <p:cNvPr id="33" name="Picture 32"/>
+          <p:cNvPicPr>
+            <a:picLocks noChangeAspect="1"/>
+          </p:cNvPicPr>
+          <p:nvPr/>
+        </p:nvPicPr>
+        <p:blipFill>
+          <a:blip r:embed="rId9" cstate="print">
+            <a:extLst>
+              <a:ext uri="{28A0092B-C50C-407E-A947-70E740481C1C}">
+                <a14:useLocalDpi xmlns:a14="http://schemas.microsoft.com/office/drawing/2010/main" val="0"/>
+              </a:ext>
+            </a:extLst>
+          </a:blip>
+          <a:stretch>
+            <a:fillRect/>
+          </a:stretch>
+        </p:blipFill>
+        <p:spPr>
+          <a:xfrm>
+            <a:off x="1279723" y="87787"/>
+            <a:ext cx="540726" cy="540726"/>
+          </a:xfrm>
+          <a:prstGeom prst="rect">
+            <a:avLst/>
+          </a:prstGeom>
+        </p:spPr>
+      </p:pic>
+      <p:pic>
+        <p:nvPicPr>
+          <p:cNvPr id="35" name="Picture 34"/>
+          <p:cNvPicPr>
+            <a:picLocks noChangeAspect="1"/>
+          </p:cNvPicPr>
+          <p:nvPr/>
+        </p:nvPicPr>
+        <p:blipFill rotWithShape="1">
+          <a:blip r:embed="rId10" cstate="print">
+            <a:extLst>
+              <a:ext uri="{28A0092B-C50C-407E-A947-70E740481C1C}">
+                <a14:useLocalDpi xmlns:a14="http://schemas.microsoft.com/office/drawing/2010/main" val="0"/>
+              </a:ext>
+            </a:extLst>
+          </a:blip>
+          <a:srcRect t="10926" b="10939"/>
+          <a:stretch/>
+        </p:blipFill>
+        <p:spPr>
+          <a:xfrm>
+            <a:off x="1761300" y="712603"/>
+            <a:ext cx="773884" cy="604672"/>
+          </a:xfrm>
+          <a:prstGeom prst="rect">
+            <a:avLst/>
+          </a:prstGeom>
+        </p:spPr>
+      </p:pic>
+      <p:pic>
+        <p:nvPicPr>
+          <p:cNvPr id="23" name="Picture 22"/>
+          <p:cNvPicPr>
+            <a:picLocks noChangeAspect="1"/>
+          </p:cNvPicPr>
+          <p:nvPr/>
+        </p:nvPicPr>
+        <p:blipFill>
+          <a:blip r:embed="rId11" cstate="print">
+            <a:extLst>
+              <a:ext uri="{28A0092B-C50C-407E-A947-70E740481C1C}">
+                <a14:useLocalDpi xmlns:a14="http://schemas.microsoft.com/office/drawing/2010/main" val="0"/>
+              </a:ext>
+            </a:extLst>
+          </a:blip>
+          <a:stretch>
+            <a:fillRect/>
+          </a:stretch>
+        </p:blipFill>
+        <p:spPr>
+          <a:xfrm>
+            <a:off x="-91040" y="265303"/>
+            <a:ext cx="912303" cy="912303"/>
+          </a:xfrm>
+          <a:prstGeom prst="rect">
+            <a:avLst/>
+          </a:prstGeom>
+        </p:spPr>
+      </p:pic>
+      <p:pic>
+        <p:nvPicPr>
+          <p:cNvPr id="29" name="Picture 28">
+            <a:extLst>
+              <a:ext uri="{FF2B5EF4-FFF2-40B4-BE49-F238E27FC236}">
+                <a16:creationId xmlns:a16="http://schemas.microsoft.com/office/drawing/2014/main" id="{781E05DA-2AF4-436A-A94C-8C7DE55074A3}"/>
+              </a:ext>
+            </a:extLst>
+          </p:cNvPr>
+          <p:cNvPicPr>
+            <a:picLocks noChangeAspect="1"/>
+          </p:cNvPicPr>
+          <p:nvPr/>
+        </p:nvPicPr>
+        <p:blipFill>
+          <a:blip r:embed="rId7" cstate="print">
+            <a:extLst>
+              <a:ext uri="{28A0092B-C50C-407E-A947-70E740481C1C}">
+                <a14:useLocalDpi xmlns:a14="http://schemas.microsoft.com/office/drawing/2010/main" val="0"/>
+              </a:ext>
+            </a:extLst>
+          </a:blip>
+          <a:stretch>
+            <a:fillRect/>
+          </a:stretch>
+        </p:blipFill>
+        <p:spPr>
+          <a:xfrm>
+            <a:off x="4954069" y="438036"/>
+            <a:ext cx="576903" cy="576903"/>
+          </a:xfrm>
+          <a:prstGeom prst="rect">
+            <a:avLst/>
+          </a:prstGeom>
+        </p:spPr>
+      </p:pic>
+      <p:pic>
+        <p:nvPicPr>
+          <p:cNvPr id="30" name="Picture 29">
+            <a:extLst>
+              <a:ext uri="{FF2B5EF4-FFF2-40B4-BE49-F238E27FC236}">
+                <a16:creationId xmlns:a16="http://schemas.microsoft.com/office/drawing/2014/main" id="{93378177-31E9-4BAC-B0D2-AB74072815B3}"/>
+              </a:ext>
+            </a:extLst>
+          </p:cNvPr>
+          <p:cNvPicPr>
+            <a:picLocks noChangeAspect="1"/>
+          </p:cNvPicPr>
+          <p:nvPr/>
+        </p:nvPicPr>
+        <p:blipFill>
+          <a:blip r:embed="rId8" cstate="print">
+            <a:extLst>
+              <a:ext uri="{28A0092B-C50C-407E-A947-70E740481C1C}">
+                <a14:useLocalDpi xmlns:a14="http://schemas.microsoft.com/office/drawing/2010/main" val="0"/>
+              </a:ext>
+            </a:extLst>
+          </a:blip>
+          <a:stretch>
+            <a:fillRect/>
+          </a:stretch>
+        </p:blipFill>
+        <p:spPr>
+          <a:xfrm>
+            <a:off x="6932362" y="893633"/>
+            <a:ext cx="576903" cy="576903"/>
+          </a:xfrm>
+          <a:prstGeom prst="rect">
+            <a:avLst/>
+          </a:prstGeom>
+        </p:spPr>
+      </p:pic>
+    </p:spTree>
+    <p:extLst>
+      <p:ext uri="{BB962C8B-B14F-4D97-AF65-F5344CB8AC3E}">
+        <p14:creationId xmlns:p14="http://schemas.microsoft.com/office/powerpoint/2010/main" val="1081793794"/>
+      </p:ext>
+    </p:extLst>
+  </p:cSld>
+  <p:clrMapOvr>
+    <a:masterClrMapping/>
+  </p:clrMapOvr>
+  <mc:AlternateContent xmlns:mc="http://schemas.openxmlformats.org/markup-compatibility/2006" xmlns:p14="http://schemas.microsoft.com/office/powerpoint/2010/main">
+    <mc:Choice Requires="p14">
+      <p:transition p14:dur="250">
+        <p:fade/>
+      </p:transition>
+    </mc:Choice>
+    <mc:Fallback xmlns="">
+      <p:transition>
+        <p:fade/>
+      </p:transition>
+    </mc:Fallback>
+  </mc:AlternateContent>
+  <p:timing>
+    <p:tnLst>
+      <p:par>
+        <p:cTn id="1" dur="indefinite" restart="never" nodeType="tmRoot">
+          <p:childTnLst>
+            <p:seq concurrent="1" nextAc="seek">
+              <p:cTn id="2" dur="indefinite" nodeType="mainSeq">
+                <p:childTnLst>
+                  <p:par>
+                    <p:cTn id="3" fill="hold">
+                      <p:stCondLst>
+                        <p:cond delay="indefinite"/>
+                      </p:stCondLst>
+                      <p:childTnLst>
+                        <p:par>
+                          <p:cTn id="4" fill="hold">
+                            <p:stCondLst>
+                              <p:cond delay="0"/>
+                            </p:stCondLst>
+                            <p:childTnLst>
+                              <p:par>
+                                <p:cTn id="5" presetID="10" presetClass="entr" presetSubtype="0" fill="hold" nodeType="clickEffect">
+                                  <p:stCondLst>
+                                    <p:cond delay="0"/>
+                                  </p:stCondLst>
+                                  <p:childTnLst>
+                                    <p:set>
+                                      <p:cBhvr>
+                                        <p:cTn id="6" dur="1" fill="hold">
+                                          <p:stCondLst>
+                                            <p:cond delay="0"/>
+                                          </p:stCondLst>
+                                        </p:cTn>
+                                        <p:tgtEl>
+                                          <p:spTgt spid="8"/>
+                                        </p:tgtEl>
+                                        <p:attrNameLst>
+                                          <p:attrName>style.visibility</p:attrName>
+                                        </p:attrNameLst>
+                                      </p:cBhvr>
+                                      <p:to>
+                                        <p:strVal val="visible"/>
+                                      </p:to>
+                                    </p:set>
+                                    <p:animEffect transition="in" filter="fade">
+                                      <p:cBhvr>
+                                        <p:cTn id="7" dur="500"/>
+                                        <p:tgtEl>
+                                          <p:spTgt spid="8"/>
+                                        </p:tgtEl>
+                                      </p:cBhvr>
+                                    </p:animEffect>
+                                  </p:childTnLst>
+                                </p:cTn>
+                              </p:par>
+                              <p:par>
+                                <p:cTn id="8" presetID="10" presetClass="entr" presetSubtype="0" fill="hold" grpId="0" nodeType="withEffect">
+                                  <p:stCondLst>
+                                    <p:cond delay="0"/>
+                                  </p:stCondLst>
+                                  <p:childTnLst>
+                                    <p:set>
+                                      <p:cBhvr>
+                                        <p:cTn id="9" dur="1" fill="hold">
+                                          <p:stCondLst>
+                                            <p:cond delay="0"/>
+                                          </p:stCondLst>
+                                        </p:cTn>
+                                        <p:tgtEl>
+                                          <p:spTgt spid="16"/>
+                                        </p:tgtEl>
+                                        <p:attrNameLst>
+                                          <p:attrName>style.visibility</p:attrName>
+                                        </p:attrNameLst>
+                                      </p:cBhvr>
+                                      <p:to>
+                                        <p:strVal val="visible"/>
+                                      </p:to>
+                                    </p:set>
+                                    <p:animEffect transition="in" filter="fade">
+                                      <p:cBhvr>
+                                        <p:cTn id="10" dur="500"/>
+                                        <p:tgtEl>
+                                          <p:spTgt spid="16"/>
+                                        </p:tgtEl>
+                                      </p:cBhvr>
+                                    </p:animEffect>
+                                  </p:childTnLst>
+                                </p:cTn>
+                              </p:par>
+                              <p:par>
+                                <p:cTn id="11" presetID="10" presetClass="entr" presetSubtype="0" fill="hold" nodeType="withEffect">
+                                  <p:stCondLst>
+                                    <p:cond delay="0"/>
+                                  </p:stCondLst>
+                                  <p:childTnLst>
+                                    <p:set>
+                                      <p:cBhvr>
+                                        <p:cTn id="12" dur="1" fill="hold">
+                                          <p:stCondLst>
+                                            <p:cond delay="0"/>
+                                          </p:stCondLst>
+                                        </p:cTn>
+                                        <p:tgtEl>
+                                          <p:spTgt spid="28"/>
+                                        </p:tgtEl>
+                                        <p:attrNameLst>
+                                          <p:attrName>style.visibility</p:attrName>
+                                        </p:attrNameLst>
+                                      </p:cBhvr>
+                                      <p:to>
+                                        <p:strVal val="visible"/>
+                                      </p:to>
+                                    </p:set>
+                                    <p:animEffect transition="in" filter="fade">
+                                      <p:cBhvr>
+                                        <p:cTn id="13" dur="500"/>
+                                        <p:tgtEl>
+                                          <p:spTgt spid="28"/>
+                                        </p:tgtEl>
+                                      </p:cBhvr>
+                                    </p:animEffect>
+                                  </p:childTnLst>
+                                </p:cTn>
+                              </p:par>
+                            </p:childTnLst>
+                          </p:cTn>
+                        </p:par>
+                      </p:childTnLst>
+                    </p:cTn>
+                  </p:par>
+                  <p:par>
+                    <p:cTn id="14" fill="hold">
+                      <p:stCondLst>
+                        <p:cond delay="indefinite"/>
+                      </p:stCondLst>
+                      <p:childTnLst>
+                        <p:par>
+                          <p:cTn id="15" fill="hold">
+                            <p:stCondLst>
+                              <p:cond delay="0"/>
+                            </p:stCondLst>
+                            <p:childTnLst>
+                              <p:par>
+                                <p:cTn id="16" presetID="10" presetClass="entr" presetSubtype="0" fill="hold" nodeType="clickEffect">
+                                  <p:stCondLst>
+                                    <p:cond delay="0"/>
+                                  </p:stCondLst>
+                                  <p:childTnLst>
+                                    <p:set>
+                                      <p:cBhvr>
+                                        <p:cTn id="17" dur="1" fill="hold">
+                                          <p:stCondLst>
+                                            <p:cond delay="0"/>
+                                          </p:stCondLst>
+                                        </p:cTn>
+                                        <p:tgtEl>
+                                          <p:spTgt spid="9"/>
+                                        </p:tgtEl>
+                                        <p:attrNameLst>
+                                          <p:attrName>style.visibility</p:attrName>
+                                        </p:attrNameLst>
+                                      </p:cBhvr>
+                                      <p:to>
+                                        <p:strVal val="visible"/>
+                                      </p:to>
+                                    </p:set>
+                                    <p:animEffect transition="in" filter="fade">
+                                      <p:cBhvr>
+                                        <p:cTn id="18" dur="500"/>
+                                        <p:tgtEl>
+                                          <p:spTgt spid="9"/>
+                                        </p:tgtEl>
+                                      </p:cBhvr>
+                                    </p:animEffect>
+                                  </p:childTnLst>
+                                </p:cTn>
+                              </p:par>
+                              <p:par>
+                                <p:cTn id="19" presetID="10" presetClass="entr" presetSubtype="0" fill="hold" grpId="0" nodeType="withEffect">
+                                  <p:stCondLst>
+                                    <p:cond delay="0"/>
+                                  </p:stCondLst>
+                                  <p:childTnLst>
+                                    <p:set>
+                                      <p:cBhvr>
+                                        <p:cTn id="20" dur="1" fill="hold">
+                                          <p:stCondLst>
+                                            <p:cond delay="0"/>
+                                          </p:stCondLst>
+                                        </p:cTn>
+                                        <p:tgtEl>
+                                          <p:spTgt spid="17"/>
+                                        </p:tgtEl>
+                                        <p:attrNameLst>
+                                          <p:attrName>style.visibility</p:attrName>
+                                        </p:attrNameLst>
+                                      </p:cBhvr>
+                                      <p:to>
+                                        <p:strVal val="visible"/>
+                                      </p:to>
+                                    </p:set>
+                                    <p:animEffect transition="in" filter="fade">
+                                      <p:cBhvr>
+                                        <p:cTn id="21" dur="500"/>
+                                        <p:tgtEl>
+                                          <p:spTgt spid="17"/>
+                                        </p:tgtEl>
+                                      </p:cBhvr>
+                                    </p:animEffect>
+                                  </p:childTnLst>
+                                </p:cTn>
+                              </p:par>
+                            </p:childTnLst>
+                          </p:cTn>
+                        </p:par>
+                      </p:childTnLst>
+                    </p:cTn>
+                  </p:par>
+                  <p:par>
+                    <p:cTn id="22" fill="hold">
+                      <p:stCondLst>
+                        <p:cond delay="indefinite"/>
+                      </p:stCondLst>
+                      <p:childTnLst>
+                        <p:par>
+                          <p:cTn id="23" fill="hold">
+                            <p:stCondLst>
+                              <p:cond delay="0"/>
+                            </p:stCondLst>
+                            <p:childTnLst>
+                              <p:par>
+                                <p:cTn id="24" presetID="22" presetClass="entr" presetSubtype="8" fill="hold" grpId="0" nodeType="clickEffect">
+                                  <p:stCondLst>
+                                    <p:cond delay="0"/>
+                                  </p:stCondLst>
+                                  <p:childTnLst>
+                                    <p:set>
+                                      <p:cBhvr>
+                                        <p:cTn id="25" dur="1" fill="hold">
+                                          <p:stCondLst>
+                                            <p:cond delay="0"/>
+                                          </p:stCondLst>
+                                        </p:cTn>
+                                        <p:tgtEl>
+                                          <p:spTgt spid="21"/>
+                                        </p:tgtEl>
+                                        <p:attrNameLst>
+                                          <p:attrName>style.visibility</p:attrName>
+                                        </p:attrNameLst>
+                                      </p:cBhvr>
+                                      <p:to>
+                                        <p:strVal val="visible"/>
+                                      </p:to>
+                                    </p:set>
+                                    <p:animEffect transition="in" filter="wipe(left)">
+                                      <p:cBhvr>
+                                        <p:cTn id="26" dur="500"/>
+                                        <p:tgtEl>
+                                          <p:spTgt spid="21"/>
+                                        </p:tgtEl>
+                                      </p:cBhvr>
+                                    </p:animEffect>
+                                  </p:childTnLst>
+                                </p:cTn>
+                              </p:par>
+                              <p:par>
+                                <p:cTn id="27" presetID="10" presetClass="entr" presetSubtype="0" fill="hold" nodeType="withEffect">
+                                  <p:stCondLst>
+                                    <p:cond delay="0"/>
+                                  </p:stCondLst>
+                                  <p:childTnLst>
+                                    <p:set>
+                                      <p:cBhvr>
+                                        <p:cTn id="28" dur="1" fill="hold">
+                                          <p:stCondLst>
+                                            <p:cond delay="0"/>
+                                          </p:stCondLst>
+                                        </p:cTn>
+                                        <p:tgtEl>
+                                          <p:spTgt spid="29"/>
+                                        </p:tgtEl>
+                                        <p:attrNameLst>
+                                          <p:attrName>style.visibility</p:attrName>
+                                        </p:attrNameLst>
+                                      </p:cBhvr>
+                                      <p:to>
+                                        <p:strVal val="visible"/>
+                                      </p:to>
+                                    </p:set>
+                                    <p:animEffect transition="in" filter="fade">
+                                      <p:cBhvr>
+                                        <p:cTn id="29" dur="500"/>
+                                        <p:tgtEl>
+                                          <p:spTgt spid="29"/>
+                                        </p:tgtEl>
+                                      </p:cBhvr>
+                                    </p:animEffect>
+                                  </p:childTnLst>
+                                </p:cTn>
+                              </p:par>
+                            </p:childTnLst>
+                          </p:cTn>
+                        </p:par>
+                      </p:childTnLst>
+                    </p:cTn>
+                  </p:par>
+                </p:childTnLst>
+              </p:cTn>
+              <p:prevCondLst>
+                <p:cond evt="onPrev" delay="0">
+                  <p:tgtEl>
+                    <p:sldTgt/>
+                  </p:tgtEl>
+                </p:cond>
+              </p:prevCondLst>
+              <p:nextCondLst>
+                <p:cond evt="onNext" delay="0">
+                  <p:tgtEl>
+                    <p:sldTgt/>
+                  </p:tgtEl>
+                </p:cond>
+              </p:nextCondLst>
+            </p:seq>
+          </p:childTnLst>
+        </p:cTn>
+      </p:par>
+    </p:tnLst>
+    <p:bldLst>
+      <p:bldP spid="16" grpId="0"/>
+      <p:bldP spid="17" grpId="0"/>
+      <p:bldP spid="21" grpId="0" animBg="1"/>
+    </p:bldLst>
+  </p:timing>
+</p:sld>
+</file>
+
 <file path=ppt/theme/theme1.xml><?xml version="1.0" encoding="utf-8"?>
 <a:theme xmlns:a="http://schemas.openxmlformats.org/drawingml/2006/main" name="Office Theme">
   <a:themeElements>
@@ -6640,4 +8293,299 @@
     </a:ext>
   </a:extLst>
 </a:theme>
+</file>
+
+<file path=ppt/theme/theme2.xml><?xml version="1.0" encoding="utf-8"?>
+<a:theme xmlns:a="http://schemas.openxmlformats.org/drawingml/2006/main" name="Office Theme">
+  <a:themeElements>
+    <a:clrScheme name="Office">
+      <a:dk1>
+        <a:sysClr val="windowText" lastClr="000000"/>
+      </a:dk1>
+      <a:lt1>
+        <a:sysClr val="window" lastClr="FFFFFF"/>
+      </a:lt1>
+      <a:dk2>
+        <a:srgbClr val="44546A"/>
+      </a:dk2>
+      <a:lt2>
+        <a:srgbClr val="E7E6E6"/>
+      </a:lt2>
+      <a:accent1>
+        <a:srgbClr val="4472C4"/>
+      </a:accent1>
+      <a:accent2>
+        <a:srgbClr val="ED7D31"/>
+      </a:accent2>
+      <a:accent3>
+        <a:srgbClr val="A5A5A5"/>
+      </a:accent3>
+      <a:accent4>
+        <a:srgbClr val="FFC000"/>
+      </a:accent4>
+      <a:accent5>
+        <a:srgbClr val="5B9BD5"/>
+      </a:accent5>
+      <a:accent6>
+        <a:srgbClr val="70AD47"/>
+      </a:accent6>
+      <a:hlink>
+        <a:srgbClr val="0563C1"/>
+      </a:hlink>
+      <a:folHlink>
+        <a:srgbClr val="954F72"/>
+      </a:folHlink>
+    </a:clrScheme>
+    <a:fontScheme name="Office">
+      <a:majorFont>
+        <a:latin typeface="Calibri Light" panose="020F0302020204030204"/>
+        <a:ea typeface=""/>
+        <a:cs typeface=""/>
+        <a:font script="Jpan" typeface="游ゴシック Light"/>
+        <a:font script="Hang" typeface="맑은 고딕"/>
+        <a:font script="Hans" typeface="等线 Light"/>
+        <a:font script="Hant" typeface="新細明體"/>
+        <a:font script="Arab" typeface="Times New Roman"/>
+        <a:font script="Hebr" typeface="Times New Roman"/>
+        <a:font script="Thai" typeface="Angsana New"/>
+        <a:font script="Ethi" typeface="Nyala"/>
+        <a:font script="Beng" typeface="Vrinda"/>
+        <a:font script="Gujr" typeface="Shruti"/>
+        <a:font script="Khmr" typeface="MoolBoran"/>
+        <a:font script="Knda" typeface="Tunga"/>
+        <a:font script="Guru" typeface="Raavi"/>
+        <a:font script="Cans" typeface="Euphemia"/>
+        <a:font script="Cher" typeface="Plantagenet Cherokee"/>
+        <a:font script="Yiii" typeface="Microsoft Yi Baiti"/>
+        <a:font script="Tibt" typeface="Microsoft Himalaya"/>
+        <a:font script="Thaa" typeface="MV Boli"/>
+        <a:font script="Deva" typeface="Mangal"/>
+        <a:font script="Telu" typeface="Gautami"/>
+        <a:font script="Taml" typeface="Latha"/>
+        <a:font script="Syrc" typeface="Estrangelo Edessa"/>
+        <a:font script="Orya" typeface="Kalinga"/>
+        <a:font script="Mlym" typeface="Kartika"/>
+        <a:font script="Laoo" typeface="DokChampa"/>
+        <a:font script="Sinh" typeface="Iskoola Pota"/>
+        <a:font script="Mong" typeface="Mongolian Baiti"/>
+        <a:font script="Viet" typeface="Times New Roman"/>
+        <a:font script="Uigh" typeface="Microsoft Uighur"/>
+        <a:font script="Geor" typeface="Sylfaen"/>
+        <a:font script="Armn" typeface="Arial"/>
+        <a:font script="Bugi" typeface="Leelawadee UI"/>
+        <a:font script="Bopo" typeface="Microsoft JhengHei"/>
+        <a:font script="Java" typeface="Javanese Text"/>
+        <a:font script="Lisu" typeface="Segoe UI"/>
+        <a:font script="Mymr" typeface="Myanmar Text"/>
+        <a:font script="Nkoo" typeface="Ebrima"/>
+        <a:font script="Olck" typeface="Nirmala UI"/>
+        <a:font script="Osma" typeface="Ebrima"/>
+        <a:font script="Phag" typeface="Phagspa"/>
+        <a:font script="Syrn" typeface="Estrangelo Edessa"/>
+        <a:font script="Syrj" typeface="Estrangelo Edessa"/>
+        <a:font script="Syre" typeface="Estrangelo Edessa"/>
+        <a:font script="Sora" typeface="Nirmala UI"/>
+        <a:font script="Tale" typeface="Microsoft Tai Le"/>
+        <a:font script="Talu" typeface="Microsoft New Tai Lue"/>
+        <a:font script="Tfng" typeface="Ebrima"/>
+      </a:majorFont>
+      <a:minorFont>
+        <a:latin typeface="Calibri" panose="020F0502020204030204"/>
+        <a:ea typeface=""/>
+        <a:cs typeface=""/>
+        <a:font script="Jpan" typeface="游ゴシック"/>
+        <a:font script="Hang" typeface="맑은 고딕"/>
+        <a:font script="Hans" typeface="等线"/>
+        <a:font script="Hant" typeface="新細明體"/>
+        <a:font script="Arab" typeface="Arial"/>
+        <a:font script="Hebr" typeface="Arial"/>
+        <a:font script="Thai" typeface="Cordia New"/>
+        <a:font script="Ethi" typeface="Nyala"/>
+        <a:font script="Beng" typeface="Vrinda"/>
+        <a:font script="Gujr" typeface="Shruti"/>
+        <a:font script="Khmr" typeface="DaunPenh"/>
+        <a:font script="Knda" typeface="Tunga"/>
+        <a:font script="Guru" typeface="Raavi"/>
+        <a:font script="Cans" typeface="Euphemia"/>
+        <a:font script="Cher" typeface="Plantagenet Cherokee"/>
+        <a:font script="Yiii" typeface="Microsoft Yi Baiti"/>
+        <a:font script="Tibt" typeface="Microsoft Himalaya"/>
+        <a:font script="Thaa" typeface="MV Boli"/>
+        <a:font script="Deva" typeface="Mangal"/>
+        <a:font script="Telu" typeface="Gautami"/>
+        <a:font script="Taml" typeface="Latha"/>
+        <a:font script="Syrc" typeface="Estrangelo Edessa"/>
+        <a:font script="Orya" typeface="Kalinga"/>
+        <a:font script="Mlym" typeface="Kartika"/>
+        <a:font script="Laoo" typeface="DokChampa"/>
+        <a:font script="Sinh" typeface="Iskoola Pota"/>
+        <a:font script="Mong" typeface="Mongolian Baiti"/>
+        <a:font script="Viet" typeface="Arial"/>
+        <a:font script="Uigh" typeface="Microsoft Uighur"/>
+        <a:font script="Geor" typeface="Sylfaen"/>
+        <a:font script="Armn" typeface="Arial"/>
+        <a:font script="Bugi" typeface="Leelawadee UI"/>
+        <a:font script="Bopo" typeface="Microsoft JhengHei"/>
+        <a:font script="Java" typeface="Javanese Text"/>
+        <a:font script="Lisu" typeface="Segoe UI"/>
+        <a:font script="Mymr" typeface="Myanmar Text"/>
+        <a:font script="Nkoo" typeface="Ebrima"/>
+        <a:font script="Olck" typeface="Nirmala UI"/>
+        <a:font script="Osma" typeface="Ebrima"/>
+        <a:font script="Phag" typeface="Phagspa"/>
+        <a:font script="Syrn" typeface="Estrangelo Edessa"/>
+        <a:font script="Syrj" typeface="Estrangelo Edessa"/>
+        <a:font script="Syre" typeface="Estrangelo Edessa"/>
+        <a:font script="Sora" typeface="Nirmala UI"/>
+        <a:font script="Tale" typeface="Microsoft Tai Le"/>
+        <a:font script="Talu" typeface="Microsoft New Tai Lue"/>
+        <a:font script="Tfng" typeface="Ebrima"/>
+      </a:minorFont>
+    </a:fontScheme>
+    <a:fmtScheme name="Office">
+      <a:fillStyleLst>
+        <a:solidFill>
+          <a:schemeClr val="phClr"/>
+        </a:solidFill>
+        <a:gradFill rotWithShape="1">
+          <a:gsLst>
+            <a:gs pos="0">
+              <a:schemeClr val="phClr">
+                <a:lumMod val="110000"/>
+                <a:satMod val="105000"/>
+                <a:tint val="67000"/>
+              </a:schemeClr>
+            </a:gs>
+            <a:gs pos="50000">
+              <a:schemeClr val="phClr">
+                <a:lumMod val="105000"/>
+                <a:satMod val="103000"/>
+                <a:tint val="73000"/>
+              </a:schemeClr>
+            </a:gs>
+            <a:gs pos="100000">
+              <a:schemeClr val="phClr">
+                <a:lumMod val="105000"/>
+                <a:satMod val="109000"/>
+                <a:tint val="81000"/>
+              </a:schemeClr>
+            </a:gs>
+          </a:gsLst>
+          <a:lin ang="5400000" scaled="0"/>
+        </a:gradFill>
+        <a:gradFill rotWithShape="1">
+          <a:gsLst>
+            <a:gs pos="0">
+              <a:schemeClr val="phClr">
+                <a:satMod val="103000"/>
+                <a:lumMod val="102000"/>
+                <a:tint val="94000"/>
+              </a:schemeClr>
+            </a:gs>
+            <a:gs pos="50000">
+              <a:schemeClr val="phClr">
+                <a:satMod val="110000"/>
+                <a:lumMod val="100000"/>
+                <a:shade val="100000"/>
+              </a:schemeClr>
+            </a:gs>
+            <a:gs pos="100000">
+              <a:schemeClr val="phClr">
+                <a:lumMod val="99000"/>
+                <a:satMod val="120000"/>
+                <a:shade val="78000"/>
+              </a:schemeClr>
+            </a:gs>
+          </a:gsLst>
+          <a:lin ang="5400000" scaled="0"/>
+        </a:gradFill>
+      </a:fillStyleLst>
+      <a:lnStyleLst>
+        <a:ln w="6350" cap="flat" cmpd="sng" algn="ctr">
+          <a:solidFill>
+            <a:schemeClr val="phClr"/>
+          </a:solidFill>
+          <a:prstDash val="solid"/>
+          <a:miter lim="800000"/>
+        </a:ln>
+        <a:ln w="12700" cap="flat" cmpd="sng" algn="ctr">
+          <a:solidFill>
+            <a:schemeClr val="phClr"/>
+          </a:solidFill>
+          <a:prstDash val="solid"/>
+          <a:miter lim="800000"/>
+        </a:ln>
+        <a:ln w="19050" cap="flat" cmpd="sng" algn="ctr">
+          <a:solidFill>
+            <a:schemeClr val="phClr"/>
+          </a:solidFill>
+          <a:prstDash val="solid"/>
+          <a:miter lim="800000"/>
+        </a:ln>
+      </a:lnStyleLst>
+      <a:effectStyleLst>
+        <a:effectStyle>
+          <a:effectLst/>
+        </a:effectStyle>
+        <a:effectStyle>
+          <a:effectLst/>
+        </a:effectStyle>
+        <a:effectStyle>
+          <a:effectLst>
+            <a:outerShdw blurRad="57150" dist="19050" dir="5400000" algn="ctr" rotWithShape="0">
+              <a:srgbClr val="000000">
+                <a:alpha val="63000"/>
+              </a:srgbClr>
+            </a:outerShdw>
+          </a:effectLst>
+        </a:effectStyle>
+      </a:effectStyleLst>
+      <a:bgFillStyleLst>
+        <a:solidFill>
+          <a:schemeClr val="phClr"/>
+        </a:solidFill>
+        <a:solidFill>
+          <a:schemeClr val="phClr">
+            <a:tint val="95000"/>
+            <a:satMod val="170000"/>
+          </a:schemeClr>
+        </a:solidFill>
+        <a:gradFill rotWithShape="1">
+          <a:gsLst>
+            <a:gs pos="0">
+              <a:schemeClr val="phClr">
+                <a:tint val="93000"/>
+                <a:satMod val="150000"/>
+                <a:shade val="98000"/>
+                <a:lumMod val="102000"/>
+              </a:schemeClr>
+            </a:gs>
+            <a:gs pos="50000">
+              <a:schemeClr val="phClr">
+                <a:tint val="98000"/>
+                <a:satMod val="130000"/>
+                <a:shade val="90000"/>
+                <a:lumMod val="103000"/>
+              </a:schemeClr>
+            </a:gs>
+            <a:gs pos="100000">
+              <a:schemeClr val="phClr">
+                <a:shade val="63000"/>
+                <a:satMod val="120000"/>
+              </a:schemeClr>
+            </a:gs>
+          </a:gsLst>
+          <a:lin ang="5400000" scaled="0"/>
+        </a:gradFill>
+      </a:bgFillStyleLst>
+    </a:fmtScheme>
+  </a:themeElements>
+  <a:objectDefaults/>
+  <a:extraClrSchemeLst/>
+  <a:extLst>
+    <a:ext uri="{05A4C25C-085E-4340-85A3-A5531E510DB2}">
+      <thm15:themeFamily xmlns:thm15="http://schemas.microsoft.com/office/thememl/2012/main" name="Office Theme" id="{62F939B6-93AF-4DB8-9C6B-D6C7DFDC589F}" vid="{4A3C46E8-61CC-4603-A589-7422A47A8E4A}"/>
+    </a:ext>
+  </a:extLst>
+</a:theme>
 </file>
--- a/chapters/introduction/images/works.pptx
+++ b/chapters/introduction/images/works.pptx
@@ -5,12 +5,13 @@
     <p:sldMasterId id="2147483648" r:id="rId1"/>
   </p:sldMasterIdLst>
   <p:notesMasterIdLst>
-    <p:notesMasterId r:id="rId5"/>
+    <p:notesMasterId r:id="rId6"/>
   </p:notesMasterIdLst>
   <p:sldIdLst>
     <p:sldId id="256" r:id="rId2"/>
     <p:sldId id="257" r:id="rId3"/>
-    <p:sldId id="274" r:id="rId4"/>
+    <p:sldId id="275" r:id="rId4"/>
+    <p:sldId id="274" r:id="rId5"/>
   </p:sldIdLst>
   <p:sldSz cx="12192000" cy="6858000"/>
   <p:notesSz cx="6858000" cy="9144000"/>
@@ -535,7 +536,7 @@
             <a:fld id="{A51C0C35-A9A2-4EFD-9BAF-1E52E29E03D1}" type="slidenum">
               <a:rPr lang="de-CH" smtClean="0"/>
               <a:pPr/>
-              <a:t>3</a:t>
+              <a:t>4</a:t>
             </a:fld>
             <a:endParaRPr lang="de-CH" dirty="0"/>
           </a:p>
@@ -6444,7 +6445,7 @@
         <p:spPr>
           <a:xfrm>
             <a:off x="5563103" y="4126078"/>
-            <a:ext cx="1897186" cy="369332"/>
+            <a:ext cx="1767343" cy="369332"/>
           </a:xfrm>
           <a:prstGeom prst="rect">
             <a:avLst/>
@@ -6458,13 +6459,8 @@
           <a:p>
             <a:r>
               <a:rPr lang="en-US" dirty="0"/>
-              <a:t>Platform </a:t>
-            </a:r>
-            <a:r>
-              <a:rPr lang="en-US" dirty="0" err="1"/>
-              <a:t>identitity</a:t>
-            </a:r>
-            <a:endParaRPr lang="en-US" dirty="0"/>
+              <a:t>Platform identity</a:t>
+            </a:r>
           </a:p>
         </p:txBody>
       </p:sp>
@@ -7025,6 +7021,53 @@
           </a:p>
         </p:txBody>
       </p:sp>
+      <p:pic>
+        <p:nvPicPr>
+          <p:cNvPr id="61" name="Picture 4" descr="QEMU-icon | Brands QA - QZ">
+            <a:extLst>
+              <a:ext uri="{FF2B5EF4-FFF2-40B4-BE49-F238E27FC236}">
+                <a16:creationId xmlns:a16="http://schemas.microsoft.com/office/drawing/2014/main" id="{FF27402E-FA0C-4BE0-9ABC-D36272D22A5B}"/>
+              </a:ext>
+            </a:extLst>
+          </p:cNvPr>
+          <p:cNvPicPr>
+            <a:picLocks noChangeAspect="1" noChangeArrowheads="1"/>
+          </p:cNvPicPr>
+          <p:nvPr/>
+        </p:nvPicPr>
+        <p:blipFill>
+          <a:blip r:embed="rId16">
+            <a:extLst>
+              <a:ext uri="{28A0092B-C50C-407E-A947-70E740481C1C}">
+                <a14:useLocalDpi xmlns:a14="http://schemas.microsoft.com/office/drawing/2010/main" val="0"/>
+              </a:ext>
+            </a:extLst>
+          </a:blip>
+          <a:srcRect/>
+          <a:stretch>
+            <a:fillRect/>
+          </a:stretch>
+        </p:blipFill>
+        <p:spPr bwMode="auto">
+          <a:xfrm>
+            <a:off x="5571879" y="3154540"/>
+            <a:ext cx="522736" cy="522736"/>
+          </a:xfrm>
+          <a:prstGeom prst="rect">
+            <a:avLst/>
+          </a:prstGeom>
+          <a:noFill/>
+          <a:extLst>
+            <a:ext uri="{909E8E84-426E-40DD-AFC4-6F175D3DCCD1}">
+              <a14:hiddenFill xmlns:a14="http://schemas.microsoft.com/office/drawing/2010/main">
+                <a:solidFill>
+                  <a:srgbClr val="FFFFFF"/>
+                </a:solidFill>
+              </a14:hiddenFill>
+            </a:ext>
+          </a:extLst>
+        </p:spPr>
+      </p:pic>
     </p:spTree>
     <p:extLst>
       <p:ext uri="{BB962C8B-B14F-4D97-AF65-F5344CB8AC3E}">
@@ -7039,6 +7082,1460 @@
 </file>
 
 <file path=ppt/slides/slide3.xml><?xml version="1.0" encoding="utf-8"?>
+<p:sld xmlns:a="http://schemas.openxmlformats.org/drawingml/2006/main" xmlns:r="http://schemas.openxmlformats.org/officeDocument/2006/relationships" xmlns:p="http://schemas.openxmlformats.org/presentationml/2006/main">
+  <p:cSld>
+    <p:spTree>
+      <p:nvGrpSpPr>
+        <p:cNvPr id="1" name=""/>
+        <p:cNvGrpSpPr/>
+        <p:nvPr/>
+      </p:nvGrpSpPr>
+      <p:grpSpPr>
+        <a:xfrm>
+          <a:off x="0" y="0"/>
+          <a:ext cx="0" cy="0"/>
+          <a:chOff x="0" y="0"/>
+          <a:chExt cx="0" cy="0"/>
+        </a:xfrm>
+      </p:grpSpPr>
+      <p:sp>
+        <p:nvSpPr>
+          <p:cNvPr id="46" name="Rectangle 45">
+            <a:extLst>
+              <a:ext uri="{FF2B5EF4-FFF2-40B4-BE49-F238E27FC236}">
+                <a16:creationId xmlns:a16="http://schemas.microsoft.com/office/drawing/2014/main" id="{BEF52DC0-B779-4EC2-BCFB-3F6AD9137990}"/>
+              </a:ext>
+            </a:extLst>
+          </p:cNvPr>
+          <p:cNvSpPr/>
+          <p:nvPr/>
+        </p:nvSpPr>
+        <p:spPr>
+          <a:xfrm>
+            <a:off x="4575015" y="283036"/>
+            <a:ext cx="2457670" cy="1883148"/>
+          </a:xfrm>
+          <a:prstGeom prst="rect">
+            <a:avLst/>
+          </a:prstGeom>
+          <a:noFill/>
+          <a:ln w="38100">
+            <a:solidFill>
+              <a:srgbClr val="ED8B1F"/>
+            </a:solidFill>
+          </a:ln>
+        </p:spPr>
+        <p:style>
+          <a:lnRef idx="2">
+            <a:schemeClr val="accent1">
+              <a:shade val="50000"/>
+            </a:schemeClr>
+          </a:lnRef>
+          <a:fillRef idx="1">
+            <a:schemeClr val="accent1"/>
+          </a:fillRef>
+          <a:effectRef idx="0">
+            <a:schemeClr val="accent1"/>
+          </a:effectRef>
+          <a:fontRef idx="minor">
+            <a:schemeClr val="lt1"/>
+          </a:fontRef>
+        </p:style>
+        <p:txBody>
+          <a:bodyPr rtlCol="0" anchor="ctr"/>
+          <a:lstStyle/>
+          <a:p>
+            <a:pPr algn="ctr"/>
+            <a:endParaRPr lang="en-US"/>
+          </a:p>
+        </p:txBody>
+      </p:sp>
+      <p:sp>
+        <p:nvSpPr>
+          <p:cNvPr id="55" name="Rectangle 54">
+            <a:extLst>
+              <a:ext uri="{FF2B5EF4-FFF2-40B4-BE49-F238E27FC236}">
+                <a16:creationId xmlns:a16="http://schemas.microsoft.com/office/drawing/2014/main" id="{09936526-4BFA-4ECF-AB6E-89F1015579CA}"/>
+              </a:ext>
+            </a:extLst>
+          </p:cNvPr>
+          <p:cNvSpPr/>
+          <p:nvPr/>
+        </p:nvSpPr>
+        <p:spPr>
+          <a:xfrm>
+            <a:off x="3488944" y="3147566"/>
+            <a:ext cx="5604849" cy="813482"/>
+          </a:xfrm>
+          <a:prstGeom prst="rect">
+            <a:avLst/>
+          </a:prstGeom>
+          <a:noFill/>
+          <a:ln w="38100">
+            <a:solidFill>
+              <a:srgbClr val="C991CF"/>
+            </a:solidFill>
+          </a:ln>
+        </p:spPr>
+        <p:style>
+          <a:lnRef idx="2">
+            <a:schemeClr val="accent1">
+              <a:shade val="50000"/>
+            </a:schemeClr>
+          </a:lnRef>
+          <a:fillRef idx="1">
+            <a:schemeClr val="accent1"/>
+          </a:fillRef>
+          <a:effectRef idx="0">
+            <a:schemeClr val="accent1"/>
+          </a:effectRef>
+          <a:fontRef idx="minor">
+            <a:schemeClr val="lt1"/>
+          </a:fontRef>
+        </p:style>
+        <p:txBody>
+          <a:bodyPr rtlCol="0" anchor="ctr"/>
+          <a:lstStyle/>
+          <a:p>
+            <a:pPr algn="ctr"/>
+            <a:endParaRPr lang="en-US"/>
+          </a:p>
+        </p:txBody>
+      </p:sp>
+      <p:pic>
+        <p:nvPicPr>
+          <p:cNvPr id="7" name="Picture 6">
+            <a:extLst>
+              <a:ext uri="{FF2B5EF4-FFF2-40B4-BE49-F238E27FC236}">
+                <a16:creationId xmlns:a16="http://schemas.microsoft.com/office/drawing/2014/main" id="{848DFF74-B28B-44B2-B71A-052AB5AF7E14}"/>
+              </a:ext>
+            </a:extLst>
+          </p:cNvPr>
+          <p:cNvPicPr>
+            <a:picLocks noChangeAspect="1"/>
+          </p:cNvPicPr>
+          <p:nvPr/>
+        </p:nvPicPr>
+        <p:blipFill rotWithShape="1">
+          <a:blip r:embed="rId2" cstate="print">
+            <a:grayscl/>
+            <a:extLst>
+              <a:ext uri="{28A0092B-C50C-407E-A947-70E740481C1C}">
+                <a14:useLocalDpi xmlns:a14="http://schemas.microsoft.com/office/drawing/2010/main" val="0"/>
+              </a:ext>
+            </a:extLst>
+          </a:blip>
+          <a:srcRect t="9232" b="8798"/>
+          <a:stretch/>
+        </p:blipFill>
+        <p:spPr>
+          <a:xfrm>
+            <a:off x="8118555" y="1785214"/>
+            <a:ext cx="876060" cy="718107"/>
+          </a:xfrm>
+          <a:prstGeom prst="rect">
+            <a:avLst/>
+          </a:prstGeom>
+        </p:spPr>
+      </p:pic>
+      <p:pic>
+        <p:nvPicPr>
+          <p:cNvPr id="8" name="Picture 7">
+            <a:extLst>
+              <a:ext uri="{FF2B5EF4-FFF2-40B4-BE49-F238E27FC236}">
+                <a16:creationId xmlns:a16="http://schemas.microsoft.com/office/drawing/2014/main" id="{09875AF3-F368-4CBE-92D7-73455FE01A2B}"/>
+              </a:ext>
+            </a:extLst>
+          </p:cNvPr>
+          <p:cNvPicPr>
+            <a:picLocks noChangeAspect="1"/>
+          </p:cNvPicPr>
+          <p:nvPr/>
+        </p:nvPicPr>
+        <p:blipFill>
+          <a:blip r:embed="rId3" cstate="print">
+            <a:extLst>
+              <a:ext uri="{28A0092B-C50C-407E-A947-70E740481C1C}">
+                <a14:useLocalDpi xmlns:a14="http://schemas.microsoft.com/office/drawing/2010/main" val="0"/>
+              </a:ext>
+            </a:extLst>
+          </a:blip>
+          <a:stretch>
+            <a:fillRect/>
+          </a:stretch>
+        </p:blipFill>
+        <p:spPr>
+          <a:xfrm>
+            <a:off x="8118554" y="3086496"/>
+            <a:ext cx="810372" cy="810372"/>
+          </a:xfrm>
+          <a:prstGeom prst="rect">
+            <a:avLst/>
+          </a:prstGeom>
+        </p:spPr>
+      </p:pic>
+      <p:pic>
+        <p:nvPicPr>
+          <p:cNvPr id="9" name="Picture 8">
+            <a:extLst>
+              <a:ext uri="{FF2B5EF4-FFF2-40B4-BE49-F238E27FC236}">
+                <a16:creationId xmlns:a16="http://schemas.microsoft.com/office/drawing/2014/main" id="{84C82EC0-9279-40D6-8A70-6467238EE290}"/>
+              </a:ext>
+            </a:extLst>
+          </p:cNvPr>
+          <p:cNvPicPr>
+            <a:picLocks noChangeAspect="1"/>
+          </p:cNvPicPr>
+          <p:nvPr/>
+        </p:nvPicPr>
+        <p:blipFill rotWithShape="1">
+          <a:blip r:embed="rId4" cstate="print">
+            <a:extLst>
+              <a:ext uri="{28A0092B-C50C-407E-A947-70E740481C1C}">
+                <a14:useLocalDpi xmlns:a14="http://schemas.microsoft.com/office/drawing/2010/main" val="0"/>
+              </a:ext>
+            </a:extLst>
+          </a:blip>
+          <a:srcRect t="10926" b="10939"/>
+          <a:stretch/>
+        </p:blipFill>
+        <p:spPr>
+          <a:xfrm>
+            <a:off x="8118555" y="185585"/>
+            <a:ext cx="975239" cy="762000"/>
+          </a:xfrm>
+          <a:prstGeom prst="rect">
+            <a:avLst/>
+          </a:prstGeom>
+        </p:spPr>
+      </p:pic>
+      <p:sp>
+        <p:nvSpPr>
+          <p:cNvPr id="10" name="Rectangle: Rounded Corners 9">
+            <a:extLst>
+              <a:ext uri="{FF2B5EF4-FFF2-40B4-BE49-F238E27FC236}">
+                <a16:creationId xmlns:a16="http://schemas.microsoft.com/office/drawing/2014/main" id="{8971B676-E4BF-4451-9F5C-D185AD82A6AC}"/>
+              </a:ext>
+            </a:extLst>
+          </p:cNvPr>
+          <p:cNvSpPr/>
+          <p:nvPr/>
+        </p:nvSpPr>
+        <p:spPr>
+          <a:xfrm>
+            <a:off x="1913549" y="239268"/>
+            <a:ext cx="5404666" cy="3810000"/>
+          </a:xfrm>
+          <a:prstGeom prst="roundRect">
+            <a:avLst>
+              <a:gd name="adj" fmla="val 3300"/>
+            </a:avLst>
+          </a:prstGeom>
+          <a:noFill/>
+          <a:ln w="28575">
+            <a:solidFill>
+              <a:schemeClr val="tx1"/>
+            </a:solidFill>
+          </a:ln>
+        </p:spPr>
+        <p:style>
+          <a:lnRef idx="2">
+            <a:schemeClr val="accent1">
+              <a:shade val="50000"/>
+            </a:schemeClr>
+          </a:lnRef>
+          <a:fillRef idx="1">
+            <a:schemeClr val="accent1"/>
+          </a:fillRef>
+          <a:effectRef idx="0">
+            <a:schemeClr val="accent1"/>
+          </a:effectRef>
+          <a:fontRef idx="minor">
+            <a:schemeClr val="lt1"/>
+          </a:fontRef>
+        </p:style>
+        <p:txBody>
+          <a:bodyPr rtlCol="0" anchor="ctr"/>
+          <a:lstStyle/>
+          <a:p>
+            <a:pPr algn="ctr"/>
+            <a:endParaRPr lang="en-US"/>
+          </a:p>
+        </p:txBody>
+      </p:sp>
+      <p:pic>
+        <p:nvPicPr>
+          <p:cNvPr id="11" name="Picture 10">
+            <a:extLst>
+              <a:ext uri="{FF2B5EF4-FFF2-40B4-BE49-F238E27FC236}">
+                <a16:creationId xmlns:a16="http://schemas.microsoft.com/office/drawing/2014/main" id="{84AD1172-153E-4483-BDF0-B3C3F4D9D538}"/>
+              </a:ext>
+            </a:extLst>
+          </p:cNvPr>
+          <p:cNvPicPr>
+            <a:picLocks noChangeAspect="1"/>
+          </p:cNvPicPr>
+          <p:nvPr/>
+        </p:nvPicPr>
+        <p:blipFill>
+          <a:blip r:embed="rId5" cstate="print">
+            <a:extLst>
+              <a:ext uri="{28A0092B-C50C-407E-A947-70E740481C1C}">
+                <a14:useLocalDpi xmlns:a14="http://schemas.microsoft.com/office/drawing/2010/main" val="0"/>
+              </a:ext>
+            </a:extLst>
+          </a:blip>
+          <a:stretch>
+            <a:fillRect/>
+          </a:stretch>
+        </p:blipFill>
+        <p:spPr>
+          <a:xfrm>
+            <a:off x="3736815" y="3211068"/>
+            <a:ext cx="736194" cy="736194"/>
+          </a:xfrm>
+          <a:prstGeom prst="rect">
+            <a:avLst/>
+          </a:prstGeom>
+        </p:spPr>
+      </p:pic>
+      <p:sp>
+        <p:nvSpPr>
+          <p:cNvPr id="12" name="Rectangle: Rounded Corners 11">
+            <a:extLst>
+              <a:ext uri="{FF2B5EF4-FFF2-40B4-BE49-F238E27FC236}">
+                <a16:creationId xmlns:a16="http://schemas.microsoft.com/office/drawing/2014/main" id="{B89AAB3D-B34A-4174-8049-1215C04C974B}"/>
+              </a:ext>
+            </a:extLst>
+          </p:cNvPr>
+          <p:cNvSpPr/>
+          <p:nvPr/>
+        </p:nvSpPr>
+        <p:spPr>
+          <a:xfrm>
+            <a:off x="2237281" y="2296668"/>
+            <a:ext cx="4852333" cy="736194"/>
+          </a:xfrm>
+          <a:prstGeom prst="roundRect">
+            <a:avLst>
+              <a:gd name="adj" fmla="val 3300"/>
+            </a:avLst>
+          </a:prstGeom>
+          <a:noFill/>
+          <a:ln w="28575">
+            <a:solidFill>
+              <a:schemeClr val="tx1"/>
+            </a:solidFill>
+          </a:ln>
+        </p:spPr>
+        <p:style>
+          <a:lnRef idx="2">
+            <a:schemeClr val="accent1">
+              <a:shade val="50000"/>
+            </a:schemeClr>
+          </a:lnRef>
+          <a:fillRef idx="1">
+            <a:schemeClr val="accent1"/>
+          </a:fillRef>
+          <a:effectRef idx="0">
+            <a:schemeClr val="accent1"/>
+          </a:effectRef>
+          <a:fontRef idx="minor">
+            <a:schemeClr val="lt1"/>
+          </a:fontRef>
+        </p:style>
+        <p:txBody>
+          <a:bodyPr rtlCol="0" anchor="ctr"/>
+          <a:lstStyle/>
+          <a:p>
+            <a:pPr algn="ctr"/>
+            <a:endParaRPr lang="en-US"/>
+          </a:p>
+        </p:txBody>
+      </p:sp>
+      <p:pic>
+        <p:nvPicPr>
+          <p:cNvPr id="13" name="Picture 6" descr="AMD, Nvidia ramp up Linux driver support after Valve's ...">
+            <a:extLst>
+              <a:ext uri="{FF2B5EF4-FFF2-40B4-BE49-F238E27FC236}">
+                <a16:creationId xmlns:a16="http://schemas.microsoft.com/office/drawing/2014/main" id="{CFABB082-B674-441E-AC3C-F56CD599C6F9}"/>
+              </a:ext>
+            </a:extLst>
+          </p:cNvPr>
+          <p:cNvPicPr>
+            <a:picLocks noChangeAspect="1" noChangeArrowheads="1"/>
+          </p:cNvPicPr>
+          <p:nvPr/>
+        </p:nvPicPr>
+        <p:blipFill rotWithShape="1">
+          <a:blip r:embed="rId6" cstate="print">
+            <a:extLst>
+              <a:ext uri="{28A0092B-C50C-407E-A947-70E740481C1C}">
+                <a14:useLocalDpi xmlns:a14="http://schemas.microsoft.com/office/drawing/2010/main" val="0"/>
+              </a:ext>
+            </a:extLst>
+          </a:blip>
+          <a:srcRect l="20869" r="22475"/>
+          <a:stretch/>
+        </p:blipFill>
+        <p:spPr bwMode="auto">
+          <a:xfrm>
+            <a:off x="3405287" y="2372868"/>
+            <a:ext cx="478047" cy="564446"/>
+          </a:xfrm>
+          <a:prstGeom prst="rect">
+            <a:avLst/>
+          </a:prstGeom>
+          <a:noFill/>
+          <a:extLst>
+            <a:ext uri="{909E8E84-426E-40DD-AFC4-6F175D3DCCD1}">
+              <a14:hiddenFill xmlns:a14="http://schemas.microsoft.com/office/drawing/2010/main">
+                <a:solidFill>
+                  <a:srgbClr val="FFFFFF"/>
+                </a:solidFill>
+              </a14:hiddenFill>
+            </a:ext>
+          </a:extLst>
+        </p:spPr>
+      </p:pic>
+      <p:pic>
+        <p:nvPicPr>
+          <p:cNvPr id="14" name="Picture 13">
+            <a:extLst>
+              <a:ext uri="{FF2B5EF4-FFF2-40B4-BE49-F238E27FC236}">
+                <a16:creationId xmlns:a16="http://schemas.microsoft.com/office/drawing/2014/main" id="{7D8FB287-FDB1-4674-9F86-27FE5BB692BA}"/>
+              </a:ext>
+            </a:extLst>
+          </p:cNvPr>
+          <p:cNvPicPr>
+            <a:picLocks noChangeAspect="1"/>
+          </p:cNvPicPr>
+          <p:nvPr/>
+        </p:nvPicPr>
+        <p:blipFill>
+          <a:blip r:embed="rId7" cstate="print">
+            <a:extLst>
+              <a:ext uri="{28A0092B-C50C-407E-A947-70E740481C1C}">
+                <a14:useLocalDpi xmlns:a14="http://schemas.microsoft.com/office/drawing/2010/main" val="0"/>
+              </a:ext>
+            </a:extLst>
+          </a:blip>
+          <a:stretch>
+            <a:fillRect/>
+          </a:stretch>
+        </p:blipFill>
+        <p:spPr>
+          <a:xfrm>
+            <a:off x="4243487" y="2430972"/>
+            <a:ext cx="467585" cy="467585"/>
+          </a:xfrm>
+          <a:prstGeom prst="rect">
+            <a:avLst/>
+          </a:prstGeom>
+        </p:spPr>
+      </p:pic>
+      <p:pic>
+        <p:nvPicPr>
+          <p:cNvPr id="15" name="Picture 14">
+            <a:extLst>
+              <a:ext uri="{FF2B5EF4-FFF2-40B4-BE49-F238E27FC236}">
+                <a16:creationId xmlns:a16="http://schemas.microsoft.com/office/drawing/2014/main" id="{8CB2927C-E8D7-49B4-91F4-D9CCA92A584A}"/>
+              </a:ext>
+            </a:extLst>
+          </p:cNvPr>
+          <p:cNvPicPr>
+            <a:picLocks noChangeAspect="1"/>
+          </p:cNvPicPr>
+          <p:nvPr/>
+        </p:nvPicPr>
+        <p:blipFill>
+          <a:blip r:embed="rId8" cstate="print">
+            <a:extLst>
+              <a:ext uri="{28A0092B-C50C-407E-A947-70E740481C1C}">
+                <a14:useLocalDpi xmlns:a14="http://schemas.microsoft.com/office/drawing/2010/main" val="0"/>
+              </a:ext>
+            </a:extLst>
+          </a:blip>
+          <a:stretch>
+            <a:fillRect/>
+          </a:stretch>
+        </p:blipFill>
+        <p:spPr>
+          <a:xfrm>
+            <a:off x="1994518" y="2667540"/>
+            <a:ext cx="480026" cy="480026"/>
+          </a:xfrm>
+          <a:prstGeom prst="rect">
+            <a:avLst/>
+          </a:prstGeom>
+        </p:spPr>
+      </p:pic>
+      <p:grpSp>
+        <p:nvGrpSpPr>
+          <p:cNvPr id="16" name="Group 15">
+            <a:extLst>
+              <a:ext uri="{FF2B5EF4-FFF2-40B4-BE49-F238E27FC236}">
+                <a16:creationId xmlns:a16="http://schemas.microsoft.com/office/drawing/2014/main" id="{58AB6E98-C54A-475C-8698-73BE3FBB6A72}"/>
+              </a:ext>
+            </a:extLst>
+          </p:cNvPr>
+          <p:cNvGrpSpPr/>
+          <p:nvPr/>
+        </p:nvGrpSpPr>
+        <p:grpSpPr>
+          <a:xfrm>
+            <a:off x="5260815" y="390452"/>
+            <a:ext cx="1182721" cy="1182721"/>
+            <a:chOff x="8989219" y="2308605"/>
+            <a:chExt cx="1599895" cy="1599895"/>
+          </a:xfrm>
+        </p:grpSpPr>
+        <p:pic>
+          <p:nvPicPr>
+            <p:cNvPr id="17" name="Picture 16">
+              <a:extLst>
+                <a:ext uri="{FF2B5EF4-FFF2-40B4-BE49-F238E27FC236}">
+                  <a16:creationId xmlns:a16="http://schemas.microsoft.com/office/drawing/2014/main" id="{87B3E5CA-7691-4CCD-B9C0-CFE154831A8C}"/>
+                </a:ext>
+              </a:extLst>
+            </p:cNvPr>
+            <p:cNvPicPr>
+              <a:picLocks noChangeAspect="1"/>
+            </p:cNvPicPr>
+            <p:nvPr/>
+          </p:nvPicPr>
+          <p:blipFill>
+            <a:blip r:embed="rId9" cstate="print">
+              <a:extLst>
+                <a:ext uri="{28A0092B-C50C-407E-A947-70E740481C1C}">
+                  <a14:useLocalDpi xmlns:a14="http://schemas.microsoft.com/office/drawing/2010/main" val="0"/>
+                </a:ext>
+              </a:extLst>
+            </a:blip>
+            <a:stretch>
+              <a:fillRect/>
+            </a:stretch>
+          </p:blipFill>
+          <p:spPr>
+            <a:xfrm>
+              <a:off x="8989219" y="2308605"/>
+              <a:ext cx="1599895" cy="1599895"/>
+            </a:xfrm>
+            <a:prstGeom prst="rect">
+              <a:avLst/>
+            </a:prstGeom>
+          </p:spPr>
+        </p:pic>
+        <p:sp>
+          <p:nvSpPr>
+            <p:cNvPr id="18" name="Rectangle 17">
+              <a:extLst>
+                <a:ext uri="{FF2B5EF4-FFF2-40B4-BE49-F238E27FC236}">
+                  <a16:creationId xmlns:a16="http://schemas.microsoft.com/office/drawing/2014/main" id="{4EEEAF65-C8A8-445F-9F18-2B33EC5CD89C}"/>
+                </a:ext>
+              </a:extLst>
+            </p:cNvPr>
+            <p:cNvSpPr/>
+            <p:nvPr/>
+          </p:nvSpPr>
+          <p:spPr>
+            <a:xfrm>
+              <a:off x="10056019" y="2362200"/>
+              <a:ext cx="152400" cy="152400"/>
+            </a:xfrm>
+            <a:prstGeom prst="rect">
+              <a:avLst/>
+            </a:prstGeom>
+            <a:solidFill>
+              <a:schemeClr val="bg1"/>
+            </a:solidFill>
+            <a:ln>
+              <a:noFill/>
+            </a:ln>
+          </p:spPr>
+          <p:style>
+            <a:lnRef idx="2">
+              <a:schemeClr val="accent1">
+                <a:shade val="50000"/>
+              </a:schemeClr>
+            </a:lnRef>
+            <a:fillRef idx="1">
+              <a:schemeClr val="accent1"/>
+            </a:fillRef>
+            <a:effectRef idx="0">
+              <a:schemeClr val="accent1"/>
+            </a:effectRef>
+            <a:fontRef idx="minor">
+              <a:schemeClr val="lt1"/>
+            </a:fontRef>
+          </p:style>
+          <p:txBody>
+            <a:bodyPr rtlCol="0" anchor="ctr"/>
+            <a:lstStyle/>
+            <a:p>
+              <a:pPr algn="ctr"/>
+              <a:endParaRPr lang="en-US"/>
+            </a:p>
+          </p:txBody>
+        </p:sp>
+        <p:sp>
+          <p:nvSpPr>
+            <p:cNvPr id="19" name="Rectangle 18">
+              <a:extLst>
+                <a:ext uri="{FF2B5EF4-FFF2-40B4-BE49-F238E27FC236}">
+                  <a16:creationId xmlns:a16="http://schemas.microsoft.com/office/drawing/2014/main" id="{04CECACB-0633-43F4-B465-17ACAE6CAF14}"/>
+                </a:ext>
+              </a:extLst>
+            </p:cNvPr>
+            <p:cNvSpPr/>
+            <p:nvPr/>
+          </p:nvSpPr>
+          <p:spPr>
+            <a:xfrm>
+              <a:off x="10170679" y="2362200"/>
+              <a:ext cx="152400" cy="457200"/>
+            </a:xfrm>
+            <a:prstGeom prst="rect">
+              <a:avLst/>
+            </a:prstGeom>
+            <a:solidFill>
+              <a:schemeClr val="bg1"/>
+            </a:solidFill>
+            <a:ln>
+              <a:noFill/>
+            </a:ln>
+          </p:spPr>
+          <p:style>
+            <a:lnRef idx="2">
+              <a:schemeClr val="accent1">
+                <a:shade val="50000"/>
+              </a:schemeClr>
+            </a:lnRef>
+            <a:fillRef idx="1">
+              <a:schemeClr val="accent1"/>
+            </a:fillRef>
+            <a:effectRef idx="0">
+              <a:schemeClr val="accent1"/>
+            </a:effectRef>
+            <a:fontRef idx="minor">
+              <a:schemeClr val="lt1"/>
+            </a:fontRef>
+          </p:style>
+          <p:txBody>
+            <a:bodyPr rtlCol="0" anchor="ctr"/>
+            <a:lstStyle/>
+            <a:p>
+              <a:pPr algn="ctr"/>
+              <a:endParaRPr lang="en-US"/>
+            </a:p>
+          </p:txBody>
+        </p:sp>
+        <p:sp>
+          <p:nvSpPr>
+            <p:cNvPr id="20" name="Rectangle 19">
+              <a:extLst>
+                <a:ext uri="{FF2B5EF4-FFF2-40B4-BE49-F238E27FC236}">
+                  <a16:creationId xmlns:a16="http://schemas.microsoft.com/office/drawing/2014/main" id="{C53862DF-79C8-49D4-8F55-5346C915E368}"/>
+                </a:ext>
+              </a:extLst>
+            </p:cNvPr>
+            <p:cNvSpPr/>
+            <p:nvPr/>
+          </p:nvSpPr>
+          <p:spPr>
+            <a:xfrm>
+              <a:off x="9141619" y="3382687"/>
+              <a:ext cx="228600" cy="457200"/>
+            </a:xfrm>
+            <a:prstGeom prst="rect">
+              <a:avLst/>
+            </a:prstGeom>
+            <a:solidFill>
+              <a:schemeClr val="bg1"/>
+            </a:solidFill>
+            <a:ln>
+              <a:noFill/>
+            </a:ln>
+          </p:spPr>
+          <p:style>
+            <a:lnRef idx="2">
+              <a:schemeClr val="accent1">
+                <a:shade val="50000"/>
+              </a:schemeClr>
+            </a:lnRef>
+            <a:fillRef idx="1">
+              <a:schemeClr val="accent1"/>
+            </a:fillRef>
+            <a:effectRef idx="0">
+              <a:schemeClr val="accent1"/>
+            </a:effectRef>
+            <a:fontRef idx="minor">
+              <a:schemeClr val="lt1"/>
+            </a:fontRef>
+          </p:style>
+          <p:txBody>
+            <a:bodyPr rtlCol="0" anchor="ctr"/>
+            <a:lstStyle/>
+            <a:p>
+              <a:pPr algn="ctr"/>
+              <a:endParaRPr lang="en-US"/>
+            </a:p>
+          </p:txBody>
+        </p:sp>
+      </p:grpSp>
+      <p:sp>
+        <p:nvSpPr>
+          <p:cNvPr id="21" name="TextBox 20">
+            <a:extLst>
+              <a:ext uri="{FF2B5EF4-FFF2-40B4-BE49-F238E27FC236}">
+                <a16:creationId xmlns:a16="http://schemas.microsoft.com/office/drawing/2014/main" id="{1EFAC235-3863-4F1F-B61D-915D47B176E8}"/>
+              </a:ext>
+            </a:extLst>
+          </p:cNvPr>
+          <p:cNvSpPr txBox="1"/>
+          <p:nvPr/>
+        </p:nvSpPr>
+        <p:spPr>
+          <a:xfrm>
+            <a:off x="4660850" y="1605140"/>
+            <a:ext cx="2286000" cy="584775"/>
+          </a:xfrm>
+          <a:prstGeom prst="rect">
+            <a:avLst/>
+          </a:prstGeom>
+          <a:noFill/>
+        </p:spPr>
+        <p:txBody>
+          <a:bodyPr wrap="square" rtlCol="0">
+            <a:spAutoFit/>
+          </a:bodyPr>
+          <a:lstStyle/>
+          <a:p>
+            <a:pPr algn="ctr"/>
+            <a:r>
+              <a:rPr lang="en-US" sz="1600" b="1" dirty="0"/>
+              <a:t>RQ1/RQ2 </a:t>
+            </a:r>
+            <a:r>
+              <a:rPr lang="en-US" sz="1600" dirty="0"/>
+              <a:t>Remote trusted path application</a:t>
+            </a:r>
+          </a:p>
+        </p:txBody>
+      </p:sp>
+      <p:cxnSp>
+        <p:nvCxnSpPr>
+          <p:cNvPr id="22" name="Connector: Elbow 21">
+            <a:extLst>
+              <a:ext uri="{FF2B5EF4-FFF2-40B4-BE49-F238E27FC236}">
+                <a16:creationId xmlns:a16="http://schemas.microsoft.com/office/drawing/2014/main" id="{4BEC5AB8-A8C8-46B4-8BD5-176470CFB2E8}"/>
+              </a:ext>
+            </a:extLst>
+          </p:cNvPr>
+          <p:cNvCxnSpPr>
+            <a:cxnSpLocks/>
+            <a:stCxn id="10" idx="3"/>
+            <a:endCxn id="9" idx="1"/>
+          </p:cNvCxnSpPr>
+          <p:nvPr/>
+        </p:nvCxnSpPr>
+        <p:spPr>
+          <a:xfrm flipV="1">
+            <a:off x="7318215" y="566585"/>
+            <a:ext cx="800340" cy="1577683"/>
+          </a:xfrm>
+          <a:prstGeom prst="bentConnector3">
+            <a:avLst/>
+          </a:prstGeom>
+          <a:ln w="12700" cap="sq">
+            <a:solidFill>
+              <a:schemeClr val="tx1"/>
+            </a:solidFill>
+            <a:round/>
+            <a:headEnd type="triangle"/>
+            <a:tailEnd type="triangle"/>
+          </a:ln>
+        </p:spPr>
+        <p:style>
+          <a:lnRef idx="1">
+            <a:schemeClr val="accent1"/>
+          </a:lnRef>
+          <a:fillRef idx="0">
+            <a:schemeClr val="accent1"/>
+          </a:fillRef>
+          <a:effectRef idx="0">
+            <a:schemeClr val="accent1"/>
+          </a:effectRef>
+          <a:fontRef idx="minor">
+            <a:schemeClr val="tx1"/>
+          </a:fontRef>
+        </p:style>
+      </p:cxnSp>
+      <p:cxnSp>
+        <p:nvCxnSpPr>
+          <p:cNvPr id="23" name="Connector: Elbow 22">
+            <a:extLst>
+              <a:ext uri="{FF2B5EF4-FFF2-40B4-BE49-F238E27FC236}">
+                <a16:creationId xmlns:a16="http://schemas.microsoft.com/office/drawing/2014/main" id="{28DC9E3D-0BB9-4394-BD64-707AB4C6499D}"/>
+              </a:ext>
+            </a:extLst>
+          </p:cNvPr>
+          <p:cNvCxnSpPr>
+            <a:cxnSpLocks/>
+            <a:stCxn id="10" idx="3"/>
+            <a:endCxn id="8" idx="1"/>
+          </p:cNvCxnSpPr>
+          <p:nvPr/>
+        </p:nvCxnSpPr>
+        <p:spPr>
+          <a:xfrm>
+            <a:off x="7318215" y="2144268"/>
+            <a:ext cx="800339" cy="1347414"/>
+          </a:xfrm>
+          <a:prstGeom prst="bentConnector3">
+            <a:avLst>
+              <a:gd name="adj1" fmla="val 50000"/>
+            </a:avLst>
+          </a:prstGeom>
+          <a:ln w="12700" cap="sq">
+            <a:solidFill>
+              <a:schemeClr val="tx1"/>
+            </a:solidFill>
+            <a:round/>
+            <a:headEnd type="triangle"/>
+            <a:tailEnd type="triangle"/>
+          </a:ln>
+        </p:spPr>
+        <p:style>
+          <a:lnRef idx="1">
+            <a:schemeClr val="accent1"/>
+          </a:lnRef>
+          <a:fillRef idx="0">
+            <a:schemeClr val="accent1"/>
+          </a:fillRef>
+          <a:effectRef idx="0">
+            <a:schemeClr val="accent1"/>
+          </a:effectRef>
+          <a:fontRef idx="minor">
+            <a:schemeClr val="tx1"/>
+          </a:fontRef>
+        </p:style>
+      </p:cxnSp>
+      <p:cxnSp>
+        <p:nvCxnSpPr>
+          <p:cNvPr id="24" name="Straight Arrow Connector 23">
+            <a:extLst>
+              <a:ext uri="{FF2B5EF4-FFF2-40B4-BE49-F238E27FC236}">
+                <a16:creationId xmlns:a16="http://schemas.microsoft.com/office/drawing/2014/main" id="{9E004D7C-DFCB-470E-BF6C-36C363629D0E}"/>
+              </a:ext>
+            </a:extLst>
+          </p:cNvPr>
+          <p:cNvCxnSpPr>
+            <a:cxnSpLocks/>
+            <a:stCxn id="10" idx="3"/>
+            <a:endCxn id="7" idx="1"/>
+          </p:cNvCxnSpPr>
+          <p:nvPr/>
+        </p:nvCxnSpPr>
+        <p:spPr>
+          <a:xfrm>
+            <a:off x="7318215" y="2144268"/>
+            <a:ext cx="800340" cy="0"/>
+          </a:xfrm>
+          <a:prstGeom prst="straightConnector1">
+            <a:avLst/>
+          </a:prstGeom>
+          <a:ln w="12700" cap="sq">
+            <a:solidFill>
+              <a:schemeClr val="tx1"/>
+            </a:solidFill>
+            <a:round/>
+            <a:headEnd type="triangle"/>
+            <a:tailEnd type="triangle"/>
+          </a:ln>
+        </p:spPr>
+        <p:style>
+          <a:lnRef idx="1">
+            <a:schemeClr val="accent1"/>
+          </a:lnRef>
+          <a:fillRef idx="0">
+            <a:schemeClr val="accent1"/>
+          </a:fillRef>
+          <a:effectRef idx="0">
+            <a:schemeClr val="accent1"/>
+          </a:effectRef>
+          <a:fontRef idx="minor">
+            <a:schemeClr val="tx1"/>
+          </a:fontRef>
+        </p:style>
+      </p:cxnSp>
+      <p:pic>
+        <p:nvPicPr>
+          <p:cNvPr id="32" name="Picture 31">
+            <a:extLst>
+              <a:ext uri="{FF2B5EF4-FFF2-40B4-BE49-F238E27FC236}">
+                <a16:creationId xmlns:a16="http://schemas.microsoft.com/office/drawing/2014/main" id="{E70D137F-1216-4D5D-9E54-6D35B595F45B}"/>
+              </a:ext>
+            </a:extLst>
+          </p:cNvPr>
+          <p:cNvPicPr>
+            <a:picLocks noChangeAspect="1"/>
+          </p:cNvPicPr>
+          <p:nvPr/>
+        </p:nvPicPr>
+        <p:blipFill>
+          <a:blip r:embed="rId10" cstate="print">
+            <a:extLst>
+              <a:ext uri="{28A0092B-C50C-407E-A947-70E740481C1C}">
+                <a14:useLocalDpi xmlns:a14="http://schemas.microsoft.com/office/drawing/2010/main" val="0"/>
+              </a:ext>
+            </a:extLst>
+          </a:blip>
+          <a:stretch>
+            <a:fillRect/>
+          </a:stretch>
+        </p:blipFill>
+        <p:spPr>
+          <a:xfrm>
+            <a:off x="3571948" y="3613352"/>
+            <a:ext cx="480026" cy="480026"/>
+          </a:xfrm>
+          <a:prstGeom prst="rect">
+            <a:avLst/>
+          </a:prstGeom>
+        </p:spPr>
+      </p:pic>
+      <p:pic>
+        <p:nvPicPr>
+          <p:cNvPr id="38" name="Picture 37">
+            <a:extLst>
+              <a:ext uri="{FF2B5EF4-FFF2-40B4-BE49-F238E27FC236}">
+                <a16:creationId xmlns:a16="http://schemas.microsoft.com/office/drawing/2014/main" id="{F4EDEB74-68FD-4181-9085-CF02F1697EE7}"/>
+              </a:ext>
+            </a:extLst>
+          </p:cNvPr>
+          <p:cNvPicPr>
+            <a:picLocks noChangeAspect="1"/>
+          </p:cNvPicPr>
+          <p:nvPr/>
+        </p:nvPicPr>
+        <p:blipFill>
+          <a:blip r:embed="rId11" cstate="print">
+            <a:extLst>
+              <a:ext uri="{28A0092B-C50C-407E-A947-70E740481C1C}">
+                <a14:useLocalDpi xmlns:a14="http://schemas.microsoft.com/office/drawing/2010/main" val="0"/>
+              </a:ext>
+            </a:extLst>
+          </a:blip>
+          <a:stretch>
+            <a:fillRect/>
+          </a:stretch>
+        </p:blipFill>
+        <p:spPr>
+          <a:xfrm rot="5400000">
+            <a:off x="9590476" y="14991"/>
+            <a:ext cx="909858" cy="909858"/>
+          </a:xfrm>
+          <a:prstGeom prst="rect">
+            <a:avLst/>
+          </a:prstGeom>
+        </p:spPr>
+      </p:pic>
+      <p:pic>
+        <p:nvPicPr>
+          <p:cNvPr id="39" name="Picture 38">
+            <a:extLst>
+              <a:ext uri="{FF2B5EF4-FFF2-40B4-BE49-F238E27FC236}">
+                <a16:creationId xmlns:a16="http://schemas.microsoft.com/office/drawing/2014/main" id="{C09A5CF1-5537-4B7E-85DE-5ED3EB2EDA19}"/>
+              </a:ext>
+            </a:extLst>
+          </p:cNvPr>
+          <p:cNvPicPr>
+            <a:picLocks noChangeAspect="1"/>
+          </p:cNvPicPr>
+          <p:nvPr/>
+        </p:nvPicPr>
+        <p:blipFill>
+          <a:blip r:embed="rId12" cstate="print">
+            <a:extLst>
+              <a:ext uri="{28A0092B-C50C-407E-A947-70E740481C1C}">
+                <a14:useLocalDpi xmlns:a14="http://schemas.microsoft.com/office/drawing/2010/main" val="0"/>
+              </a:ext>
+            </a:extLst>
+          </a:blip>
+          <a:stretch>
+            <a:fillRect/>
+          </a:stretch>
+        </p:blipFill>
+        <p:spPr>
+          <a:xfrm>
+            <a:off x="9594458" y="1642075"/>
+            <a:ext cx="909858" cy="909858"/>
+          </a:xfrm>
+          <a:prstGeom prst="rect">
+            <a:avLst/>
+          </a:prstGeom>
+        </p:spPr>
+      </p:pic>
+      <p:pic>
+        <p:nvPicPr>
+          <p:cNvPr id="40" name="Picture 39">
+            <a:extLst>
+              <a:ext uri="{FF2B5EF4-FFF2-40B4-BE49-F238E27FC236}">
+                <a16:creationId xmlns:a16="http://schemas.microsoft.com/office/drawing/2014/main" id="{3DF9AE7A-9569-4B19-B6FF-DF78C63652E1}"/>
+              </a:ext>
+            </a:extLst>
+          </p:cNvPr>
+          <p:cNvPicPr>
+            <a:picLocks noChangeAspect="1"/>
+          </p:cNvPicPr>
+          <p:nvPr/>
+        </p:nvPicPr>
+        <p:blipFill rotWithShape="1">
+          <a:blip r:embed="rId13" cstate="print">
+            <a:extLst>
+              <a:ext uri="{28A0092B-C50C-407E-A947-70E740481C1C}">
+                <a14:useLocalDpi xmlns:a14="http://schemas.microsoft.com/office/drawing/2010/main" val="0"/>
+              </a:ext>
+            </a:extLst>
+          </a:blip>
+          <a:srcRect l="6727" r="8085"/>
+          <a:stretch/>
+        </p:blipFill>
+        <p:spPr>
+          <a:xfrm>
+            <a:off x="9743386" y="3086496"/>
+            <a:ext cx="612001" cy="718423"/>
+          </a:xfrm>
+          <a:prstGeom prst="rect">
+            <a:avLst/>
+          </a:prstGeom>
+        </p:spPr>
+      </p:pic>
+      <p:pic>
+        <p:nvPicPr>
+          <p:cNvPr id="43" name="Picture 42">
+            <a:extLst>
+              <a:ext uri="{FF2B5EF4-FFF2-40B4-BE49-F238E27FC236}">
+                <a16:creationId xmlns:a16="http://schemas.microsoft.com/office/drawing/2014/main" id="{4BA8FC9E-4450-46CC-B4E5-4A00F5C6313A}"/>
+              </a:ext>
+            </a:extLst>
+          </p:cNvPr>
+          <p:cNvPicPr>
+            <a:picLocks noChangeAspect="1"/>
+          </p:cNvPicPr>
+          <p:nvPr/>
+        </p:nvPicPr>
+        <p:blipFill>
+          <a:blip r:embed="rId14" cstate="print">
+            <a:extLst>
+              <a:ext uri="{28A0092B-C50C-407E-A947-70E740481C1C}">
+                <a14:useLocalDpi xmlns:a14="http://schemas.microsoft.com/office/drawing/2010/main" val="0"/>
+              </a:ext>
+            </a:extLst>
+          </a:blip>
+          <a:stretch>
+            <a:fillRect/>
+          </a:stretch>
+        </p:blipFill>
+        <p:spPr>
+          <a:xfrm>
+            <a:off x="59010" y="368646"/>
+            <a:ext cx="1253159" cy="1253159"/>
+          </a:xfrm>
+          <a:prstGeom prst="rect">
+            <a:avLst/>
+          </a:prstGeom>
+        </p:spPr>
+      </p:pic>
+      <p:sp>
+        <p:nvSpPr>
+          <p:cNvPr id="45" name="TextBox 44">
+            <a:extLst>
+              <a:ext uri="{FF2B5EF4-FFF2-40B4-BE49-F238E27FC236}">
+                <a16:creationId xmlns:a16="http://schemas.microsoft.com/office/drawing/2014/main" id="{F1E77125-FFB1-4E80-862C-DDD621E042F1}"/>
+              </a:ext>
+            </a:extLst>
+          </p:cNvPr>
+          <p:cNvSpPr txBox="1"/>
+          <p:nvPr/>
+        </p:nvSpPr>
+        <p:spPr>
+          <a:xfrm>
+            <a:off x="-193499" y="1353174"/>
+            <a:ext cx="1676400" cy="338554"/>
+          </a:xfrm>
+          <a:prstGeom prst="rect">
+            <a:avLst/>
+          </a:prstGeom>
+          <a:noFill/>
+        </p:spPr>
+        <p:txBody>
+          <a:bodyPr wrap="square" rtlCol="0">
+            <a:spAutoFit/>
+          </a:bodyPr>
+          <a:lstStyle/>
+          <a:p>
+            <a:pPr algn="ctr"/>
+            <a:r>
+              <a:rPr lang="en-US" sz="1600" dirty="0"/>
+              <a:t>Remote system</a:t>
+            </a:r>
+          </a:p>
+        </p:txBody>
+      </p:sp>
+      <p:sp>
+        <p:nvSpPr>
+          <p:cNvPr id="56" name="Rectangle 55">
+            <a:extLst>
+              <a:ext uri="{FF2B5EF4-FFF2-40B4-BE49-F238E27FC236}">
+                <a16:creationId xmlns:a16="http://schemas.microsoft.com/office/drawing/2014/main" id="{A7BEA2F4-940A-48C4-9B21-A3F443D70521}"/>
+              </a:ext>
+            </a:extLst>
+          </p:cNvPr>
+          <p:cNvSpPr/>
+          <p:nvPr/>
+        </p:nvSpPr>
+        <p:spPr>
+          <a:xfrm>
+            <a:off x="4903657" y="3231141"/>
+            <a:ext cx="2342026" cy="646331"/>
+          </a:xfrm>
+          <a:prstGeom prst="rect">
+            <a:avLst/>
+          </a:prstGeom>
+        </p:spPr>
+        <p:txBody>
+          <a:bodyPr wrap="square">
+            <a:spAutoFit/>
+          </a:bodyPr>
+          <a:lstStyle/>
+          <a:p>
+            <a:pPr algn="ctr"/>
+            <a:r>
+              <a:rPr lang="en-US" b="1" dirty="0"/>
+              <a:t>RQ3</a:t>
+            </a:r>
+            <a:r>
+              <a:rPr lang="en-US" dirty="0"/>
+              <a:t> Platform identity in TEE</a:t>
+            </a:r>
+          </a:p>
+        </p:txBody>
+      </p:sp>
+      <p:sp>
+        <p:nvSpPr>
+          <p:cNvPr id="52" name="Rectangle 51">
+            <a:extLst>
+              <a:ext uri="{FF2B5EF4-FFF2-40B4-BE49-F238E27FC236}">
+                <a16:creationId xmlns:a16="http://schemas.microsoft.com/office/drawing/2014/main" id="{73069753-A301-4CB5-BBA2-916B6024B6FD}"/>
+              </a:ext>
+            </a:extLst>
+          </p:cNvPr>
+          <p:cNvSpPr/>
+          <p:nvPr/>
+        </p:nvSpPr>
+        <p:spPr>
+          <a:xfrm>
+            <a:off x="9456060" y="25850"/>
+            <a:ext cx="1138756" cy="909858"/>
+          </a:xfrm>
+          <a:prstGeom prst="rect">
+            <a:avLst/>
+          </a:prstGeom>
+          <a:noFill/>
+          <a:ln w="38100">
+            <a:solidFill>
+              <a:srgbClr val="5AF41C"/>
+            </a:solidFill>
+          </a:ln>
+        </p:spPr>
+        <p:style>
+          <a:lnRef idx="2">
+            <a:schemeClr val="accent1">
+              <a:shade val="50000"/>
+            </a:schemeClr>
+          </a:lnRef>
+          <a:fillRef idx="1">
+            <a:schemeClr val="accent1"/>
+          </a:fillRef>
+          <a:effectRef idx="0">
+            <a:schemeClr val="accent1"/>
+          </a:effectRef>
+          <a:fontRef idx="minor">
+            <a:schemeClr val="lt1"/>
+          </a:fontRef>
+        </p:style>
+        <p:txBody>
+          <a:bodyPr rtlCol="0" anchor="ctr"/>
+          <a:lstStyle/>
+          <a:p>
+            <a:pPr algn="ctr"/>
+            <a:endParaRPr lang="en-US"/>
+          </a:p>
+        </p:txBody>
+      </p:sp>
+      <p:sp>
+        <p:nvSpPr>
+          <p:cNvPr id="53" name="Rectangle 52">
+            <a:extLst>
+              <a:ext uri="{FF2B5EF4-FFF2-40B4-BE49-F238E27FC236}">
+                <a16:creationId xmlns:a16="http://schemas.microsoft.com/office/drawing/2014/main" id="{8D00783B-0C1A-42AE-9427-93FFB3936643}"/>
+              </a:ext>
+            </a:extLst>
+          </p:cNvPr>
+          <p:cNvSpPr/>
+          <p:nvPr/>
+        </p:nvSpPr>
+        <p:spPr>
+          <a:xfrm>
+            <a:off x="9456060" y="1593463"/>
+            <a:ext cx="1176970" cy="995598"/>
+          </a:xfrm>
+          <a:prstGeom prst="rect">
+            <a:avLst/>
+          </a:prstGeom>
+          <a:noFill/>
+          <a:ln w="38100">
+            <a:solidFill>
+              <a:srgbClr val="5AF41C"/>
+            </a:solidFill>
+          </a:ln>
+        </p:spPr>
+        <p:style>
+          <a:lnRef idx="2">
+            <a:schemeClr val="accent1">
+              <a:shade val="50000"/>
+            </a:schemeClr>
+          </a:lnRef>
+          <a:fillRef idx="1">
+            <a:schemeClr val="accent1"/>
+          </a:fillRef>
+          <a:effectRef idx="0">
+            <a:schemeClr val="accent1"/>
+          </a:effectRef>
+          <a:fontRef idx="minor">
+            <a:schemeClr val="lt1"/>
+          </a:fontRef>
+        </p:style>
+        <p:txBody>
+          <a:bodyPr rtlCol="0" anchor="ctr"/>
+          <a:lstStyle/>
+          <a:p>
+            <a:pPr algn="ctr"/>
+            <a:endParaRPr lang="en-US"/>
+          </a:p>
+        </p:txBody>
+      </p:sp>
+      <p:sp>
+        <p:nvSpPr>
+          <p:cNvPr id="44" name="Arrow: Left-Right 43">
+            <a:extLst>
+              <a:ext uri="{FF2B5EF4-FFF2-40B4-BE49-F238E27FC236}">
+                <a16:creationId xmlns:a16="http://schemas.microsoft.com/office/drawing/2014/main" id="{7D84CCBF-C0D7-4524-B057-647ACE9888C1}"/>
+              </a:ext>
+            </a:extLst>
+          </p:cNvPr>
+          <p:cNvSpPr/>
+          <p:nvPr/>
+        </p:nvSpPr>
+        <p:spPr>
+          <a:xfrm>
+            <a:off x="1171903" y="995226"/>
+            <a:ext cx="3967029" cy="168619"/>
+          </a:xfrm>
+          <a:prstGeom prst="leftRightArrow">
+            <a:avLst>
+              <a:gd name="adj1" fmla="val 50000"/>
+              <a:gd name="adj2" fmla="val 108945"/>
+            </a:avLst>
+          </a:prstGeom>
+          <a:solidFill>
+            <a:schemeClr val="bg1"/>
+          </a:solidFill>
+          <a:ln w="19050">
+            <a:solidFill>
+              <a:schemeClr val="tx1"/>
+            </a:solidFill>
+          </a:ln>
+        </p:spPr>
+        <p:style>
+          <a:lnRef idx="2">
+            <a:schemeClr val="accent1">
+              <a:shade val="50000"/>
+            </a:schemeClr>
+          </a:lnRef>
+          <a:fillRef idx="1">
+            <a:schemeClr val="accent1"/>
+          </a:fillRef>
+          <a:effectRef idx="0">
+            <a:schemeClr val="accent1"/>
+          </a:effectRef>
+          <a:fontRef idx="minor">
+            <a:schemeClr val="lt1"/>
+          </a:fontRef>
+        </p:style>
+        <p:txBody>
+          <a:bodyPr rtlCol="0" anchor="ctr"/>
+          <a:lstStyle/>
+          <a:p>
+            <a:pPr algn="ctr"/>
+            <a:endParaRPr lang="en-US"/>
+          </a:p>
+        </p:txBody>
+      </p:sp>
+      <p:sp>
+        <p:nvSpPr>
+          <p:cNvPr id="2" name="Rectangle 1">
+            <a:extLst>
+              <a:ext uri="{FF2B5EF4-FFF2-40B4-BE49-F238E27FC236}">
+                <a16:creationId xmlns:a16="http://schemas.microsoft.com/office/drawing/2014/main" id="{05A72BDD-65BD-47C9-9D43-F02420AECDD3}"/>
+              </a:ext>
+            </a:extLst>
+          </p:cNvPr>
+          <p:cNvSpPr/>
+          <p:nvPr/>
+        </p:nvSpPr>
+        <p:spPr>
+          <a:xfrm>
+            <a:off x="8523740" y="1079535"/>
+            <a:ext cx="2160271" cy="369332"/>
+          </a:xfrm>
+          <a:prstGeom prst="rect">
+            <a:avLst/>
+          </a:prstGeom>
+        </p:spPr>
+        <p:txBody>
+          <a:bodyPr wrap="none">
+            <a:spAutoFit/>
+          </a:bodyPr>
+          <a:lstStyle/>
+          <a:p>
+            <a:pPr algn="ctr"/>
+            <a:r>
+              <a:rPr lang="en-US" b="1" dirty="0"/>
+              <a:t>RQ4</a:t>
+            </a:r>
+            <a:r>
+              <a:rPr lang="en-US" dirty="0"/>
+              <a:t> Distributed TEEs</a:t>
+            </a:r>
+          </a:p>
+        </p:txBody>
+      </p:sp>
+      <p:sp>
+        <p:nvSpPr>
+          <p:cNvPr id="61" name="Rectangle 60">
+            <a:extLst>
+              <a:ext uri="{FF2B5EF4-FFF2-40B4-BE49-F238E27FC236}">
+                <a16:creationId xmlns:a16="http://schemas.microsoft.com/office/drawing/2014/main" id="{A5315BF0-1940-4EFC-BCAD-8E290884D93E}"/>
+              </a:ext>
+            </a:extLst>
+          </p:cNvPr>
+          <p:cNvSpPr/>
+          <p:nvPr/>
+        </p:nvSpPr>
+        <p:spPr>
+          <a:xfrm>
+            <a:off x="7991514" y="1593463"/>
+            <a:ext cx="1176970" cy="995598"/>
+          </a:xfrm>
+          <a:prstGeom prst="rect">
+            <a:avLst/>
+          </a:prstGeom>
+          <a:noFill/>
+          <a:ln w="38100">
+            <a:solidFill>
+              <a:srgbClr val="5AF41C"/>
+            </a:solidFill>
+          </a:ln>
+        </p:spPr>
+        <p:style>
+          <a:lnRef idx="2">
+            <a:schemeClr val="accent1">
+              <a:shade val="50000"/>
+            </a:schemeClr>
+          </a:lnRef>
+          <a:fillRef idx="1">
+            <a:schemeClr val="accent1"/>
+          </a:fillRef>
+          <a:effectRef idx="0">
+            <a:schemeClr val="accent1"/>
+          </a:effectRef>
+          <a:fontRef idx="minor">
+            <a:schemeClr val="lt1"/>
+          </a:fontRef>
+        </p:style>
+        <p:txBody>
+          <a:bodyPr rtlCol="0" anchor="ctr"/>
+          <a:lstStyle/>
+          <a:p>
+            <a:pPr algn="ctr"/>
+            <a:endParaRPr lang="en-US"/>
+          </a:p>
+        </p:txBody>
+      </p:sp>
+      <p:pic>
+        <p:nvPicPr>
+          <p:cNvPr id="1028" name="Picture 4" descr="QEMU-icon | Brands QA - QZ">
+            <a:extLst>
+              <a:ext uri="{FF2B5EF4-FFF2-40B4-BE49-F238E27FC236}">
+                <a16:creationId xmlns:a16="http://schemas.microsoft.com/office/drawing/2014/main" id="{FBA1AEF3-2361-46EA-BEFE-11215809979A}"/>
+              </a:ext>
+            </a:extLst>
+          </p:cNvPr>
+          <p:cNvPicPr>
+            <a:picLocks noChangeAspect="1" noChangeArrowheads="1"/>
+          </p:cNvPicPr>
+          <p:nvPr/>
+        </p:nvPicPr>
+        <p:blipFill>
+          <a:blip r:embed="rId15">
+            <a:extLst>
+              <a:ext uri="{28A0092B-C50C-407E-A947-70E740481C1C}">
+                <a14:useLocalDpi xmlns:a14="http://schemas.microsoft.com/office/drawing/2010/main" val="0"/>
+              </a:ext>
+            </a:extLst>
+          </a:blip>
+          <a:srcRect/>
+          <a:stretch>
+            <a:fillRect/>
+          </a:stretch>
+        </p:blipFill>
+        <p:spPr bwMode="auto">
+          <a:xfrm>
+            <a:off x="5138932" y="2379195"/>
+            <a:ext cx="522736" cy="522736"/>
+          </a:xfrm>
+          <a:prstGeom prst="rect">
+            <a:avLst/>
+          </a:prstGeom>
+          <a:noFill/>
+          <a:extLst>
+            <a:ext uri="{909E8E84-426E-40DD-AFC4-6F175D3DCCD1}">
+              <a14:hiddenFill xmlns:a14="http://schemas.microsoft.com/office/drawing/2010/main">
+                <a:solidFill>
+                  <a:srgbClr val="FFFFFF"/>
+                </a:solidFill>
+              </a14:hiddenFill>
+            </a:ext>
+          </a:extLst>
+        </p:spPr>
+      </p:pic>
+    </p:spTree>
+    <p:extLst>
+      <p:ext uri="{BB962C8B-B14F-4D97-AF65-F5344CB8AC3E}">
+        <p14:creationId xmlns:p14="http://schemas.microsoft.com/office/powerpoint/2010/main" val="3047395713"/>
+      </p:ext>
+    </p:extLst>
+  </p:cSld>
+  <p:clrMapOvr>
+    <a:masterClrMapping/>
+  </p:clrMapOvr>
+</p:sld>
+</file>
+
+<file path=ppt/slides/slide4.xml><?xml version="1.0" encoding="utf-8"?>
 <p:sld xmlns:a="http://schemas.openxmlformats.org/drawingml/2006/main" xmlns:r="http://schemas.openxmlformats.org/officeDocument/2006/relationships" xmlns:p="http://schemas.openxmlformats.org/presentationml/2006/main">
   <p:cSld>
     <p:spTree>

--- a/chapters/introduction/images/works.pptx
+++ b/chapters/introduction/images/works.pptx
@@ -5,13 +5,12 @@
     <p:sldMasterId id="2147483648" r:id="rId1"/>
   </p:sldMasterIdLst>
   <p:notesMasterIdLst>
-    <p:notesMasterId r:id="rId6"/>
+    <p:notesMasterId r:id="rId5"/>
   </p:notesMasterIdLst>
   <p:sldIdLst>
-    <p:sldId id="256" r:id="rId2"/>
-    <p:sldId id="257" r:id="rId3"/>
-    <p:sldId id="275" r:id="rId4"/>
-    <p:sldId id="274" r:id="rId5"/>
+    <p:sldId id="257" r:id="rId2"/>
+    <p:sldId id="275" r:id="rId3"/>
+    <p:sldId id="274" r:id="rId4"/>
   </p:sldIdLst>
   <p:sldSz cx="12192000" cy="6858000"/>
   <p:notesSz cx="6858000" cy="9144000"/>
@@ -200,7 +199,7 @@
           <a:p>
             <a:fld id="{AB457CF4-7AA4-46DE-A098-50295E99FB58}" type="datetimeFigureOut">
               <a:rPr lang="en-US" smtClean="0"/>
-              <a:t>4/6/2021</a:t>
+              <a:t>4/7/2021</a:t>
             </a:fld>
             <a:endParaRPr lang="en-US"/>
           </a:p>
@@ -536,7 +535,7 @@
             <a:fld id="{A51C0C35-A9A2-4EFD-9BAF-1E52E29E03D1}" type="slidenum">
               <a:rPr lang="de-CH" smtClean="0"/>
               <a:pPr/>
-              <a:t>4</a:t>
+              <a:t>3</a:t>
             </a:fld>
             <a:endParaRPr lang="de-CH" dirty="0"/>
           </a:p>
@@ -702,7 +701,7 @@
           <a:p>
             <a:fld id="{2653ACC0-EB5D-44CA-A76B-2C4B949E24D2}" type="datetimeFigureOut">
               <a:rPr lang="en-US" smtClean="0"/>
-              <a:t>4/6/2021</a:t>
+              <a:t>4/7/2021</a:t>
             </a:fld>
             <a:endParaRPr lang="en-US"/>
           </a:p>
@@ -900,7 +899,7 @@
           <a:p>
             <a:fld id="{2653ACC0-EB5D-44CA-A76B-2C4B949E24D2}" type="datetimeFigureOut">
               <a:rPr lang="en-US" smtClean="0"/>
-              <a:t>4/6/2021</a:t>
+              <a:t>4/7/2021</a:t>
             </a:fld>
             <a:endParaRPr lang="en-US"/>
           </a:p>
@@ -1108,7 +1107,7 @@
           <a:p>
             <a:fld id="{2653ACC0-EB5D-44CA-A76B-2C4B949E24D2}" type="datetimeFigureOut">
               <a:rPr lang="en-US" smtClean="0"/>
-              <a:t>4/6/2021</a:t>
+              <a:t>4/7/2021</a:t>
             </a:fld>
             <a:endParaRPr lang="en-US"/>
           </a:p>
@@ -1320,7 +1319,7 @@
           <a:p>
             <a:fld id="{2E351574-DE3B-48D4-BB21-472FD18DCB9D}" type="datetime1">
               <a:rPr lang="en-US" smtClean="0"/>
-              <a:t>4/6/2021</a:t>
+              <a:t>4/7/2021</a:t>
             </a:fld>
             <a:endParaRPr lang="en-GB" dirty="0"/>
           </a:p>
@@ -1555,7 +1554,7 @@
           <a:p>
             <a:fld id="{2653ACC0-EB5D-44CA-A76B-2C4B949E24D2}" type="datetimeFigureOut">
               <a:rPr lang="en-US" smtClean="0"/>
-              <a:t>4/6/2021</a:t>
+              <a:t>4/7/2021</a:t>
             </a:fld>
             <a:endParaRPr lang="en-US"/>
           </a:p>
@@ -1830,7 +1829,7 @@
           <a:p>
             <a:fld id="{2653ACC0-EB5D-44CA-A76B-2C4B949E24D2}" type="datetimeFigureOut">
               <a:rPr lang="en-US" smtClean="0"/>
-              <a:t>4/6/2021</a:t>
+              <a:t>4/7/2021</a:t>
             </a:fld>
             <a:endParaRPr lang="en-US"/>
           </a:p>
@@ -2095,7 +2094,7 @@
           <a:p>
             <a:fld id="{2653ACC0-EB5D-44CA-A76B-2C4B949E24D2}" type="datetimeFigureOut">
               <a:rPr lang="en-US" smtClean="0"/>
-              <a:t>4/6/2021</a:t>
+              <a:t>4/7/2021</a:t>
             </a:fld>
             <a:endParaRPr lang="en-US"/>
           </a:p>
@@ -2507,7 +2506,7 @@
           <a:p>
             <a:fld id="{2653ACC0-EB5D-44CA-A76B-2C4B949E24D2}" type="datetimeFigureOut">
               <a:rPr lang="en-US" smtClean="0"/>
-              <a:t>4/6/2021</a:t>
+              <a:t>4/7/2021</a:t>
             </a:fld>
             <a:endParaRPr lang="en-US"/>
           </a:p>
@@ -2648,7 +2647,7 @@
           <a:p>
             <a:fld id="{2653ACC0-EB5D-44CA-A76B-2C4B949E24D2}" type="datetimeFigureOut">
               <a:rPr lang="en-US" smtClean="0"/>
-              <a:t>4/6/2021</a:t>
+              <a:t>4/7/2021</a:t>
             </a:fld>
             <a:endParaRPr lang="en-US"/>
           </a:p>
@@ -2761,7 +2760,7 @@
           <a:p>
             <a:fld id="{2653ACC0-EB5D-44CA-A76B-2C4B949E24D2}" type="datetimeFigureOut">
               <a:rPr lang="en-US" smtClean="0"/>
-              <a:t>4/6/2021</a:t>
+              <a:t>4/7/2021</a:t>
             </a:fld>
             <a:endParaRPr lang="en-US"/>
           </a:p>
@@ -3072,7 +3071,7 @@
           <a:p>
             <a:fld id="{2653ACC0-EB5D-44CA-A76B-2C4B949E24D2}" type="datetimeFigureOut">
               <a:rPr lang="en-US" smtClean="0"/>
-              <a:t>4/6/2021</a:t>
+              <a:t>4/7/2021</a:t>
             </a:fld>
             <a:endParaRPr lang="en-US"/>
           </a:p>
@@ -3360,7 +3359,7 @@
           <a:p>
             <a:fld id="{2653ACC0-EB5D-44CA-A76B-2C4B949E24D2}" type="datetimeFigureOut">
               <a:rPr lang="en-US" smtClean="0"/>
-              <a:t>4/6/2021</a:t>
+              <a:t>4/7/2021</a:t>
             </a:fld>
             <a:endParaRPr lang="en-US"/>
           </a:p>
@@ -3601,7 +3600,7 @@
           <a:p>
             <a:fld id="{2653ACC0-EB5D-44CA-A76B-2C4B949E24D2}" type="datetimeFigureOut">
               <a:rPr lang="en-US" smtClean="0"/>
-              <a:t>4/6/2021</a:t>
+              <a:t>4/7/2021</a:t>
             </a:fld>
             <a:endParaRPr lang="en-US"/>
           </a:p>
@@ -4021,10 +4020,10 @@
       </p:grpSpPr>
       <p:sp>
         <p:nvSpPr>
-          <p:cNvPr id="5" name="Rectangle: Rounded Corners 4">
-            <a:extLst>
-              <a:ext uri="{FF2B5EF4-FFF2-40B4-BE49-F238E27FC236}">
-                <a16:creationId xmlns:a16="http://schemas.microsoft.com/office/drawing/2014/main" id="{7A2ED67C-3999-4A3A-851C-29CFE6F591CF}"/>
+          <p:cNvPr id="46" name="Rectangle 45">
+            <a:extLst>
+              <a:ext uri="{FF2B5EF4-FFF2-40B4-BE49-F238E27FC236}">
+                <a16:creationId xmlns:a16="http://schemas.microsoft.com/office/drawing/2014/main" id="{BEF52DC0-B779-4EC2-BCFB-3F6AD9137990}"/>
               </a:ext>
             </a:extLst>
           </p:cNvPr>
@@ -4033,20 +4032,16 @@
         </p:nvSpPr>
         <p:spPr>
           <a:xfrm>
-            <a:off x="131737" y="1390973"/>
-            <a:ext cx="5153187" cy="480448"/>
-          </a:xfrm>
-          <a:prstGeom prst="roundRect">
-            <a:avLst>
-              <a:gd name="adj" fmla="val 20842"/>
-            </a:avLst>
-          </a:prstGeom>
-          <a:solidFill>
-            <a:srgbClr val="C2E884"/>
-          </a:solidFill>
-          <a:ln w="19050">
+            <a:off x="4604231" y="1048042"/>
+            <a:ext cx="2457670" cy="1883148"/>
+          </a:xfrm>
+          <a:prstGeom prst="rect">
+            <a:avLst/>
+          </a:prstGeom>
+          <a:noFill/>
+          <a:ln w="38100">
             <a:solidFill>
-              <a:schemeClr val="tx1"/>
+              <a:srgbClr val="ED8B1F"/>
             </a:solidFill>
           </a:ln>
         </p:spPr>
@@ -4071,749 +4066,6 @@
           <a:lstStyle/>
           <a:p>
             <a:pPr algn="ctr"/>
-            <a:r>
-              <a:rPr lang="en-US" dirty="0">
-                <a:solidFill>
-                  <a:schemeClr val="tx1"/>
-                </a:solidFill>
-              </a:rPr>
-              <a:t>CPU</a:t>
-            </a:r>
-            <a:endParaRPr lang="en-US" sz="2800" dirty="0">
-              <a:solidFill>
-                <a:schemeClr val="tx1"/>
-              </a:solidFill>
-            </a:endParaRPr>
-          </a:p>
-        </p:txBody>
-      </p:sp>
-      <p:sp>
-        <p:nvSpPr>
-          <p:cNvPr id="8" name="Rectangle: Rounded Corners 7">
-            <a:extLst>
-              <a:ext uri="{FF2B5EF4-FFF2-40B4-BE49-F238E27FC236}">
-                <a16:creationId xmlns:a16="http://schemas.microsoft.com/office/drawing/2014/main" id="{0A574687-54BB-453B-8742-0C31E1A9553E}"/>
-              </a:ext>
-            </a:extLst>
-          </p:cNvPr>
-          <p:cNvSpPr/>
-          <p:nvPr/>
-        </p:nvSpPr>
-        <p:spPr>
-          <a:xfrm>
-            <a:off x="131737" y="360335"/>
-            <a:ext cx="1305731" cy="786540"/>
-          </a:xfrm>
-          <a:prstGeom prst="roundRect">
-            <a:avLst>
-              <a:gd name="adj" fmla="val 11751"/>
-            </a:avLst>
-          </a:prstGeom>
-          <a:solidFill>
-            <a:srgbClr val="FF9393"/>
-          </a:solidFill>
-          <a:ln w="19050">
-            <a:solidFill>
-              <a:schemeClr val="tx1"/>
-            </a:solidFill>
-          </a:ln>
-        </p:spPr>
-        <p:style>
-          <a:lnRef idx="2">
-            <a:schemeClr val="accent1">
-              <a:shade val="50000"/>
-            </a:schemeClr>
-          </a:lnRef>
-          <a:fillRef idx="1">
-            <a:schemeClr val="accent1"/>
-          </a:fillRef>
-          <a:effectRef idx="0">
-            <a:schemeClr val="accent1"/>
-          </a:effectRef>
-          <a:fontRef idx="minor">
-            <a:schemeClr val="lt1"/>
-          </a:fontRef>
-        </p:style>
-        <p:txBody>
-          <a:bodyPr rtlCol="0" anchor="ctr"/>
-          <a:lstStyle/>
-          <a:p>
-            <a:pPr algn="ctr"/>
-            <a:r>
-              <a:rPr lang="en-US" dirty="0">
-                <a:solidFill>
-                  <a:schemeClr val="tx1"/>
-                </a:solidFill>
-              </a:rPr>
-              <a:t>OS</a:t>
-            </a:r>
-            <a:endParaRPr lang="en-US" sz="2800" dirty="0">
-              <a:solidFill>
-                <a:schemeClr val="tx1"/>
-              </a:solidFill>
-            </a:endParaRPr>
-          </a:p>
-        </p:txBody>
-      </p:sp>
-      <p:sp>
-        <p:nvSpPr>
-          <p:cNvPr id="12" name="Rectangle 11">
-            <a:extLst>
-              <a:ext uri="{FF2B5EF4-FFF2-40B4-BE49-F238E27FC236}">
-                <a16:creationId xmlns:a16="http://schemas.microsoft.com/office/drawing/2014/main" id="{56EC08F9-AD58-4207-8E1A-9CD3CE48595C}"/>
-              </a:ext>
-            </a:extLst>
-          </p:cNvPr>
-          <p:cNvSpPr/>
-          <p:nvPr/>
-        </p:nvSpPr>
-        <p:spPr>
-          <a:xfrm>
-            <a:off x="1623449" y="224725"/>
-            <a:ext cx="6431798" cy="1011265"/>
-          </a:xfrm>
-          <a:prstGeom prst="rect">
-            <a:avLst/>
-          </a:prstGeom>
-          <a:solidFill>
-            <a:srgbClr val="D0DAF8"/>
-          </a:solidFill>
-          <a:ln w="12700">
-            <a:solidFill>
-              <a:schemeClr val="tx1"/>
-            </a:solidFill>
-          </a:ln>
-        </p:spPr>
-        <p:style>
-          <a:lnRef idx="2">
-            <a:schemeClr val="accent1">
-              <a:shade val="50000"/>
-            </a:schemeClr>
-          </a:lnRef>
-          <a:fillRef idx="1">
-            <a:schemeClr val="accent1"/>
-          </a:fillRef>
-          <a:effectRef idx="0">
-            <a:schemeClr val="accent1"/>
-          </a:effectRef>
-          <a:fontRef idx="minor">
-            <a:schemeClr val="lt1"/>
-          </a:fontRef>
-        </p:style>
-        <p:txBody>
-          <a:bodyPr rtlCol="0" anchor="ctr"/>
-          <a:lstStyle/>
-          <a:p>
-            <a:pPr algn="ctr"/>
-            <a:endParaRPr lang="en-US"/>
-          </a:p>
-        </p:txBody>
-      </p:sp>
-      <p:sp>
-        <p:nvSpPr>
-          <p:cNvPr id="9" name="Rectangle: Rounded Corners 8">
-            <a:extLst>
-              <a:ext uri="{FF2B5EF4-FFF2-40B4-BE49-F238E27FC236}">
-                <a16:creationId xmlns:a16="http://schemas.microsoft.com/office/drawing/2014/main" id="{B8019C36-A79A-4950-8A53-6AA0F494A2C6}"/>
-              </a:ext>
-            </a:extLst>
-          </p:cNvPr>
-          <p:cNvSpPr/>
-          <p:nvPr/>
-        </p:nvSpPr>
-        <p:spPr>
-          <a:xfrm>
-            <a:off x="1685442" y="360334"/>
-            <a:ext cx="2262754" cy="786540"/>
-          </a:xfrm>
-          <a:prstGeom prst="roundRect">
-            <a:avLst>
-              <a:gd name="adj" fmla="val 11751"/>
-            </a:avLst>
-          </a:prstGeom>
-          <a:solidFill>
-            <a:srgbClr val="C2E884"/>
-          </a:solidFill>
-          <a:ln w="19050">
-            <a:solidFill>
-              <a:schemeClr val="tx1"/>
-            </a:solidFill>
-          </a:ln>
-        </p:spPr>
-        <p:style>
-          <a:lnRef idx="2">
-            <a:schemeClr val="accent1">
-              <a:shade val="50000"/>
-            </a:schemeClr>
-          </a:lnRef>
-          <a:fillRef idx="1">
-            <a:schemeClr val="accent1"/>
-          </a:fillRef>
-          <a:effectRef idx="0">
-            <a:schemeClr val="accent1"/>
-          </a:effectRef>
-          <a:fontRef idx="minor">
-            <a:schemeClr val="lt1"/>
-          </a:fontRef>
-        </p:style>
-        <p:txBody>
-          <a:bodyPr rtlCol="0" anchor="ctr"/>
-          <a:lstStyle/>
-          <a:p>
-            <a:pPr algn="ctr"/>
-            <a:r>
-              <a:rPr lang="en-US" dirty="0">
-                <a:solidFill>
-                  <a:schemeClr val="tx1"/>
-                </a:solidFill>
-              </a:rPr>
-              <a:t>Trusted path application</a:t>
-            </a:r>
-          </a:p>
-        </p:txBody>
-      </p:sp>
-      <p:sp>
-        <p:nvSpPr>
-          <p:cNvPr id="10" name="Rectangle: Rounded Corners 9">
-            <a:extLst>
-              <a:ext uri="{FF2B5EF4-FFF2-40B4-BE49-F238E27FC236}">
-                <a16:creationId xmlns:a16="http://schemas.microsoft.com/office/drawing/2014/main" id="{175B70E9-A41E-49E8-8F7F-C52AF01A3617}"/>
-              </a:ext>
-            </a:extLst>
-          </p:cNvPr>
-          <p:cNvSpPr/>
-          <p:nvPr/>
-        </p:nvSpPr>
-        <p:spPr>
-          <a:xfrm>
-            <a:off x="6553526" y="455262"/>
-            <a:ext cx="1421322" cy="596685"/>
-          </a:xfrm>
-          <a:prstGeom prst="roundRect">
-            <a:avLst>
-              <a:gd name="adj" fmla="val 11751"/>
-            </a:avLst>
-          </a:prstGeom>
-          <a:solidFill>
-            <a:srgbClr val="C2E884"/>
-          </a:solidFill>
-          <a:ln w="19050">
-            <a:solidFill>
-              <a:schemeClr val="tx1"/>
-            </a:solidFill>
-          </a:ln>
-        </p:spPr>
-        <p:style>
-          <a:lnRef idx="2">
-            <a:schemeClr val="accent1">
-              <a:shade val="50000"/>
-            </a:schemeClr>
-          </a:lnRef>
-          <a:fillRef idx="1">
-            <a:schemeClr val="accent1"/>
-          </a:fillRef>
-          <a:effectRef idx="0">
-            <a:schemeClr val="accent1"/>
-          </a:effectRef>
-          <a:fontRef idx="minor">
-            <a:schemeClr val="lt1"/>
-          </a:fontRef>
-        </p:style>
-        <p:txBody>
-          <a:bodyPr rtlCol="0" anchor="ctr"/>
-          <a:lstStyle/>
-          <a:p>
-            <a:pPr algn="ctr"/>
-            <a:r>
-              <a:rPr lang="en-US" dirty="0">
-                <a:solidFill>
-                  <a:schemeClr val="tx1"/>
-                </a:solidFill>
-              </a:rPr>
-              <a:t>Peripheral</a:t>
-            </a:r>
-            <a:endParaRPr lang="en-US" sz="2400" dirty="0">
-              <a:solidFill>
-                <a:schemeClr val="tx1"/>
-              </a:solidFill>
-            </a:endParaRPr>
-          </a:p>
-        </p:txBody>
-      </p:sp>
-      <p:sp>
-        <p:nvSpPr>
-          <p:cNvPr id="17" name="Arrow: Left-Right 16">
-            <a:extLst>
-              <a:ext uri="{FF2B5EF4-FFF2-40B4-BE49-F238E27FC236}">
-                <a16:creationId xmlns:a16="http://schemas.microsoft.com/office/drawing/2014/main" id="{34F8DD3E-73BF-457C-A449-2AAC6FE0003C}"/>
-              </a:ext>
-            </a:extLst>
-          </p:cNvPr>
-          <p:cNvSpPr/>
-          <p:nvPr/>
-        </p:nvSpPr>
-        <p:spPr>
-          <a:xfrm>
-            <a:off x="3545241" y="634460"/>
-            <a:ext cx="3194585" cy="238287"/>
-          </a:xfrm>
-          <a:prstGeom prst="leftRightArrow">
-            <a:avLst/>
-          </a:prstGeom>
-          <a:solidFill>
-            <a:schemeClr val="tx1">
-              <a:lumMod val="95000"/>
-              <a:lumOff val="5000"/>
-            </a:schemeClr>
-          </a:solidFill>
-          <a:ln>
-            <a:solidFill>
-              <a:schemeClr val="tx1"/>
-            </a:solidFill>
-          </a:ln>
-        </p:spPr>
-        <p:style>
-          <a:lnRef idx="2">
-            <a:schemeClr val="accent1">
-              <a:shade val="50000"/>
-            </a:schemeClr>
-          </a:lnRef>
-          <a:fillRef idx="1">
-            <a:schemeClr val="accent1"/>
-          </a:fillRef>
-          <a:effectRef idx="0">
-            <a:schemeClr val="accent1"/>
-          </a:effectRef>
-          <a:fontRef idx="minor">
-            <a:schemeClr val="lt1"/>
-          </a:fontRef>
-        </p:style>
-        <p:txBody>
-          <a:bodyPr rtlCol="0" anchor="ctr"/>
-          <a:lstStyle/>
-          <a:p>
-            <a:pPr algn="ctr"/>
-            <a:endParaRPr lang="en-US"/>
-          </a:p>
-        </p:txBody>
-      </p:sp>
-      <p:sp>
-        <p:nvSpPr>
-          <p:cNvPr id="4" name="Rectangle: Rounded Corners 3">
-            <a:extLst>
-              <a:ext uri="{FF2B5EF4-FFF2-40B4-BE49-F238E27FC236}">
-                <a16:creationId xmlns:a16="http://schemas.microsoft.com/office/drawing/2014/main" id="{18900231-42BF-4273-B4E6-D42B7C145426}"/>
-              </a:ext>
-            </a:extLst>
-          </p:cNvPr>
-          <p:cNvSpPr/>
-          <p:nvPr/>
-        </p:nvSpPr>
-        <p:spPr>
-          <a:xfrm>
-            <a:off x="19375" y="42621"/>
-            <a:ext cx="5339166" cy="1941162"/>
-          </a:xfrm>
-          <a:prstGeom prst="roundRect">
-            <a:avLst>
-              <a:gd name="adj" fmla="val 8154"/>
-            </a:avLst>
-          </a:prstGeom>
-          <a:noFill/>
-          <a:ln w="19050">
-            <a:solidFill>
-              <a:schemeClr val="tx1"/>
-            </a:solidFill>
-          </a:ln>
-        </p:spPr>
-        <p:style>
-          <a:lnRef idx="2">
-            <a:schemeClr val="accent1">
-              <a:shade val="50000"/>
-            </a:schemeClr>
-          </a:lnRef>
-          <a:fillRef idx="1">
-            <a:schemeClr val="accent1"/>
-          </a:fillRef>
-          <a:effectRef idx="0">
-            <a:schemeClr val="accent1"/>
-          </a:effectRef>
-          <a:fontRef idx="minor">
-            <a:schemeClr val="lt1"/>
-          </a:fontRef>
-        </p:style>
-        <p:txBody>
-          <a:bodyPr rtlCol="0" anchor="ctr"/>
-          <a:lstStyle/>
-          <a:p>
-            <a:pPr algn="ctr"/>
-            <a:endParaRPr lang="en-US"/>
-          </a:p>
-        </p:txBody>
-      </p:sp>
-      <p:sp>
-        <p:nvSpPr>
-          <p:cNvPr id="11" name="Rectangle: Rounded Corners 10">
-            <a:extLst>
-              <a:ext uri="{FF2B5EF4-FFF2-40B4-BE49-F238E27FC236}">
-                <a16:creationId xmlns:a16="http://schemas.microsoft.com/office/drawing/2014/main" id="{25C67512-1178-44A8-9253-EE02FEA3DA3F}"/>
-              </a:ext>
-            </a:extLst>
-          </p:cNvPr>
-          <p:cNvSpPr/>
-          <p:nvPr/>
-        </p:nvSpPr>
-        <p:spPr>
-          <a:xfrm>
-            <a:off x="4072183" y="360335"/>
-            <a:ext cx="1212741" cy="786540"/>
-          </a:xfrm>
-          <a:prstGeom prst="roundRect">
-            <a:avLst>
-              <a:gd name="adj" fmla="val 11751"/>
-            </a:avLst>
-          </a:prstGeom>
-          <a:solidFill>
-            <a:srgbClr val="C2E884"/>
-          </a:solidFill>
-          <a:ln w="19050">
-            <a:solidFill>
-              <a:schemeClr val="tx1"/>
-            </a:solidFill>
-          </a:ln>
-        </p:spPr>
-        <p:style>
-          <a:lnRef idx="2">
-            <a:schemeClr val="accent1">
-              <a:shade val="50000"/>
-            </a:schemeClr>
-          </a:lnRef>
-          <a:fillRef idx="1">
-            <a:schemeClr val="accent1"/>
-          </a:fillRef>
-          <a:effectRef idx="0">
-            <a:schemeClr val="accent1"/>
-          </a:effectRef>
-          <a:fontRef idx="minor">
-            <a:schemeClr val="lt1"/>
-          </a:fontRef>
-        </p:style>
-        <p:txBody>
-          <a:bodyPr rtlCol="0" anchor="ctr"/>
-          <a:lstStyle/>
-          <a:p>
-            <a:pPr algn="ctr"/>
-            <a:r>
-              <a:rPr lang="en-US" dirty="0">
-                <a:solidFill>
-                  <a:schemeClr val="tx1"/>
-                </a:solidFill>
-              </a:rPr>
-              <a:t>Driver</a:t>
-            </a:r>
-            <a:endParaRPr lang="en-US" sz="2400" dirty="0">
-              <a:solidFill>
-                <a:schemeClr val="tx1"/>
-              </a:solidFill>
-            </a:endParaRPr>
-          </a:p>
-        </p:txBody>
-      </p:sp>
-      <p:sp>
-        <p:nvSpPr>
-          <p:cNvPr id="19" name="Oval 18">
-            <a:extLst>
-              <a:ext uri="{FF2B5EF4-FFF2-40B4-BE49-F238E27FC236}">
-                <a16:creationId xmlns:a16="http://schemas.microsoft.com/office/drawing/2014/main" id="{757BF1D3-05FD-4B03-9B95-C5573FB67D3C}"/>
-              </a:ext>
-            </a:extLst>
-          </p:cNvPr>
-          <p:cNvSpPr/>
-          <p:nvPr/>
-        </p:nvSpPr>
-        <p:spPr>
-          <a:xfrm>
-            <a:off x="1723543" y="426203"/>
-            <a:ext cx="247973" cy="247973"/>
-          </a:xfrm>
-          <a:prstGeom prst="ellipse">
-            <a:avLst/>
-          </a:prstGeom>
-          <a:solidFill>
-            <a:schemeClr val="bg1"/>
-          </a:solidFill>
-          <a:ln w="19050">
-            <a:solidFill>
-              <a:schemeClr val="tx1"/>
-            </a:solidFill>
-          </a:ln>
-        </p:spPr>
-        <p:style>
-          <a:lnRef idx="2">
-            <a:schemeClr val="accent1">
-              <a:shade val="50000"/>
-            </a:schemeClr>
-          </a:lnRef>
-          <a:fillRef idx="1">
-            <a:schemeClr val="accent1"/>
-          </a:fillRef>
-          <a:effectRef idx="0">
-            <a:schemeClr val="accent1"/>
-          </a:effectRef>
-          <a:fontRef idx="minor">
-            <a:schemeClr val="lt1"/>
-          </a:fontRef>
-        </p:style>
-        <p:txBody>
-          <a:bodyPr rtlCol="0" anchor="ctr"/>
-          <a:lstStyle/>
-          <a:p>
-            <a:pPr algn="ctr"/>
-            <a:r>
-              <a:rPr lang="en-US" b="1" dirty="0">
-                <a:solidFill>
-                  <a:schemeClr val="tx1"/>
-                </a:solidFill>
-              </a:rPr>
-              <a:t>1</a:t>
-            </a:r>
-          </a:p>
-        </p:txBody>
-      </p:sp>
-      <p:sp>
-        <p:nvSpPr>
-          <p:cNvPr id="20" name="Oval 19">
-            <a:extLst>
-              <a:ext uri="{FF2B5EF4-FFF2-40B4-BE49-F238E27FC236}">
-                <a16:creationId xmlns:a16="http://schemas.microsoft.com/office/drawing/2014/main" id="{6ACA44C5-CA30-4C73-89C0-BC28578E2644}"/>
-              </a:ext>
-            </a:extLst>
-          </p:cNvPr>
-          <p:cNvSpPr/>
-          <p:nvPr/>
-        </p:nvSpPr>
-        <p:spPr>
-          <a:xfrm>
-            <a:off x="5538064" y="624774"/>
-            <a:ext cx="247973" cy="247973"/>
-          </a:xfrm>
-          <a:prstGeom prst="ellipse">
-            <a:avLst/>
-          </a:prstGeom>
-          <a:solidFill>
-            <a:schemeClr val="bg1"/>
-          </a:solidFill>
-          <a:ln w="19050">
-            <a:solidFill>
-              <a:schemeClr val="tx1"/>
-            </a:solidFill>
-          </a:ln>
-        </p:spPr>
-        <p:style>
-          <a:lnRef idx="2">
-            <a:schemeClr val="accent1">
-              <a:shade val="50000"/>
-            </a:schemeClr>
-          </a:lnRef>
-          <a:fillRef idx="1">
-            <a:schemeClr val="accent1"/>
-          </a:fillRef>
-          <a:effectRef idx="0">
-            <a:schemeClr val="accent1"/>
-          </a:effectRef>
-          <a:fontRef idx="minor">
-            <a:schemeClr val="lt1"/>
-          </a:fontRef>
-        </p:style>
-        <p:txBody>
-          <a:bodyPr rtlCol="0" anchor="ctr"/>
-          <a:lstStyle/>
-          <a:p>
-            <a:pPr algn="ctr"/>
-            <a:r>
-              <a:rPr lang="en-US" b="1" dirty="0">
-                <a:solidFill>
-                  <a:schemeClr val="tx1"/>
-                </a:solidFill>
-              </a:rPr>
-              <a:t>2</a:t>
-            </a:r>
-          </a:p>
-        </p:txBody>
-      </p:sp>
-      <p:sp>
-        <p:nvSpPr>
-          <p:cNvPr id="21" name="Rectangle 20">
-            <a:extLst>
-              <a:ext uri="{FF2B5EF4-FFF2-40B4-BE49-F238E27FC236}">
-                <a16:creationId xmlns:a16="http://schemas.microsoft.com/office/drawing/2014/main" id="{2BFA61FD-2B44-4DD1-8A16-65F7EC486A14}"/>
-              </a:ext>
-            </a:extLst>
-          </p:cNvPr>
-          <p:cNvSpPr/>
-          <p:nvPr/>
-        </p:nvSpPr>
-        <p:spPr>
-          <a:xfrm>
-            <a:off x="2211527" y="2043215"/>
-            <a:ext cx="993605" cy="369332"/>
-          </a:xfrm>
-          <a:prstGeom prst="rect">
-            <a:avLst/>
-          </a:prstGeom>
-        </p:spPr>
-        <p:txBody>
-          <a:bodyPr wrap="none">
-            <a:spAutoFit/>
-          </a:bodyPr>
-          <a:lstStyle/>
-          <a:p>
-            <a:r>
-              <a:rPr lang="en-US" dirty="0"/>
-              <a:t>Platform</a:t>
-            </a:r>
-          </a:p>
-        </p:txBody>
-      </p:sp>
-      <p:sp>
-        <p:nvSpPr>
-          <p:cNvPr id="22" name="Oval 21">
-            <a:extLst>
-              <a:ext uri="{FF2B5EF4-FFF2-40B4-BE49-F238E27FC236}">
-                <a16:creationId xmlns:a16="http://schemas.microsoft.com/office/drawing/2014/main" id="{1BCB173D-C35F-434F-BDCF-9FF52F1432D1}"/>
-              </a:ext>
-            </a:extLst>
-          </p:cNvPr>
-          <p:cNvSpPr/>
-          <p:nvPr/>
-        </p:nvSpPr>
-        <p:spPr>
-          <a:xfrm>
-            <a:off x="1499462" y="79426"/>
-            <a:ext cx="247973" cy="247973"/>
-          </a:xfrm>
-          <a:prstGeom prst="ellipse">
-            <a:avLst/>
-          </a:prstGeom>
-          <a:solidFill>
-            <a:schemeClr val="bg1"/>
-          </a:solidFill>
-          <a:ln w="19050">
-            <a:solidFill>
-              <a:schemeClr val="tx1"/>
-            </a:solidFill>
-          </a:ln>
-        </p:spPr>
-        <p:style>
-          <a:lnRef idx="2">
-            <a:schemeClr val="accent1">
-              <a:shade val="50000"/>
-            </a:schemeClr>
-          </a:lnRef>
-          <a:fillRef idx="1">
-            <a:schemeClr val="accent1"/>
-          </a:fillRef>
-          <a:effectRef idx="0">
-            <a:schemeClr val="accent1"/>
-          </a:effectRef>
-          <a:fontRef idx="minor">
-            <a:schemeClr val="lt1"/>
-          </a:fontRef>
-        </p:style>
-        <p:txBody>
-          <a:bodyPr rtlCol="0" anchor="ctr"/>
-          <a:lstStyle/>
-          <a:p>
-            <a:pPr algn="ctr"/>
-            <a:r>
-              <a:rPr lang="en-US" b="1" dirty="0">
-                <a:solidFill>
-                  <a:schemeClr val="tx1"/>
-                </a:solidFill>
-              </a:rPr>
-              <a:t>3</a:t>
-            </a:r>
-          </a:p>
-        </p:txBody>
-      </p:sp>
-    </p:spTree>
-    <p:extLst>
-      <p:ext uri="{BB962C8B-B14F-4D97-AF65-F5344CB8AC3E}">
-        <p14:creationId xmlns:p14="http://schemas.microsoft.com/office/powerpoint/2010/main" val="681206738"/>
-      </p:ext>
-    </p:extLst>
-  </p:cSld>
-  <p:clrMapOvr>
-    <a:masterClrMapping/>
-  </p:clrMapOvr>
-</p:sld>
-</file>
-
-<file path=ppt/slides/slide2.xml><?xml version="1.0" encoding="utf-8"?>
-<p:sld xmlns:a="http://schemas.openxmlformats.org/drawingml/2006/main" xmlns:r="http://schemas.openxmlformats.org/officeDocument/2006/relationships" xmlns:p="http://schemas.openxmlformats.org/presentationml/2006/main">
-  <p:cSld>
-    <p:spTree>
-      <p:nvGrpSpPr>
-        <p:cNvPr id="1" name=""/>
-        <p:cNvGrpSpPr/>
-        <p:nvPr/>
-      </p:nvGrpSpPr>
-      <p:grpSpPr>
-        <a:xfrm>
-          <a:off x="0" y="0"/>
-          <a:ext cx="0" cy="0"/>
-          <a:chOff x="0" y="0"/>
-          <a:chExt cx="0" cy="0"/>
-        </a:xfrm>
-      </p:grpSpPr>
-      <p:sp>
-        <p:nvSpPr>
-          <p:cNvPr id="46" name="Rectangle 45">
-            <a:extLst>
-              <a:ext uri="{FF2B5EF4-FFF2-40B4-BE49-F238E27FC236}">
-                <a16:creationId xmlns:a16="http://schemas.microsoft.com/office/drawing/2014/main" id="{BEF52DC0-B779-4EC2-BCFB-3F6AD9137990}"/>
-              </a:ext>
-            </a:extLst>
-          </p:cNvPr>
-          <p:cNvSpPr/>
-          <p:nvPr/>
-        </p:nvSpPr>
-        <p:spPr>
-          <a:xfrm>
-            <a:off x="4839841" y="1048042"/>
-            <a:ext cx="2457670" cy="1883148"/>
-          </a:xfrm>
-          <a:prstGeom prst="rect">
-            <a:avLst/>
-          </a:prstGeom>
-          <a:noFill/>
-          <a:ln w="38100">
-            <a:solidFill>
-              <a:srgbClr val="ED8B1F"/>
-            </a:solidFill>
-          </a:ln>
-        </p:spPr>
-        <p:style>
-          <a:lnRef idx="2">
-            <a:schemeClr val="accent1">
-              <a:shade val="50000"/>
-            </a:schemeClr>
-          </a:lnRef>
-          <a:fillRef idx="1">
-            <a:schemeClr val="accent1"/>
-          </a:fillRef>
-          <a:effectRef idx="0">
-            <a:schemeClr val="accent1"/>
-          </a:effectRef>
-          <a:fontRef idx="minor">
-            <a:schemeClr val="lt1"/>
-          </a:fontRef>
-        </p:style>
-        <p:txBody>
-          <a:bodyPr rtlCol="0" anchor="ctr"/>
-          <a:lstStyle/>
-          <a:p>
-            <a:pPr algn="ctr"/>
             <a:endParaRPr lang="en-US"/>
           </a:p>
         </p:txBody>
@@ -4834,7 +4086,7 @@
         </p:nvCxnSpPr>
         <p:spPr>
           <a:xfrm>
-            <a:off x="4131404" y="213131"/>
+            <a:off x="3895794" y="213131"/>
             <a:ext cx="795022" cy="0"/>
           </a:xfrm>
           <a:prstGeom prst="line">
@@ -4877,7 +4129,7 @@
         </p:nvCxnSpPr>
         <p:spPr>
           <a:xfrm>
-            <a:off x="4287609" y="649577"/>
+            <a:off x="4051999" y="649577"/>
             <a:ext cx="795022" cy="0"/>
           </a:xfrm>
           <a:prstGeom prst="line">
@@ -4918,7 +4170,7 @@
         </p:nvSpPr>
         <p:spPr>
           <a:xfrm>
-            <a:off x="3753770" y="3912572"/>
+            <a:off x="3518160" y="3912572"/>
             <a:ext cx="5604849" cy="813482"/>
           </a:xfrm>
           <a:prstGeom prst="rect">
@@ -4984,7 +4236,7 @@
         </p:blipFill>
         <p:spPr>
           <a:xfrm>
-            <a:off x="8383381" y="2550220"/>
+            <a:off x="8147771" y="2550220"/>
             <a:ext cx="876060" cy="718107"/>
           </a:xfrm>
           <a:prstGeom prst="rect">
@@ -5020,7 +4272,7 @@
         </p:blipFill>
         <p:spPr>
           <a:xfrm>
-            <a:off x="8383380" y="3851502"/>
+            <a:off x="8147770" y="3851502"/>
             <a:ext cx="810372" cy="810372"/>
           </a:xfrm>
           <a:prstGeom prst="rect">
@@ -5055,7 +4307,7 @@
         </p:blipFill>
         <p:spPr>
           <a:xfrm>
-            <a:off x="8383381" y="950591"/>
+            <a:off x="8147771" y="950591"/>
             <a:ext cx="975239" cy="762000"/>
           </a:xfrm>
           <a:prstGeom prst="rect">
@@ -5077,8 +4329,8 @@
         </p:nvSpPr>
         <p:spPr>
           <a:xfrm>
-            <a:off x="2178375" y="1004274"/>
-            <a:ext cx="5404666" cy="3810000"/>
+            <a:off x="2155845" y="1004274"/>
+            <a:ext cx="5191586" cy="3810000"/>
           </a:xfrm>
           <a:prstGeom prst="roundRect">
             <a:avLst>
@@ -5145,7 +4397,7 @@
         </p:blipFill>
         <p:spPr>
           <a:xfrm>
-            <a:off x="4001641" y="3976074"/>
+            <a:off x="3766031" y="3976074"/>
             <a:ext cx="736194" cy="736194"/>
           </a:xfrm>
           <a:prstGeom prst="rect">
@@ -5167,8 +4419,8 @@
         </p:nvSpPr>
         <p:spPr>
           <a:xfrm>
-            <a:off x="2502107" y="3061674"/>
-            <a:ext cx="4852333" cy="736194"/>
+            <a:off x="2676964" y="3061674"/>
+            <a:ext cx="4441866" cy="736194"/>
           </a:xfrm>
           <a:prstGeom prst="roundRect">
             <a:avLst>
@@ -5234,7 +4486,7 @@
         </p:blipFill>
         <p:spPr bwMode="auto">
           <a:xfrm>
-            <a:off x="3620641" y="3137874"/>
+            <a:off x="3385031" y="3137874"/>
             <a:ext cx="478047" cy="564446"/>
           </a:xfrm>
           <a:prstGeom prst="rect">
@@ -5280,44 +4532,8 @@
         </p:blipFill>
         <p:spPr>
           <a:xfrm>
-            <a:off x="4458841" y="3195978"/>
+            <a:off x="4223231" y="3195978"/>
             <a:ext cx="467585" cy="467585"/>
-          </a:xfrm>
-          <a:prstGeom prst="rect">
-            <a:avLst/>
-          </a:prstGeom>
-        </p:spPr>
-      </p:pic>
-      <p:pic>
-        <p:nvPicPr>
-          <p:cNvPr id="15" name="Picture 14">
-            <a:extLst>
-              <a:ext uri="{FF2B5EF4-FFF2-40B4-BE49-F238E27FC236}">
-                <a16:creationId xmlns:a16="http://schemas.microsoft.com/office/drawing/2014/main" id="{8CB2927C-E8D7-49B4-91F4-D9CCA92A584A}"/>
-              </a:ext>
-            </a:extLst>
-          </p:cNvPr>
-          <p:cNvPicPr>
-            <a:picLocks noChangeAspect="1"/>
-          </p:cNvPicPr>
-          <p:nvPr/>
-        </p:nvPicPr>
-        <p:blipFill>
-          <a:blip r:embed="rId8" cstate="print">
-            <a:extLst>
-              <a:ext uri="{28A0092B-C50C-407E-A947-70E740481C1C}">
-                <a14:useLocalDpi xmlns:a14="http://schemas.microsoft.com/office/drawing/2010/main" val="0"/>
-              </a:ext>
-            </a:extLst>
-          </a:blip>
-          <a:stretch>
-            <a:fillRect/>
-          </a:stretch>
-        </p:blipFill>
-        <p:spPr>
-          <a:xfrm>
-            <a:off x="2259344" y="3432546"/>
-            <a:ext cx="480026" cy="480026"/>
           </a:xfrm>
           <a:prstGeom prst="rect">
             <a:avLst/>
@@ -5338,7 +4554,7 @@
         </p:nvGrpSpPr>
         <p:grpSpPr>
           <a:xfrm>
-            <a:off x="5525641" y="1155458"/>
+            <a:off x="5290031" y="1155458"/>
             <a:ext cx="1182721" cy="1182721"/>
             <a:chOff x="8989219" y="2308605"/>
             <a:chExt cx="1599895" cy="1599895"/>
@@ -5359,7 +4575,7 @@
             <p:nvPr/>
           </p:nvPicPr>
           <p:blipFill>
-            <a:blip r:embed="rId9" cstate="print">
+            <a:blip r:embed="rId8" cstate="print">
               <a:extLst>
                 <a:ext uri="{28A0092B-C50C-407E-A947-70E740481C1C}">
                   <a14:useLocalDpi xmlns:a14="http://schemas.microsoft.com/office/drawing/2010/main" val="0"/>
@@ -5551,7 +4767,7 @@
         </p:nvSpPr>
         <p:spPr>
           <a:xfrm>
-            <a:off x="4974001" y="2413569"/>
+            <a:off x="4738391" y="2413569"/>
             <a:ext cx="2286000" cy="584775"/>
           </a:xfrm>
           <a:prstGeom prst="rect">
@@ -5591,7 +4807,7 @@
         </p:nvCxnSpPr>
         <p:spPr>
           <a:xfrm flipV="1">
-            <a:off x="7583041" y="1331591"/>
+            <a:off x="7347431" y="1331591"/>
             <a:ext cx="800340" cy="1577683"/>
           </a:xfrm>
           <a:prstGeom prst="bentConnector3">
@@ -5639,7 +4855,7 @@
         </p:nvCxnSpPr>
         <p:spPr>
           <a:xfrm>
-            <a:off x="7583041" y="2909274"/>
+            <a:off x="7347431" y="2909274"/>
             <a:ext cx="800339" cy="1347414"/>
           </a:xfrm>
           <a:prstGeom prst="bentConnector3">
@@ -5689,7 +4905,7 @@
         </p:nvCxnSpPr>
         <p:spPr>
           <a:xfrm>
-            <a:off x="7583041" y="2909274"/>
+            <a:off x="7347431" y="2909274"/>
             <a:ext cx="800340" cy="0"/>
           </a:xfrm>
           <a:prstGeom prst="straightConnector1">
@@ -5733,7 +4949,7 @@
         </p:nvSpPr>
         <p:spPr>
           <a:xfrm>
-            <a:off x="796944" y="7817"/>
+            <a:off x="561334" y="7817"/>
             <a:ext cx="3771878" cy="389980"/>
           </a:xfrm>
           <a:prstGeom prst="roundRect">
@@ -5787,7 +5003,7 @@
         </p:nvSpPr>
         <p:spPr>
           <a:xfrm>
-            <a:off x="434647" y="28465"/>
+            <a:off x="199037" y="28465"/>
             <a:ext cx="4475560" cy="369332"/>
           </a:xfrm>
           <a:prstGeom prst="rect">
@@ -5830,7 +5046,7 @@
         </p:nvSpPr>
         <p:spPr>
           <a:xfrm>
-            <a:off x="4867245" y="7817"/>
+            <a:off x="4631635" y="7817"/>
             <a:ext cx="2473751" cy="389980"/>
           </a:xfrm>
           <a:prstGeom prst="roundRect">
@@ -5839,7 +5055,7 @@
             </a:avLst>
           </a:prstGeom>
           <a:solidFill>
-            <a:srgbClr val="F3B067"/>
+            <a:srgbClr val="EE8F26"/>
           </a:solidFill>
           <a:ln w="12700">
             <a:noFill/>
@@ -5866,7 +5082,11 @@
           <a:lstStyle/>
           <a:p>
             <a:pPr algn="ctr"/>
-            <a:endParaRPr lang="en-US"/>
+            <a:endParaRPr lang="en-US">
+              <a:solidFill>
+                <a:srgbClr val="E39C1B"/>
+              </a:solidFill>
+            </a:endParaRPr>
           </a:p>
         </p:txBody>
       </p:sp>
@@ -5884,7 +5104,7 @@
         </p:nvSpPr>
         <p:spPr>
           <a:xfrm>
-            <a:off x="4444859" y="28465"/>
+            <a:off x="4209249" y="28465"/>
             <a:ext cx="3343791" cy="369332"/>
           </a:xfrm>
           <a:prstGeom prst="rect">
@@ -5923,7 +5143,7 @@
         </p:nvSpPr>
         <p:spPr>
           <a:xfrm>
-            <a:off x="796944" y="450779"/>
+            <a:off x="561334" y="450779"/>
             <a:ext cx="3771878" cy="389980"/>
           </a:xfrm>
           <a:prstGeom prst="roundRect">
@@ -5977,7 +5197,7 @@
         </p:nvSpPr>
         <p:spPr>
           <a:xfrm>
-            <a:off x="338235" y="471427"/>
+            <a:off x="102625" y="471427"/>
             <a:ext cx="4399547" cy="646331"/>
           </a:xfrm>
           <a:prstGeom prst="rect">
@@ -6002,42 +5222,6 @@
           </a:p>
         </p:txBody>
       </p:sp>
-      <p:pic>
-        <p:nvPicPr>
-          <p:cNvPr id="32" name="Picture 31">
-            <a:extLst>
-              <a:ext uri="{FF2B5EF4-FFF2-40B4-BE49-F238E27FC236}">
-                <a16:creationId xmlns:a16="http://schemas.microsoft.com/office/drawing/2014/main" id="{E70D137F-1216-4D5D-9E54-6D35B595F45B}"/>
-              </a:ext>
-            </a:extLst>
-          </p:cNvPr>
-          <p:cNvPicPr>
-            <a:picLocks noChangeAspect="1"/>
-          </p:cNvPicPr>
-          <p:nvPr/>
-        </p:nvPicPr>
-        <p:blipFill>
-          <a:blip r:embed="rId10" cstate="print">
-            <a:extLst>
-              <a:ext uri="{28A0092B-C50C-407E-A947-70E740481C1C}">
-                <a14:useLocalDpi xmlns:a14="http://schemas.microsoft.com/office/drawing/2010/main" val="0"/>
-              </a:ext>
-            </a:extLst>
-          </a:blip>
-          <a:stretch>
-            <a:fillRect/>
-          </a:stretch>
-        </p:blipFill>
-        <p:spPr>
-          <a:xfrm>
-            <a:off x="3889712" y="4344171"/>
-            <a:ext cx="480026" cy="480026"/>
-          </a:xfrm>
-          <a:prstGeom prst="rect">
-            <a:avLst/>
-          </a:prstGeom>
-        </p:spPr>
-      </p:pic>
       <p:sp>
         <p:nvSpPr>
           <p:cNvPr id="33" name="Rectangle: Rounded Corners 32">
@@ -6052,7 +5236,7 @@
         </p:nvSpPr>
         <p:spPr>
           <a:xfrm>
-            <a:off x="4293695" y="5010739"/>
+            <a:off x="4058085" y="5010739"/>
             <a:ext cx="3289346" cy="389980"/>
           </a:xfrm>
           <a:prstGeom prst="roundRect">
@@ -6106,7 +5290,7 @@
         </p:nvSpPr>
         <p:spPr>
           <a:xfrm>
-            <a:off x="4521442" y="5024526"/>
+            <a:off x="4285832" y="5024526"/>
             <a:ext cx="2819554" cy="369332"/>
           </a:xfrm>
           <a:prstGeom prst="rect">
@@ -6141,7 +5325,7 @@
           <p:nvPr/>
         </p:nvPicPr>
         <p:blipFill>
-          <a:blip r:embed="rId11" cstate="print">
+          <a:blip r:embed="rId9" cstate="print">
             <a:extLst>
               <a:ext uri="{28A0092B-C50C-407E-A947-70E740481C1C}">
                 <a14:useLocalDpi xmlns:a14="http://schemas.microsoft.com/office/drawing/2010/main" val="0"/>
@@ -6154,7 +5338,7 @@
         </p:blipFill>
         <p:spPr>
           <a:xfrm>
-            <a:off x="2454396" y="4011518"/>
+            <a:off x="2532560" y="4011518"/>
             <a:ext cx="611350" cy="611350"/>
           </a:xfrm>
           <a:prstGeom prst="rect">
@@ -6177,7 +5361,7 @@
           <p:nvPr/>
         </p:nvPicPr>
         <p:blipFill>
-          <a:blip r:embed="rId12" cstate="print">
+          <a:blip r:embed="rId10" cstate="print">
             <a:extLst>
               <a:ext uri="{28A0092B-C50C-407E-A947-70E740481C1C}">
                 <a14:useLocalDpi xmlns:a14="http://schemas.microsoft.com/office/drawing/2010/main" val="0"/>
@@ -6190,7 +5374,7 @@
         </p:blipFill>
         <p:spPr>
           <a:xfrm rot="5400000">
-            <a:off x="9855302" y="779997"/>
+            <a:off x="9619692" y="779997"/>
             <a:ext cx="909858" cy="909858"/>
           </a:xfrm>
           <a:prstGeom prst="rect">
@@ -6213,7 +5397,7 @@
           <p:nvPr/>
         </p:nvPicPr>
         <p:blipFill>
-          <a:blip r:embed="rId13" cstate="print">
+          <a:blip r:embed="rId11" cstate="print">
             <a:extLst>
               <a:ext uri="{28A0092B-C50C-407E-A947-70E740481C1C}">
                 <a14:useLocalDpi xmlns:a14="http://schemas.microsoft.com/office/drawing/2010/main" val="0"/>
@@ -6226,7 +5410,7 @@
         </p:blipFill>
         <p:spPr>
           <a:xfrm>
-            <a:off x="9859284" y="2407081"/>
+            <a:off x="9623674" y="2407081"/>
             <a:ext cx="909858" cy="909858"/>
           </a:xfrm>
           <a:prstGeom prst="rect">
@@ -6249,7 +5433,7 @@
           <p:nvPr/>
         </p:nvPicPr>
         <p:blipFill rotWithShape="1">
-          <a:blip r:embed="rId14" cstate="print">
+          <a:blip r:embed="rId12" cstate="print">
             <a:extLst>
               <a:ext uri="{28A0092B-C50C-407E-A947-70E740481C1C}">
                 <a14:useLocalDpi xmlns:a14="http://schemas.microsoft.com/office/drawing/2010/main" val="0"/>
@@ -6261,7 +5445,7 @@
         </p:blipFill>
         <p:spPr>
           <a:xfrm>
-            <a:off x="10008212" y="3851502"/>
+            <a:off x="9772602" y="3851502"/>
             <a:ext cx="612001" cy="718423"/>
           </a:xfrm>
           <a:prstGeom prst="rect">
@@ -6283,7 +5467,7 @@
         </p:nvSpPr>
         <p:spPr>
           <a:xfrm>
-            <a:off x="7906773" y="10666"/>
+            <a:off x="7671163" y="10666"/>
             <a:ext cx="2928231" cy="389980"/>
           </a:xfrm>
           <a:prstGeom prst="roundRect">
@@ -6337,7 +5521,7 @@
         </p:nvSpPr>
         <p:spPr>
           <a:xfrm>
-            <a:off x="7428857" y="13642"/>
+            <a:off x="7193247" y="13642"/>
             <a:ext cx="3406147" cy="369332"/>
           </a:xfrm>
           <a:prstGeom prst="rect">
@@ -6373,7 +5557,7 @@
           <p:nvPr/>
         </p:nvPicPr>
         <p:blipFill>
-          <a:blip r:embed="rId15" cstate="print">
+          <a:blip r:embed="rId13" cstate="print">
             <a:extLst>
               <a:ext uri="{28A0092B-C50C-407E-A947-70E740481C1C}">
                 <a14:useLocalDpi xmlns:a14="http://schemas.microsoft.com/office/drawing/2010/main" val="0"/>
@@ -6386,7 +5570,7 @@
         </p:blipFill>
         <p:spPr>
           <a:xfrm>
-            <a:off x="323836" y="1133652"/>
+            <a:off x="67061" y="1100963"/>
             <a:ext cx="1253159" cy="1253159"/>
           </a:xfrm>
           <a:prstGeom prst="rect">
@@ -6408,7 +5592,7 @@
         </p:nvSpPr>
         <p:spPr>
           <a:xfrm>
-            <a:off x="71327" y="2118180"/>
+            <a:off x="-185448" y="2085491"/>
             <a:ext cx="1676400" cy="338554"/>
           </a:xfrm>
           <a:prstGeom prst="rect">
@@ -6444,7 +5628,7 @@
         </p:nvSpPr>
         <p:spPr>
           <a:xfrm>
-            <a:off x="5563103" y="4126078"/>
+            <a:off x="5327493" y="4126078"/>
             <a:ext cx="1767343" cy="369332"/>
           </a:xfrm>
           <a:prstGeom prst="rect">
@@ -6480,7 +5664,7 @@
         </p:nvCxnSpPr>
         <p:spPr>
           <a:xfrm>
-            <a:off x="5082631" y="4710416"/>
+            <a:off x="4847021" y="4710416"/>
             <a:ext cx="0" cy="314110"/>
           </a:xfrm>
           <a:prstGeom prst="line">
@@ -6523,8 +5707,8 @@
         </p:nvCxnSpPr>
         <p:spPr>
           <a:xfrm>
-            <a:off x="1514364" y="4190193"/>
-            <a:ext cx="940032" cy="0"/>
+            <a:off x="1278754" y="4190193"/>
+            <a:ext cx="1253806" cy="0"/>
           </a:xfrm>
           <a:prstGeom prst="line">
             <a:avLst/>
@@ -6566,7 +5750,7 @@
         </p:nvCxnSpPr>
         <p:spPr>
           <a:xfrm>
-            <a:off x="9510452" y="382974"/>
+            <a:off x="9274842" y="382974"/>
             <a:ext cx="0" cy="2473294"/>
           </a:xfrm>
           <a:prstGeom prst="line">
@@ -6607,7 +5791,7 @@
         </p:nvSpPr>
         <p:spPr>
           <a:xfrm>
-            <a:off x="9720886" y="790856"/>
+            <a:off x="9485276" y="790856"/>
             <a:ext cx="1138756" cy="909858"/>
           </a:xfrm>
           <a:prstGeom prst="rect">
@@ -6659,7 +5843,7 @@
         </p:nvSpPr>
         <p:spPr>
           <a:xfrm>
-            <a:off x="9720886" y="2358469"/>
+            <a:off x="9485276" y="2358469"/>
             <a:ext cx="1176970" cy="995598"/>
           </a:xfrm>
           <a:prstGeom prst="rect">
@@ -6714,7 +5898,7 @@
         </p:nvCxnSpPr>
         <p:spPr>
           <a:xfrm>
-            <a:off x="9510452" y="1245784"/>
+            <a:off x="9274842" y="1245784"/>
             <a:ext cx="210434" cy="1"/>
           </a:xfrm>
           <a:prstGeom prst="line">
@@ -6758,7 +5942,7 @@
         </p:nvCxnSpPr>
         <p:spPr>
           <a:xfrm>
-            <a:off x="9510452" y="2856268"/>
+            <a:off x="9274842" y="2856268"/>
             <a:ext cx="210434" cy="0"/>
           </a:xfrm>
           <a:prstGeom prst="line">
@@ -6803,7 +5987,7 @@
         </p:nvCxnSpPr>
         <p:spPr>
           <a:xfrm rot="10800000" flipV="1">
-            <a:off x="6708363" y="205655"/>
+            <a:off x="6472753" y="205655"/>
             <a:ext cx="1198411" cy="1541163"/>
           </a:xfrm>
           <a:prstGeom prst="bentConnector3">
@@ -6848,7 +6032,7 @@
         </p:nvCxnSpPr>
         <p:spPr>
           <a:xfrm>
-            <a:off x="5082631" y="396223"/>
+            <a:off x="4847021" y="396223"/>
             <a:ext cx="0" cy="651819"/>
           </a:xfrm>
           <a:prstGeom prst="line">
@@ -6889,7 +6073,7 @@
         </p:nvSpPr>
         <p:spPr>
           <a:xfrm>
-            <a:off x="27345" y="3620012"/>
+            <a:off x="32957" y="3620012"/>
             <a:ext cx="2058757" cy="1448319"/>
           </a:xfrm>
           <a:prstGeom prst="roundRect">
@@ -6943,7 +6127,7 @@
         </p:nvSpPr>
         <p:spPr>
           <a:xfrm>
-            <a:off x="-454451" y="3605507"/>
+            <a:off x="-448839" y="3605507"/>
             <a:ext cx="2727957" cy="1477328"/>
           </a:xfrm>
           <a:prstGeom prst="rect">
@@ -6978,8 +6162,8 @@
         </p:nvSpPr>
         <p:spPr>
           <a:xfrm>
-            <a:off x="1436729" y="1760232"/>
-            <a:ext cx="3967029" cy="168619"/>
+            <a:off x="1133187" y="1762003"/>
+            <a:ext cx="4034961" cy="158160"/>
           </a:xfrm>
           <a:prstGeom prst="leftRightArrow">
             <a:avLst>
@@ -7036,7 +6220,7 @@
           <p:nvPr/>
         </p:nvPicPr>
         <p:blipFill>
-          <a:blip r:embed="rId16">
+          <a:blip r:embed="rId14">
             <a:extLst>
               <a:ext uri="{28A0092B-C50C-407E-A947-70E740481C1C}">
                 <a14:useLocalDpi xmlns:a14="http://schemas.microsoft.com/office/drawing/2010/main" val="0"/>
@@ -7050,7 +6234,7 @@
         </p:blipFill>
         <p:spPr bwMode="auto">
           <a:xfrm>
-            <a:off x="5571879" y="3154540"/>
+            <a:off x="5336269" y="3154540"/>
             <a:ext cx="522736" cy="522736"/>
           </a:xfrm>
           <a:prstGeom prst="rect">
@@ -7068,6 +6252,312 @@
           </a:extLst>
         </p:spPr>
       </p:pic>
+      <p:pic>
+        <p:nvPicPr>
+          <p:cNvPr id="62" name="Picture 61">
+            <a:extLst>
+              <a:ext uri="{FF2B5EF4-FFF2-40B4-BE49-F238E27FC236}">
+                <a16:creationId xmlns:a16="http://schemas.microsoft.com/office/drawing/2014/main" id="{40E97DFE-E250-452B-A9AD-37F7F6337A65}"/>
+              </a:ext>
+            </a:extLst>
+          </p:cNvPr>
+          <p:cNvPicPr>
+            <a:picLocks noChangeAspect="1"/>
+          </p:cNvPicPr>
+          <p:nvPr/>
+        </p:nvPicPr>
+        <p:blipFill>
+          <a:blip r:embed="rId15" cstate="print">
+            <a:extLst>
+              <a:ext uri="{28A0092B-C50C-407E-A947-70E740481C1C}">
+                <a14:useLocalDpi xmlns:a14="http://schemas.microsoft.com/office/drawing/2010/main" val="0"/>
+              </a:ext>
+            </a:extLst>
+          </a:blip>
+          <a:stretch>
+            <a:fillRect/>
+          </a:stretch>
+        </p:blipFill>
+        <p:spPr>
+          <a:xfrm>
+            <a:off x="2469309" y="3435127"/>
+            <a:ext cx="497021" cy="497021"/>
+          </a:xfrm>
+          <a:prstGeom prst="rect">
+            <a:avLst/>
+          </a:prstGeom>
+        </p:spPr>
+      </p:pic>
+      <p:sp>
+        <p:nvSpPr>
+          <p:cNvPr id="2" name="Rectangle 1">
+            <a:extLst>
+              <a:ext uri="{FF2B5EF4-FFF2-40B4-BE49-F238E27FC236}">
+                <a16:creationId xmlns:a16="http://schemas.microsoft.com/office/drawing/2014/main" id="{DBCFAD67-CBEA-4FBE-B409-6BA66A173388}"/>
+              </a:ext>
+            </a:extLst>
+          </p:cNvPr>
+          <p:cNvSpPr/>
+          <p:nvPr/>
+        </p:nvSpPr>
+        <p:spPr>
+          <a:xfrm>
+            <a:off x="-42480" y="227636"/>
+            <a:ext cx="587981" cy="369332"/>
+          </a:xfrm>
+          <a:prstGeom prst="rect">
+            <a:avLst/>
+          </a:prstGeom>
+        </p:spPr>
+        <p:txBody>
+          <a:bodyPr wrap="none">
+            <a:spAutoFit/>
+          </a:bodyPr>
+          <a:lstStyle/>
+          <a:p>
+            <a:r>
+              <a:rPr lang="en-US" b="1" dirty="0"/>
+              <a:t>RQ1</a:t>
+            </a:r>
+            <a:endParaRPr lang="en-US" dirty="0"/>
+          </a:p>
+        </p:txBody>
+      </p:sp>
+      <p:sp>
+        <p:nvSpPr>
+          <p:cNvPr id="63" name="Rectangle 62">
+            <a:extLst>
+              <a:ext uri="{FF2B5EF4-FFF2-40B4-BE49-F238E27FC236}">
+                <a16:creationId xmlns:a16="http://schemas.microsoft.com/office/drawing/2014/main" id="{1D9A7C27-516E-48DF-952B-351E2BC999F7}"/>
+              </a:ext>
+            </a:extLst>
+          </p:cNvPr>
+          <p:cNvSpPr/>
+          <p:nvPr/>
+        </p:nvSpPr>
+        <p:spPr>
+          <a:xfrm>
+            <a:off x="5546851" y="346231"/>
+            <a:ext cx="587981" cy="369332"/>
+          </a:xfrm>
+          <a:prstGeom prst="rect">
+            <a:avLst/>
+          </a:prstGeom>
+        </p:spPr>
+        <p:txBody>
+          <a:bodyPr wrap="none">
+            <a:spAutoFit/>
+          </a:bodyPr>
+          <a:lstStyle/>
+          <a:p>
+            <a:r>
+              <a:rPr lang="en-US" b="1" dirty="0"/>
+              <a:t>RQ2</a:t>
+            </a:r>
+            <a:endParaRPr lang="en-US" dirty="0"/>
+          </a:p>
+        </p:txBody>
+      </p:sp>
+      <p:sp>
+        <p:nvSpPr>
+          <p:cNvPr id="64" name="Rectangle 63">
+            <a:extLst>
+              <a:ext uri="{FF2B5EF4-FFF2-40B4-BE49-F238E27FC236}">
+                <a16:creationId xmlns:a16="http://schemas.microsoft.com/office/drawing/2014/main" id="{B2E1D696-BC20-4776-AEC4-52F72651D344}"/>
+              </a:ext>
+            </a:extLst>
+          </p:cNvPr>
+          <p:cNvSpPr/>
+          <p:nvPr/>
+        </p:nvSpPr>
+        <p:spPr>
+          <a:xfrm>
+            <a:off x="3518160" y="5000967"/>
+            <a:ext cx="587981" cy="369332"/>
+          </a:xfrm>
+          <a:prstGeom prst="rect">
+            <a:avLst/>
+          </a:prstGeom>
+        </p:spPr>
+        <p:txBody>
+          <a:bodyPr wrap="none">
+            <a:spAutoFit/>
+          </a:bodyPr>
+          <a:lstStyle/>
+          <a:p>
+            <a:r>
+              <a:rPr lang="en-US" b="1" dirty="0"/>
+              <a:t>RQ3</a:t>
+            </a:r>
+            <a:endParaRPr lang="en-US" dirty="0"/>
+          </a:p>
+        </p:txBody>
+      </p:sp>
+      <p:sp>
+        <p:nvSpPr>
+          <p:cNvPr id="65" name="Rectangle 64">
+            <a:extLst>
+              <a:ext uri="{FF2B5EF4-FFF2-40B4-BE49-F238E27FC236}">
+                <a16:creationId xmlns:a16="http://schemas.microsoft.com/office/drawing/2014/main" id="{7F7FB89F-B9D3-4A84-8730-F1FCFB82510A}"/>
+              </a:ext>
+            </a:extLst>
+          </p:cNvPr>
+          <p:cNvSpPr/>
+          <p:nvPr/>
+        </p:nvSpPr>
+        <p:spPr>
+          <a:xfrm>
+            <a:off x="8746996" y="316209"/>
+            <a:ext cx="587981" cy="369332"/>
+          </a:xfrm>
+          <a:prstGeom prst="rect">
+            <a:avLst/>
+          </a:prstGeom>
+        </p:spPr>
+        <p:txBody>
+          <a:bodyPr wrap="none">
+            <a:spAutoFit/>
+          </a:bodyPr>
+          <a:lstStyle/>
+          <a:p>
+            <a:r>
+              <a:rPr lang="en-US" b="1" dirty="0"/>
+              <a:t>RQ4</a:t>
+            </a:r>
+            <a:endParaRPr lang="en-US" dirty="0"/>
+          </a:p>
+        </p:txBody>
+      </p:sp>
+      <p:sp>
+        <p:nvSpPr>
+          <p:cNvPr id="66" name="Rectangle 65">
+            <a:extLst>
+              <a:ext uri="{FF2B5EF4-FFF2-40B4-BE49-F238E27FC236}">
+                <a16:creationId xmlns:a16="http://schemas.microsoft.com/office/drawing/2014/main" id="{5C287C71-903F-48B9-B930-AEA5BD67A5CE}"/>
+              </a:ext>
+            </a:extLst>
+          </p:cNvPr>
+          <p:cNvSpPr/>
+          <p:nvPr/>
+        </p:nvSpPr>
+        <p:spPr>
+          <a:xfrm>
+            <a:off x="601389" y="3284062"/>
+            <a:ext cx="804387" cy="369332"/>
+          </a:xfrm>
+          <a:prstGeom prst="rect">
+            <a:avLst/>
+          </a:prstGeom>
+        </p:spPr>
+        <p:txBody>
+          <a:bodyPr wrap="none">
+            <a:spAutoFit/>
+          </a:bodyPr>
+          <a:lstStyle/>
+          <a:p>
+            <a:r>
+              <a:rPr lang="en-US" b="1" dirty="0"/>
+              <a:t>RQ3/4</a:t>
+            </a:r>
+            <a:endParaRPr lang="en-US" dirty="0"/>
+          </a:p>
+        </p:txBody>
+      </p:sp>
+      <p:sp>
+        <p:nvSpPr>
+          <p:cNvPr id="67" name="Rectangle 66">
+            <a:extLst>
+              <a:ext uri="{FF2B5EF4-FFF2-40B4-BE49-F238E27FC236}">
+                <a16:creationId xmlns:a16="http://schemas.microsoft.com/office/drawing/2014/main" id="{98B20AAA-1CC5-47A4-959F-890AE67A62B5}"/>
+              </a:ext>
+            </a:extLst>
+          </p:cNvPr>
+          <p:cNvSpPr/>
+          <p:nvPr/>
+        </p:nvSpPr>
+        <p:spPr>
+          <a:xfrm>
+            <a:off x="7970370" y="2358469"/>
+            <a:ext cx="1176970" cy="995598"/>
+          </a:xfrm>
+          <a:prstGeom prst="rect">
+            <a:avLst/>
+          </a:prstGeom>
+          <a:noFill/>
+          <a:ln w="38100">
+            <a:solidFill>
+              <a:srgbClr val="5AF41C"/>
+            </a:solidFill>
+          </a:ln>
+        </p:spPr>
+        <p:style>
+          <a:lnRef idx="2">
+            <a:schemeClr val="accent1">
+              <a:shade val="50000"/>
+            </a:schemeClr>
+          </a:lnRef>
+          <a:fillRef idx="1">
+            <a:schemeClr val="accent1"/>
+          </a:fillRef>
+          <a:effectRef idx="0">
+            <a:schemeClr val="accent1"/>
+          </a:effectRef>
+          <a:fontRef idx="minor">
+            <a:schemeClr val="lt1"/>
+          </a:fontRef>
+        </p:style>
+        <p:txBody>
+          <a:bodyPr rtlCol="0" anchor="ctr"/>
+          <a:lstStyle/>
+          <a:p>
+            <a:pPr algn="ctr"/>
+            <a:endParaRPr lang="en-US"/>
+          </a:p>
+        </p:txBody>
+      </p:sp>
+      <p:cxnSp>
+        <p:nvCxnSpPr>
+          <p:cNvPr id="68" name="Straight Connector 67">
+            <a:extLst>
+              <a:ext uri="{FF2B5EF4-FFF2-40B4-BE49-F238E27FC236}">
+                <a16:creationId xmlns:a16="http://schemas.microsoft.com/office/drawing/2014/main" id="{F47D4018-A1CD-4135-BA11-AA3E4F84EC52}"/>
+              </a:ext>
+            </a:extLst>
+          </p:cNvPr>
+          <p:cNvCxnSpPr>
+            <a:cxnSpLocks/>
+          </p:cNvCxnSpPr>
+          <p:nvPr/>
+        </p:nvCxnSpPr>
+        <p:spPr>
+          <a:xfrm>
+            <a:off x="9147340" y="2856268"/>
+            <a:ext cx="210434" cy="0"/>
+          </a:xfrm>
+          <a:prstGeom prst="line">
+            <a:avLst/>
+          </a:prstGeom>
+          <a:ln w="28575">
+            <a:solidFill>
+              <a:srgbClr val="5AF41C"/>
+            </a:solidFill>
+          </a:ln>
+        </p:spPr>
+        <p:style>
+          <a:lnRef idx="1">
+            <a:schemeClr val="accent1"/>
+          </a:lnRef>
+          <a:fillRef idx="0">
+            <a:schemeClr val="accent1"/>
+          </a:fillRef>
+          <a:effectRef idx="0">
+            <a:schemeClr val="accent1"/>
+          </a:effectRef>
+          <a:fontRef idx="minor">
+            <a:schemeClr val="tx1"/>
+          </a:fontRef>
+        </p:style>
+      </p:cxnSp>
     </p:spTree>
     <p:extLst>
       <p:ext uri="{BB962C8B-B14F-4D97-AF65-F5344CB8AC3E}">
@@ -7081,7 +6571,7 @@
 </p:sld>
 </file>
 
-<file path=ppt/slides/slide3.xml><?xml version="1.0" encoding="utf-8"?>
+<file path=ppt/slides/slide2.xml><?xml version="1.0" encoding="utf-8"?>
 <p:sld xmlns:a="http://schemas.openxmlformats.org/drawingml/2006/main" xmlns:r="http://schemas.openxmlformats.org/officeDocument/2006/relationships" xmlns:p="http://schemas.openxmlformats.org/presentationml/2006/main">
   <p:cSld>
     <p:spTree>
@@ -7534,42 +7024,6 @@
           </a:prstGeom>
         </p:spPr>
       </p:pic>
-      <p:pic>
-        <p:nvPicPr>
-          <p:cNvPr id="15" name="Picture 14">
-            <a:extLst>
-              <a:ext uri="{FF2B5EF4-FFF2-40B4-BE49-F238E27FC236}">
-                <a16:creationId xmlns:a16="http://schemas.microsoft.com/office/drawing/2014/main" id="{8CB2927C-E8D7-49B4-91F4-D9CCA92A584A}"/>
-              </a:ext>
-            </a:extLst>
-          </p:cNvPr>
-          <p:cNvPicPr>
-            <a:picLocks noChangeAspect="1"/>
-          </p:cNvPicPr>
-          <p:nvPr/>
-        </p:nvPicPr>
-        <p:blipFill>
-          <a:blip r:embed="rId8" cstate="print">
-            <a:extLst>
-              <a:ext uri="{28A0092B-C50C-407E-A947-70E740481C1C}">
-                <a14:useLocalDpi xmlns:a14="http://schemas.microsoft.com/office/drawing/2010/main" val="0"/>
-              </a:ext>
-            </a:extLst>
-          </a:blip>
-          <a:stretch>
-            <a:fillRect/>
-          </a:stretch>
-        </p:blipFill>
-        <p:spPr>
-          <a:xfrm>
-            <a:off x="1994518" y="2667540"/>
-            <a:ext cx="480026" cy="480026"/>
-          </a:xfrm>
-          <a:prstGeom prst="rect">
-            <a:avLst/>
-          </a:prstGeom>
-        </p:spPr>
-      </p:pic>
       <p:grpSp>
         <p:nvGrpSpPr>
           <p:cNvPr id="16" name="Group 15">
@@ -7605,7 +7059,7 @@
             <p:nvPr/>
           </p:nvPicPr>
           <p:blipFill>
-            <a:blip r:embed="rId9" cstate="print">
+            <a:blip r:embed="rId8" cstate="print">
               <a:extLst>
                 <a:ext uri="{28A0092B-C50C-407E-A947-70E740481C1C}">
                   <a14:useLocalDpi xmlns:a14="http://schemas.microsoft.com/office/drawing/2010/main" val="0"/>
@@ -7971,10 +7425,10 @@
       </p:cxnSp>
       <p:pic>
         <p:nvPicPr>
-          <p:cNvPr id="32" name="Picture 31">
-            <a:extLst>
-              <a:ext uri="{FF2B5EF4-FFF2-40B4-BE49-F238E27FC236}">
-                <a16:creationId xmlns:a16="http://schemas.microsoft.com/office/drawing/2014/main" id="{E70D137F-1216-4D5D-9E54-6D35B595F45B}"/>
+          <p:cNvPr id="38" name="Picture 37">
+            <a:extLst>
+              <a:ext uri="{FF2B5EF4-FFF2-40B4-BE49-F238E27FC236}">
+                <a16:creationId xmlns:a16="http://schemas.microsoft.com/office/drawing/2014/main" id="{F4EDEB74-68FD-4181-9085-CF02F1697EE7}"/>
               </a:ext>
             </a:extLst>
           </p:cNvPr>
@@ -7984,7 +7438,7 @@
           <p:nvPr/>
         </p:nvPicPr>
         <p:blipFill>
-          <a:blip r:embed="rId10" cstate="print">
+          <a:blip r:embed="rId9" cstate="print">
             <a:extLst>
               <a:ext uri="{28A0092B-C50C-407E-A947-70E740481C1C}">
                 <a14:useLocalDpi xmlns:a14="http://schemas.microsoft.com/office/drawing/2010/main" val="0"/>
@@ -7996,9 +7450,9 @@
           </a:stretch>
         </p:blipFill>
         <p:spPr>
-          <a:xfrm>
-            <a:off x="3571948" y="3613352"/>
-            <a:ext cx="480026" cy="480026"/>
+          <a:xfrm rot="5400000">
+            <a:off x="9590476" y="14991"/>
+            <a:ext cx="909858" cy="909858"/>
           </a:xfrm>
           <a:prstGeom prst="rect">
             <a:avLst/>
@@ -8007,10 +7461,10 @@
       </p:pic>
       <p:pic>
         <p:nvPicPr>
-          <p:cNvPr id="38" name="Picture 37">
-            <a:extLst>
-              <a:ext uri="{FF2B5EF4-FFF2-40B4-BE49-F238E27FC236}">
-                <a16:creationId xmlns:a16="http://schemas.microsoft.com/office/drawing/2014/main" id="{F4EDEB74-68FD-4181-9085-CF02F1697EE7}"/>
+          <p:cNvPr id="39" name="Picture 38">
+            <a:extLst>
+              <a:ext uri="{FF2B5EF4-FFF2-40B4-BE49-F238E27FC236}">
+                <a16:creationId xmlns:a16="http://schemas.microsoft.com/office/drawing/2014/main" id="{C09A5CF1-5537-4B7E-85DE-5ED3EB2EDA19}"/>
               </a:ext>
             </a:extLst>
           </p:cNvPr>
@@ -8020,7 +7474,7 @@
           <p:nvPr/>
         </p:nvPicPr>
         <p:blipFill>
-          <a:blip r:embed="rId11" cstate="print">
+          <a:blip r:embed="rId10" cstate="print">
             <a:extLst>
               <a:ext uri="{28A0092B-C50C-407E-A947-70E740481C1C}">
                 <a14:useLocalDpi xmlns:a14="http://schemas.microsoft.com/office/drawing/2010/main" val="0"/>
@@ -8032,42 +7486,6 @@
           </a:stretch>
         </p:blipFill>
         <p:spPr>
-          <a:xfrm rot="5400000">
-            <a:off x="9590476" y="14991"/>
-            <a:ext cx="909858" cy="909858"/>
-          </a:xfrm>
-          <a:prstGeom prst="rect">
-            <a:avLst/>
-          </a:prstGeom>
-        </p:spPr>
-      </p:pic>
-      <p:pic>
-        <p:nvPicPr>
-          <p:cNvPr id="39" name="Picture 38">
-            <a:extLst>
-              <a:ext uri="{FF2B5EF4-FFF2-40B4-BE49-F238E27FC236}">
-                <a16:creationId xmlns:a16="http://schemas.microsoft.com/office/drawing/2014/main" id="{C09A5CF1-5537-4B7E-85DE-5ED3EB2EDA19}"/>
-              </a:ext>
-            </a:extLst>
-          </p:cNvPr>
-          <p:cNvPicPr>
-            <a:picLocks noChangeAspect="1"/>
-          </p:cNvPicPr>
-          <p:nvPr/>
-        </p:nvPicPr>
-        <p:blipFill>
-          <a:blip r:embed="rId12" cstate="print">
-            <a:extLst>
-              <a:ext uri="{28A0092B-C50C-407E-A947-70E740481C1C}">
-                <a14:useLocalDpi xmlns:a14="http://schemas.microsoft.com/office/drawing/2010/main" val="0"/>
-              </a:ext>
-            </a:extLst>
-          </a:blip>
-          <a:stretch>
-            <a:fillRect/>
-          </a:stretch>
-        </p:blipFill>
-        <p:spPr>
           <a:xfrm>
             <a:off x="9594458" y="1642075"/>
             <a:ext cx="909858" cy="909858"/>
@@ -8092,7 +7510,7 @@
           <p:nvPr/>
         </p:nvPicPr>
         <p:blipFill rotWithShape="1">
-          <a:blip r:embed="rId13" cstate="print">
+          <a:blip r:embed="rId11" cstate="print">
             <a:extLst>
               <a:ext uri="{28A0092B-C50C-407E-A947-70E740481C1C}">
                 <a14:useLocalDpi xmlns:a14="http://schemas.microsoft.com/office/drawing/2010/main" val="0"/>
@@ -8127,7 +7545,7 @@
           <p:nvPr/>
         </p:nvPicPr>
         <p:blipFill>
-          <a:blip r:embed="rId14" cstate="print">
+          <a:blip r:embed="rId12" cstate="print">
             <a:extLst>
               <a:ext uri="{28A0092B-C50C-407E-A947-70E740481C1C}">
                 <a14:useLocalDpi xmlns:a14="http://schemas.microsoft.com/office/drawing/2010/main" val="0"/>
@@ -8490,7 +7908,7 @@
           <p:nvPr/>
         </p:nvPicPr>
         <p:blipFill>
-          <a:blip r:embed="rId15">
+          <a:blip r:embed="rId13">
             <a:extLst>
               <a:ext uri="{28A0092B-C50C-407E-A947-70E740481C1C}">
                 <a14:useLocalDpi xmlns:a14="http://schemas.microsoft.com/office/drawing/2010/main" val="0"/>
@@ -8520,6 +7938,42 @@
               </a14:hiddenFill>
             </a:ext>
           </a:extLst>
+        </p:spPr>
+      </p:pic>
+      <p:pic>
+        <p:nvPicPr>
+          <p:cNvPr id="35" name="Picture 34">
+            <a:extLst>
+              <a:ext uri="{FF2B5EF4-FFF2-40B4-BE49-F238E27FC236}">
+                <a16:creationId xmlns:a16="http://schemas.microsoft.com/office/drawing/2014/main" id="{39C2E53B-9B91-4C97-AD56-61BA19FA080B}"/>
+              </a:ext>
+            </a:extLst>
+          </p:cNvPr>
+          <p:cNvPicPr>
+            <a:picLocks noChangeAspect="1"/>
+          </p:cNvPicPr>
+          <p:nvPr/>
+        </p:nvPicPr>
+        <p:blipFill>
+          <a:blip r:embed="rId14" cstate="print">
+            <a:extLst>
+              <a:ext uri="{28A0092B-C50C-407E-A947-70E740481C1C}">
+                <a14:useLocalDpi xmlns:a14="http://schemas.microsoft.com/office/drawing/2010/main" val="0"/>
+              </a:ext>
+            </a:extLst>
+          </a:blip>
+          <a:stretch>
+            <a:fillRect/>
+          </a:stretch>
+        </p:blipFill>
+        <p:spPr>
+          <a:xfrm>
+            <a:off x="2008680" y="2720149"/>
+            <a:ext cx="497021" cy="497021"/>
+          </a:xfrm>
+          <a:prstGeom prst="rect">
+            <a:avLst/>
+          </a:prstGeom>
         </p:spPr>
       </p:pic>
     </p:spTree>
@@ -8535,7 +7989,7 @@
 </p:sld>
 </file>
 
-<file path=ppt/slides/slide4.xml><?xml version="1.0" encoding="utf-8"?>
+<file path=ppt/slides/slide3.xml><?xml version="1.0" encoding="utf-8"?>
 <p:sld xmlns:a="http://schemas.openxmlformats.org/drawingml/2006/main" xmlns:r="http://schemas.openxmlformats.org/officeDocument/2006/relationships" xmlns:p="http://schemas.openxmlformats.org/presentationml/2006/main">
   <p:cSld>
     <p:spTree>
@@ -8919,66 +8373,6 @@
       </p:sp>
       <p:pic>
         <p:nvPicPr>
-          <p:cNvPr id="28" name="Picture 27"/>
-          <p:cNvPicPr>
-            <a:picLocks noChangeAspect="1"/>
-          </p:cNvPicPr>
-          <p:nvPr/>
-        </p:nvPicPr>
-        <p:blipFill>
-          <a:blip r:embed="rId7" cstate="print">
-            <a:extLst>
-              <a:ext uri="{28A0092B-C50C-407E-A947-70E740481C1C}">
-                <a14:useLocalDpi xmlns:a14="http://schemas.microsoft.com/office/drawing/2010/main" val="0"/>
-              </a:ext>
-            </a:extLst>
-          </a:blip>
-          <a:stretch>
-            <a:fillRect/>
-          </a:stretch>
-        </p:blipFill>
-        <p:spPr>
-          <a:xfrm>
-            <a:off x="3964473" y="893632"/>
-            <a:ext cx="576903" cy="576903"/>
-          </a:xfrm>
-          <a:prstGeom prst="rect">
-            <a:avLst/>
-          </a:prstGeom>
-        </p:spPr>
-      </p:pic>
-      <p:pic>
-        <p:nvPicPr>
-          <p:cNvPr id="27" name="Picture 26"/>
-          <p:cNvPicPr>
-            <a:picLocks noChangeAspect="1"/>
-          </p:cNvPicPr>
-          <p:nvPr/>
-        </p:nvPicPr>
-        <p:blipFill>
-          <a:blip r:embed="rId8" cstate="print">
-            <a:extLst>
-              <a:ext uri="{28A0092B-C50C-407E-A947-70E740481C1C}">
-                <a14:useLocalDpi xmlns:a14="http://schemas.microsoft.com/office/drawing/2010/main" val="0"/>
-              </a:ext>
-            </a:extLst>
-          </a:blip>
-          <a:stretch>
-            <a:fillRect/>
-          </a:stretch>
-        </p:blipFill>
-        <p:spPr>
-          <a:xfrm>
-            <a:off x="2639004" y="893633"/>
-            <a:ext cx="576903" cy="576903"/>
-          </a:xfrm>
-          <a:prstGeom prst="rect">
-            <a:avLst/>
-          </a:prstGeom>
-        </p:spPr>
-      </p:pic>
-      <p:pic>
-        <p:nvPicPr>
           <p:cNvPr id="33" name="Picture 32"/>
           <p:cNvPicPr>
             <a:picLocks noChangeAspect="1"/>
@@ -8986,7 +8380,7 @@
           <p:nvPr/>
         </p:nvPicPr>
         <p:blipFill>
-          <a:blip r:embed="rId9" cstate="print">
+          <a:blip r:embed="rId7" cstate="print">
             <a:extLst>
               <a:ext uri="{28A0092B-C50C-407E-A947-70E740481C1C}">
                 <a14:useLocalDpi xmlns:a14="http://schemas.microsoft.com/office/drawing/2010/main" val="0"/>
@@ -9016,7 +8410,7 @@
           <p:nvPr/>
         </p:nvPicPr>
         <p:blipFill rotWithShape="1">
-          <a:blip r:embed="rId10" cstate="print">
+          <a:blip r:embed="rId8" cstate="print">
             <a:extLst>
               <a:ext uri="{28A0092B-C50C-407E-A947-70E740481C1C}">
                 <a14:useLocalDpi xmlns:a14="http://schemas.microsoft.com/office/drawing/2010/main" val="0"/>
@@ -9045,7 +8439,7 @@
           <p:nvPr/>
         </p:nvPicPr>
         <p:blipFill>
-          <a:blip r:embed="rId11" cstate="print">
+          <a:blip r:embed="rId9" cstate="print">
             <a:extLst>
               <a:ext uri="{28A0092B-C50C-407E-A947-70E740481C1C}">
                 <a14:useLocalDpi xmlns:a14="http://schemas.microsoft.com/office/drawing/2010/main" val="0"/>
@@ -9068,10 +8462,10 @@
       </p:pic>
       <p:pic>
         <p:nvPicPr>
-          <p:cNvPr id="29" name="Picture 28">
-            <a:extLst>
-              <a:ext uri="{FF2B5EF4-FFF2-40B4-BE49-F238E27FC236}">
-                <a16:creationId xmlns:a16="http://schemas.microsoft.com/office/drawing/2014/main" id="{781E05DA-2AF4-436A-A94C-8C7DE55074A3}"/>
+          <p:cNvPr id="20" name="Picture 19">
+            <a:extLst>
+              <a:ext uri="{FF2B5EF4-FFF2-40B4-BE49-F238E27FC236}">
+                <a16:creationId xmlns:a16="http://schemas.microsoft.com/office/drawing/2014/main" id="{3507345E-2F46-432A-BE39-335BD2C8923C}"/>
               </a:ext>
             </a:extLst>
           </p:cNvPr>
@@ -9081,7 +8475,7 @@
           <p:nvPr/>
         </p:nvPicPr>
         <p:blipFill>
-          <a:blip r:embed="rId7" cstate="print">
+          <a:blip r:embed="rId10" cstate="print">
             <a:extLst>
               <a:ext uri="{28A0092B-C50C-407E-A947-70E740481C1C}">
                 <a14:useLocalDpi xmlns:a14="http://schemas.microsoft.com/office/drawing/2010/main" val="0"/>
@@ -9094,8 +8488,8 @@
         </p:blipFill>
         <p:spPr>
           <a:xfrm>
-            <a:off x="4954069" y="438036"/>
-            <a:ext cx="576903" cy="576903"/>
+            <a:off x="4006720" y="1014939"/>
+            <a:ext cx="497021" cy="497021"/>
           </a:xfrm>
           <a:prstGeom prst="rect">
             <a:avLst/>
@@ -9104,10 +8498,10 @@
       </p:pic>
       <p:pic>
         <p:nvPicPr>
-          <p:cNvPr id="30" name="Picture 29">
-            <a:extLst>
-              <a:ext uri="{FF2B5EF4-FFF2-40B4-BE49-F238E27FC236}">
-                <a16:creationId xmlns:a16="http://schemas.microsoft.com/office/drawing/2014/main" id="{93378177-31E9-4BAC-B0D2-AB74072815B3}"/>
+          <p:cNvPr id="22" name="Picture 21">
+            <a:extLst>
+              <a:ext uri="{FF2B5EF4-FFF2-40B4-BE49-F238E27FC236}">
+                <a16:creationId xmlns:a16="http://schemas.microsoft.com/office/drawing/2014/main" id="{4CD4D947-3F07-4B67-8593-306E3663EC16}"/>
               </a:ext>
             </a:extLst>
           </p:cNvPr>
@@ -9117,7 +8511,7 @@
           <p:nvPr/>
         </p:nvPicPr>
         <p:blipFill>
-          <a:blip r:embed="rId8" cstate="print">
+          <a:blip r:embed="rId10" cstate="print">
             <a:extLst>
               <a:ext uri="{28A0092B-C50C-407E-A947-70E740481C1C}">
                 <a14:useLocalDpi xmlns:a14="http://schemas.microsoft.com/office/drawing/2010/main" val="0"/>
@@ -9130,8 +8524,8 @@
         </p:blipFill>
         <p:spPr>
           <a:xfrm>
-            <a:off x="6932362" y="893633"/>
-            <a:ext cx="576903" cy="576903"/>
+            <a:off x="5045272" y="680585"/>
+            <a:ext cx="497021" cy="497021"/>
           </a:xfrm>
           <a:prstGeom prst="rect">
             <a:avLst/>
@@ -9250,41 +8644,6 @@
                                   </p:childTnLst>
                                 </p:cTn>
                               </p:par>
-                              <p:par>
-                                <p:cTn id="11" presetID="10" presetClass="entr" presetSubtype="0" fill="hold" nodeType="withEffect">
-                                  <p:stCondLst>
-                                    <p:cond delay="0"/>
-                                  </p:stCondLst>
-                                  <p:childTnLst>
-                                    <p:set>
-                                      <p:cBhvr>
-                                        <p:cTn id="12" dur="1" fill="hold">
-                                          <p:stCondLst>
-                                            <p:cond delay="0"/>
-                                          </p:stCondLst>
-                                        </p:cTn>
-                                        <p:tgtEl>
-                                          <p:spTgt spid="28"/>
-                                        </p:tgtEl>
-                                        <p:attrNameLst>
-                                          <p:attrName>style.visibility</p:attrName>
-                                        </p:attrNameLst>
-                                      </p:cBhvr>
-                                      <p:to>
-                                        <p:strVal val="visible"/>
-                                      </p:to>
-                                    </p:set>
-                                    <p:animEffect transition="in" filter="fade">
-                                      <p:cBhvr>
-                                        <p:cTn id="13" dur="500"/>
-                                        <p:tgtEl>
-                                          <p:spTgt spid="28"/>
-                                        </p:tgtEl>
-                                      </p:cBhvr>
-                                    </p:animEffect>
-                                  </p:childTnLst>
-                                </p:cTn>
-                              </p:par>
                             </p:childTnLst>
                           </p:cTn>
                         </p:par>
@@ -9292,26 +8651,26 @@
                     </p:cTn>
                   </p:par>
                   <p:par>
-                    <p:cTn id="14" fill="hold">
+                    <p:cTn id="11" fill="hold">
                       <p:stCondLst>
                         <p:cond delay="indefinite"/>
                       </p:stCondLst>
                       <p:childTnLst>
                         <p:par>
-                          <p:cTn id="15" fill="hold">
+                          <p:cTn id="12" fill="hold">
                             <p:stCondLst>
                               <p:cond delay="0"/>
                             </p:stCondLst>
                             <p:childTnLst>
                               <p:par>
-                                <p:cTn id="16" presetID="10" presetClass="entr" presetSubtype="0" fill="hold" nodeType="clickEffect">
+                                <p:cTn id="13" presetID="10" presetClass="entr" presetSubtype="0" fill="hold" nodeType="clickEffect">
                                   <p:stCondLst>
                                     <p:cond delay="0"/>
                                   </p:stCondLst>
                                   <p:childTnLst>
                                     <p:set>
                                       <p:cBhvr>
-                                        <p:cTn id="17" dur="1" fill="hold">
+                                        <p:cTn id="14" dur="1" fill="hold">
                                           <p:stCondLst>
                                             <p:cond delay="0"/>
                                           </p:stCondLst>
@@ -9329,7 +8688,7 @@
                                     </p:set>
                                     <p:animEffect transition="in" filter="fade">
                                       <p:cBhvr>
-                                        <p:cTn id="18" dur="500"/>
+                                        <p:cTn id="15" dur="500"/>
                                         <p:tgtEl>
                                           <p:spTgt spid="9"/>
                                         </p:tgtEl>
@@ -9339,14 +8698,14 @@
                                 </p:cTn>
                               </p:par>
                               <p:par>
-                                <p:cTn id="19" presetID="10" presetClass="entr" presetSubtype="0" fill="hold" grpId="0" nodeType="withEffect">
+                                <p:cTn id="16" presetID="10" presetClass="entr" presetSubtype="0" fill="hold" grpId="0" nodeType="withEffect">
                                   <p:stCondLst>
                                     <p:cond delay="0"/>
                                   </p:stCondLst>
                                   <p:childTnLst>
                                     <p:set>
                                       <p:cBhvr>
-                                        <p:cTn id="20" dur="1" fill="hold">
+                                        <p:cTn id="17" dur="1" fill="hold">
                                           <p:stCondLst>
                                             <p:cond delay="0"/>
                                           </p:stCondLst>
@@ -9364,7 +8723,7 @@
                                     </p:set>
                                     <p:animEffect transition="in" filter="fade">
                                       <p:cBhvr>
-                                        <p:cTn id="21" dur="500"/>
+                                        <p:cTn id="18" dur="500"/>
                                         <p:tgtEl>
                                           <p:spTgt spid="17"/>
                                         </p:tgtEl>
@@ -9380,26 +8739,26 @@
                     </p:cTn>
                   </p:par>
                   <p:par>
-                    <p:cTn id="22" fill="hold">
+                    <p:cTn id="19" fill="hold">
                       <p:stCondLst>
                         <p:cond delay="indefinite"/>
                       </p:stCondLst>
                       <p:childTnLst>
                         <p:par>
-                          <p:cTn id="23" fill="hold">
+                          <p:cTn id="20" fill="hold">
                             <p:stCondLst>
                               <p:cond delay="0"/>
                             </p:stCondLst>
                             <p:childTnLst>
                               <p:par>
-                                <p:cTn id="24" presetID="22" presetClass="entr" presetSubtype="8" fill="hold" grpId="0" nodeType="clickEffect">
+                                <p:cTn id="21" presetID="22" presetClass="entr" presetSubtype="8" fill="hold" grpId="0" nodeType="clickEffect">
                                   <p:stCondLst>
                                     <p:cond delay="0"/>
                                   </p:stCondLst>
                                   <p:childTnLst>
                                     <p:set>
                                       <p:cBhvr>
-                                        <p:cTn id="25" dur="1" fill="hold">
+                                        <p:cTn id="22" dur="1" fill="hold">
                                           <p:stCondLst>
                                             <p:cond delay="0"/>
                                           </p:stCondLst>
@@ -9417,44 +8776,9 @@
                                     </p:set>
                                     <p:animEffect transition="in" filter="wipe(left)">
                                       <p:cBhvr>
-                                        <p:cTn id="26" dur="500"/>
+                                        <p:cTn id="23" dur="500"/>
                                         <p:tgtEl>
                                           <p:spTgt spid="21"/>
-                                        </p:tgtEl>
-                                      </p:cBhvr>
-                                    </p:animEffect>
-                                  </p:childTnLst>
-                                </p:cTn>
-                              </p:par>
-                              <p:par>
-                                <p:cTn id="27" presetID="10" presetClass="entr" presetSubtype="0" fill="hold" nodeType="withEffect">
-                                  <p:stCondLst>
-                                    <p:cond delay="0"/>
-                                  </p:stCondLst>
-                                  <p:childTnLst>
-                                    <p:set>
-                                      <p:cBhvr>
-                                        <p:cTn id="28" dur="1" fill="hold">
-                                          <p:stCondLst>
-                                            <p:cond delay="0"/>
-                                          </p:stCondLst>
-                                        </p:cTn>
-                                        <p:tgtEl>
-                                          <p:spTgt spid="29"/>
-                                        </p:tgtEl>
-                                        <p:attrNameLst>
-                                          <p:attrName>style.visibility</p:attrName>
-                                        </p:attrNameLst>
-                                      </p:cBhvr>
-                                      <p:to>
-                                        <p:strVal val="visible"/>
-                                      </p:to>
-                                    </p:set>
-                                    <p:animEffect transition="in" filter="fade">
-                                      <p:cBhvr>
-                                        <p:cTn id="29" dur="500"/>
-                                        <p:tgtEl>
-                                          <p:spTgt spid="29"/>
                                         </p:tgtEl>
                                       </p:cBhvr>
                                     </p:animEffect>
